--- a/Clase - Docker - UTN.BA & Accenture.pptx
+++ b/Clase - Docker - UTN.BA & Accenture.pptx
@@ -1,60 +1,28 @@
 
 <file path=ppt/presentation.xml><?xml version="1.0" encoding="utf-8"?>
-<p:presentation xmlns:a="http://schemas.openxmlformats.org/drawingml/2006/main" xmlns:r="http://schemas.openxmlformats.org/officeDocument/2006/relationships" xmlns:p="http://schemas.openxmlformats.org/presentationml/2006/main" strictFirstAndLastChars="0" embedTrueTypeFonts="1" saveSubsetFonts="1" autoCompressPictures="0">
+<p:presentation xmlns:a="http://schemas.openxmlformats.org/drawingml/2006/main" xmlns:r="http://schemas.openxmlformats.org/officeDocument/2006/relationships" xmlns:p="http://schemas.openxmlformats.org/presentationml/2006/main" xmlns:m="http://schemas.openxmlformats.org/officeDocument/2006/math" xmlns:w="http://schemas.openxmlformats.org/wordprocessingml/2006/main" autoCompressPictures="0" embedTrueTypeFonts="1" saveSubsetFonts="1" strictFirstAndLastChars="0">
   <p:sldMasterIdLst>
     <p:sldMasterId id="2147483648" r:id="rId1"/>
   </p:sldMasterIdLst>
   <p:notesMasterIdLst>
-    <p:notesMasterId r:id="rId4"/>
+    <p:notesMasterId r:id="rId14"/>
   </p:notesMasterIdLst>
   <p:sldIdLst>
-    <p:sldId id="256" r:id="rId3"/>
+    <p:sldId id="256" r:id="rId4"/>
     <p:sldId id="257" r:id="rId5"/>
     <p:sldId id="258" r:id="rId6"/>
     <p:sldId id="259" r:id="rId7"/>
-    <p:sldId id="329" r:id="rId8"/>
-    <p:sldId id="325" r:id="rId9"/>
-    <p:sldId id="328" r:id="rId10"/>
-    <p:sldId id="326" r:id="rId11"/>
-    <p:sldId id="327" r:id="rId12"/>
+    <p:sldId id="260" r:id="rId8"/>
+    <p:sldId id="261" r:id="rId9"/>
+    <p:sldId id="262" r:id="rId10"/>
+    <p:sldId id="263" r:id="rId11"/>
+    <p:sldId id="264" r:id="rId12"/>
+    <p:sldId id="265" r:id="rId13"/>
   </p:sldIdLst>
   <p:sldSz cx="9144000" cy="5143500"/>
   <p:notesSz cx="6858000" cy="9144000"/>
-  <p:embeddedFontLst>
-    <p:embeddedFont>
-      <p:font typeface="Nunito" charset="0"/>
-      <p:regular r:id="rId17"/>
-      <p:bold r:id="rId18"/>
-      <p:italic r:id="rId19"/>
-      <p:boldItalic r:id="rId20"/>
-    </p:embeddedFont>
-    <p:embeddedFont>
-      <p:font typeface="Lato" charset="0"/>
-      <p:regular r:id="rId21"/>
-      <p:bold r:id="rId22"/>
-      <p:italic r:id="rId23"/>
-      <p:boldItalic r:id="rId24"/>
-    </p:embeddedFont>
-    <p:embeddedFont>
-      <p:font typeface="Nunito ExtraBold" charset="0"/>
-      <p:bold r:id="rId25"/>
-      <p:boldItalic r:id="rId26"/>
-    </p:embeddedFont>
-    <p:embeddedFont>
-      <p:font typeface="Nunito Medium" charset="0"/>
-      <p:regular r:id="rId27"/>
-      <p:bold r:id="rId28"/>
-      <p:italic r:id="rId29"/>
-      <p:boldItalic r:id="rId30"/>
-    </p:embeddedFont>
-    <p:embeddedFont>
-      <p:font typeface="Nunito Black" charset="0"/>
-      <p:bold r:id="rId31"/>
-      <p:boldItalic r:id="rId32"/>
-    </p:embeddedFont>
-  </p:embeddedFontLst>
   <p:defaultTextStyle>
-    <a:defPPr marR="0" lvl="0" algn="l" rtl="0">
+    <a:defPPr marR="0" lvl="0" algn="l">
       <a:lnSpc>
         <a:spcPct val="100000"/>
       </a:lnSpc>
@@ -65,7 +33,7 @@
         <a:spcPts val="0"/>
       </a:spcAft>
     </a:defPPr>
-    <a:lvl1pPr marR="0" lvl="0" algn="l" rtl="0">
+    <a:lvl1pPr marR="0" lvl="0" algn="l">
       <a:lnSpc>
         <a:spcPct val="100000"/>
       </a:lnSpc>
@@ -78,18 +46,17 @@
       <a:buClr>
         <a:srgbClr val="000000"/>
       </a:buClr>
-      <a:buFont typeface="Arial" panose="020B0604020202020204"/>
+      <a:buFont typeface="Arial"/>
       <a:defRPr sz="1400" b="0" i="0" u="none" strike="noStrike" cap="none">
         <a:solidFill>
           <a:srgbClr val="000000"/>
         </a:solidFill>
-        <a:latin typeface="Arial" panose="020B0604020202020204"/>
-        <a:ea typeface="Arial" panose="020B0604020202020204"/>
-        <a:cs typeface="Arial" panose="020B0604020202020204"/>
-        <a:sym typeface="Arial" panose="020B0604020202020204"/>
+        <a:latin typeface="Arial"/>
+        <a:ea typeface="Arial"/>
+        <a:cs typeface="Arial"/>
       </a:defRPr>
     </a:lvl1pPr>
-    <a:lvl2pPr marR="0" lvl="1" algn="l" rtl="0">
+    <a:lvl2pPr marR="0" lvl="1" algn="l">
       <a:lnSpc>
         <a:spcPct val="100000"/>
       </a:lnSpc>
@@ -102,18 +69,17 @@
       <a:buClr>
         <a:srgbClr val="000000"/>
       </a:buClr>
-      <a:buFont typeface="Arial" panose="020B0604020202020204"/>
+      <a:buFont typeface="Arial"/>
       <a:defRPr sz="1400" b="0" i="0" u="none" strike="noStrike" cap="none">
         <a:solidFill>
           <a:srgbClr val="000000"/>
         </a:solidFill>
-        <a:latin typeface="Arial" panose="020B0604020202020204"/>
-        <a:ea typeface="Arial" panose="020B0604020202020204"/>
-        <a:cs typeface="Arial" panose="020B0604020202020204"/>
-        <a:sym typeface="Arial" panose="020B0604020202020204"/>
+        <a:latin typeface="Arial"/>
+        <a:ea typeface="Arial"/>
+        <a:cs typeface="Arial"/>
       </a:defRPr>
     </a:lvl2pPr>
-    <a:lvl3pPr marR="0" lvl="2" algn="l" rtl="0">
+    <a:lvl3pPr marR="0" lvl="2" algn="l">
       <a:lnSpc>
         <a:spcPct val="100000"/>
       </a:lnSpc>
@@ -126,18 +92,17 @@
       <a:buClr>
         <a:srgbClr val="000000"/>
       </a:buClr>
-      <a:buFont typeface="Arial" panose="020B0604020202020204"/>
+      <a:buFont typeface="Arial"/>
       <a:defRPr sz="1400" b="0" i="0" u="none" strike="noStrike" cap="none">
         <a:solidFill>
           <a:srgbClr val="000000"/>
         </a:solidFill>
-        <a:latin typeface="Arial" panose="020B0604020202020204"/>
-        <a:ea typeface="Arial" panose="020B0604020202020204"/>
-        <a:cs typeface="Arial" panose="020B0604020202020204"/>
-        <a:sym typeface="Arial" panose="020B0604020202020204"/>
+        <a:latin typeface="Arial"/>
+        <a:ea typeface="Arial"/>
+        <a:cs typeface="Arial"/>
       </a:defRPr>
     </a:lvl3pPr>
-    <a:lvl4pPr marR="0" lvl="3" algn="l" rtl="0">
+    <a:lvl4pPr marR="0" lvl="3" algn="l">
       <a:lnSpc>
         <a:spcPct val="100000"/>
       </a:lnSpc>
@@ -150,18 +115,17 @@
       <a:buClr>
         <a:srgbClr val="000000"/>
       </a:buClr>
-      <a:buFont typeface="Arial" panose="020B0604020202020204"/>
+      <a:buFont typeface="Arial"/>
       <a:defRPr sz="1400" b="0" i="0" u="none" strike="noStrike" cap="none">
         <a:solidFill>
           <a:srgbClr val="000000"/>
         </a:solidFill>
-        <a:latin typeface="Arial" panose="020B0604020202020204"/>
-        <a:ea typeface="Arial" panose="020B0604020202020204"/>
-        <a:cs typeface="Arial" panose="020B0604020202020204"/>
-        <a:sym typeface="Arial" panose="020B0604020202020204"/>
+        <a:latin typeface="Arial"/>
+        <a:ea typeface="Arial"/>
+        <a:cs typeface="Arial"/>
       </a:defRPr>
     </a:lvl4pPr>
-    <a:lvl5pPr marR="0" lvl="4" algn="l" rtl="0">
+    <a:lvl5pPr marR="0" lvl="4" algn="l">
       <a:lnSpc>
         <a:spcPct val="100000"/>
       </a:lnSpc>
@@ -174,18 +138,17 @@
       <a:buClr>
         <a:srgbClr val="000000"/>
       </a:buClr>
-      <a:buFont typeface="Arial" panose="020B0604020202020204"/>
+      <a:buFont typeface="Arial"/>
       <a:defRPr sz="1400" b="0" i="0" u="none" strike="noStrike" cap="none">
         <a:solidFill>
           <a:srgbClr val="000000"/>
         </a:solidFill>
-        <a:latin typeface="Arial" panose="020B0604020202020204"/>
-        <a:ea typeface="Arial" panose="020B0604020202020204"/>
-        <a:cs typeface="Arial" panose="020B0604020202020204"/>
-        <a:sym typeface="Arial" panose="020B0604020202020204"/>
+        <a:latin typeface="Arial"/>
+        <a:ea typeface="Arial"/>
+        <a:cs typeface="Arial"/>
       </a:defRPr>
     </a:lvl5pPr>
-    <a:lvl6pPr marR="0" lvl="5" algn="l" rtl="0">
+    <a:lvl6pPr marR="0" lvl="5" algn="l">
       <a:lnSpc>
         <a:spcPct val="100000"/>
       </a:lnSpc>
@@ -198,18 +161,17 @@
       <a:buClr>
         <a:srgbClr val="000000"/>
       </a:buClr>
-      <a:buFont typeface="Arial" panose="020B0604020202020204"/>
+      <a:buFont typeface="Arial"/>
       <a:defRPr sz="1400" b="0" i="0" u="none" strike="noStrike" cap="none">
         <a:solidFill>
           <a:srgbClr val="000000"/>
         </a:solidFill>
-        <a:latin typeface="Arial" panose="020B0604020202020204"/>
-        <a:ea typeface="Arial" panose="020B0604020202020204"/>
-        <a:cs typeface="Arial" panose="020B0604020202020204"/>
-        <a:sym typeface="Arial" panose="020B0604020202020204"/>
+        <a:latin typeface="Arial"/>
+        <a:ea typeface="Arial"/>
+        <a:cs typeface="Arial"/>
       </a:defRPr>
     </a:lvl6pPr>
-    <a:lvl7pPr marR="0" lvl="6" algn="l" rtl="0">
+    <a:lvl7pPr marR="0" lvl="6" algn="l">
       <a:lnSpc>
         <a:spcPct val="100000"/>
       </a:lnSpc>
@@ -222,18 +184,17 @@
       <a:buClr>
         <a:srgbClr val="000000"/>
       </a:buClr>
-      <a:buFont typeface="Arial" panose="020B0604020202020204"/>
+      <a:buFont typeface="Arial"/>
       <a:defRPr sz="1400" b="0" i="0" u="none" strike="noStrike" cap="none">
         <a:solidFill>
           <a:srgbClr val="000000"/>
         </a:solidFill>
-        <a:latin typeface="Arial" panose="020B0604020202020204"/>
-        <a:ea typeface="Arial" panose="020B0604020202020204"/>
-        <a:cs typeface="Arial" panose="020B0604020202020204"/>
-        <a:sym typeface="Arial" panose="020B0604020202020204"/>
+        <a:latin typeface="Arial"/>
+        <a:ea typeface="Arial"/>
+        <a:cs typeface="Arial"/>
       </a:defRPr>
     </a:lvl7pPr>
-    <a:lvl8pPr marR="0" lvl="7" algn="l" rtl="0">
+    <a:lvl8pPr marR="0" lvl="7" algn="l">
       <a:lnSpc>
         <a:spcPct val="100000"/>
       </a:lnSpc>
@@ -246,18 +207,17 @@
       <a:buClr>
         <a:srgbClr val="000000"/>
       </a:buClr>
-      <a:buFont typeface="Arial" panose="020B0604020202020204"/>
+      <a:buFont typeface="Arial"/>
       <a:defRPr sz="1400" b="0" i="0" u="none" strike="noStrike" cap="none">
         <a:solidFill>
           <a:srgbClr val="000000"/>
         </a:solidFill>
-        <a:latin typeface="Arial" panose="020B0604020202020204"/>
-        <a:ea typeface="Arial" panose="020B0604020202020204"/>
-        <a:cs typeface="Arial" panose="020B0604020202020204"/>
-        <a:sym typeface="Arial" panose="020B0604020202020204"/>
+        <a:latin typeface="Arial"/>
+        <a:ea typeface="Arial"/>
+        <a:cs typeface="Arial"/>
       </a:defRPr>
     </a:lvl8pPr>
-    <a:lvl9pPr marR="0" lvl="8" algn="l" rtl="0">
+    <a:lvl9pPr marR="0" lvl="8" algn="l">
       <a:lnSpc>
         <a:spcPct val="100000"/>
       </a:lnSpc>
@@ -270,15 +230,14 @@
       <a:buClr>
         <a:srgbClr val="000000"/>
       </a:buClr>
-      <a:buFont typeface="Arial" panose="020B0604020202020204"/>
+      <a:buFont typeface="Arial"/>
       <a:defRPr sz="1400" b="0" i="0" u="none" strike="noStrike" cap="none">
         <a:solidFill>
           <a:srgbClr val="000000"/>
         </a:solidFill>
-        <a:latin typeface="Arial" panose="020B0604020202020204"/>
-        <a:ea typeface="Arial" panose="020B0604020202020204"/>
-        <a:cs typeface="Arial" panose="020B0604020202020204"/>
-        <a:sym typeface="Arial" panose="020B0604020202020204"/>
+        <a:latin typeface="Arial"/>
+        <a:ea typeface="Arial"/>
+        <a:cs typeface="Arial"/>
       </a:defRPr>
     </a:lvl9pPr>
   </p:defaultTextStyle>
@@ -287,23 +246,27 @@
 
 <file path=ppt/commentAuthors.xml><?xml version="1.0" encoding="utf-8"?>
 <p:cmAuthorLst xmlns:a="http://schemas.openxmlformats.org/drawingml/2006/main" xmlns:r="http://schemas.openxmlformats.org/officeDocument/2006/relationships" xmlns:p="http://schemas.openxmlformats.org/presentationml/2006/main">
-  <p:cmAuthor id="0" name="Lucas Saclier" initials="" lastIdx="2" clrIdx="0"/>
-  <p:cmAuthor id="1" name="AylÉn Martina Sandoval" initials="" lastIdx="4" clrIdx="1"/>
+  <p:cmAuthor id="1" name="Lucas Saclier" initials="LS" lastIdx="1" clrIdx="0"/>
 </p:cmAuthorLst>
 </file>
 
 <file path=ppt/comments/comment1.xml><?xml version="1.0" encoding="utf-8"?>
-<p:cmLst xmlns:a="http://schemas.openxmlformats.org/drawingml/2006/main" xmlns:r="http://schemas.openxmlformats.org/officeDocument/2006/relationships" xmlns:p="http://schemas.openxmlformats.org/presentationml/2006/main">
-  <p:cm authorId="0" dt="2024-06-02T03:23:28.098" idx="1">
+<p:cmLst xmlns:a="http://schemas.openxmlformats.org/drawingml/2006/main" xmlns:r="http://schemas.openxmlformats.org/officeDocument/2006/relationships" xmlns:p="http://schemas.openxmlformats.org/presentationml/2006/main" xmlns:m="http://schemas.openxmlformats.org/officeDocument/2006/math" xmlns:w="http://schemas.openxmlformats.org/wordprocessingml/2006/main">
+  <p:cm authorId="1" dt="2024-06-02T03:23:28Z" idx="1">
     <p:pos x="419" y="408"/>
     <p:text>Actualizar</p:text>
+    <p:extLst>
+      <p:ext uri="{19B8F6BF-5375-455C-9EA6-DF929625EA0E}">
+        <p15:presenceInfo xmlns:p15="http://schemas.microsoft.com/office/powerpoint/2012/main" userId="teamlab_data:0;1;0;1;13;Lucas Saclier;2;1;0;4;38;{001200C9-00D9-4DA7-A8AF-00270090000D};" providerId="AD"/>
+      </p:ext>
+    </p:extLst>
   </p:cm>
 </p:cmLst>
 </file>
 
 <file path=ppt/notesMasters/notesMaster1.xml><?xml version="1.0" encoding="utf-8"?>
 <p:notesMaster xmlns:a="http://schemas.openxmlformats.org/drawingml/2006/main" xmlns:r="http://schemas.openxmlformats.org/officeDocument/2006/relationships" xmlns:p="http://schemas.openxmlformats.org/presentationml/2006/main">
-  <p:cSld>
+  <p:cSld name="">
     <p:bg>
       <p:bgRef idx="1001">
         <a:schemeClr val="bg1"/>
@@ -311,11 +274,11 @@
     </p:bg>
     <p:spTree>
       <p:nvGrpSpPr>
-        <p:cNvPr id="2" name="Shape 2"/>
+        <p:cNvPr id="1" name=""/>
         <p:cNvGrpSpPr/>
         <p:nvPr/>
       </p:nvGrpSpPr>
-      <p:grpSpPr>
+      <p:grpSpPr bwMode="auto">
         <a:xfrm>
           <a:off x="0" y="0"/>
           <a:ext cx="0" cy="0"/>
@@ -331,7 +294,7 @@
             <p:ph type="sldImg" idx="2"/>
           </p:nvPr>
         </p:nvSpPr>
-        <p:spPr>
+        <p:spPr bwMode="auto">
           <a:xfrm>
             <a:off x="381300" y="685800"/>
             <a:ext cx="6096075" cy="3429000"/>
@@ -343,7 +306,7 @@
             <a:cxnLst/>
             <a:rect l="l" t="t" r="r" b="b"/>
             <a:pathLst>
-              <a:path w="120000" h="120000" extrusionOk="0">
+              <a:path w="120000" h="120000" fill="norm" stroke="1" extrusionOk="0">
                 <a:moveTo>
                   <a:pt x="0" y="0"/>
                 </a:moveTo>
@@ -380,7 +343,7 @@
             <p:ph type="body" idx="1"/>
           </p:nvPr>
         </p:nvSpPr>
-        <p:spPr>
+        <p:spPr bwMode="auto">
           <a:xfrm>
             <a:off x="685800" y="4343400"/>
             <a:ext cx="5486400" cy="4114800"/>
@@ -498,14 +461,19 @@
               <a:defRPr sz="1100"/>
             </a:lvl9pPr>
           </a:lstStyle>
-          <a:p/>
+          <a:p>
+            <a:pPr>
+              <a:defRPr/>
+            </a:pPr>
+            <a:endParaRPr/>
+          </a:p>
         </p:txBody>
       </p:sp>
     </p:spTree>
   </p:cSld>
   <p:clrMap bg1="lt1" tx1="dk1" bg2="dk2" tx2="lt2" accent1="accent1" accent2="accent2" accent3="accent3" accent4="accent4" accent5="accent5" accent6="accent6" hlink="hlink" folHlink="folHlink"/>
   <p:notesStyle>
-    <a:defPPr marR="0" lvl="0" algn="l" rtl="0">
+    <a:defPPr marR="0" lvl="0" algn="l">
       <a:lnSpc>
         <a:spcPct val="100000"/>
       </a:lnSpc>
@@ -516,7 +484,7 @@
         <a:spcPts val="0"/>
       </a:spcAft>
     </a:defPPr>
-    <a:lvl1pPr marR="0" lvl="0" algn="l" rtl="0">
+    <a:lvl1pPr marR="0" lvl="0" algn="l">
       <a:lnSpc>
         <a:spcPct val="100000"/>
       </a:lnSpc>
@@ -529,18 +497,17 @@
       <a:buClr>
         <a:srgbClr val="000000"/>
       </a:buClr>
-      <a:buFont typeface="Arial" panose="020B0604020202020204"/>
+      <a:buFont typeface="Arial"/>
       <a:defRPr sz="1400" b="0" i="0" u="none" strike="noStrike" cap="none">
         <a:solidFill>
           <a:srgbClr val="000000"/>
         </a:solidFill>
-        <a:latin typeface="Arial" panose="020B0604020202020204"/>
-        <a:ea typeface="Arial" panose="020B0604020202020204"/>
-        <a:cs typeface="Arial" panose="020B0604020202020204"/>
-        <a:sym typeface="Arial" panose="020B0604020202020204"/>
+        <a:latin typeface="Arial"/>
+        <a:ea typeface="Arial"/>
+        <a:cs typeface="Arial"/>
       </a:defRPr>
     </a:lvl1pPr>
-    <a:lvl2pPr marR="0" lvl="1" algn="l" rtl="0">
+    <a:lvl2pPr marR="0" lvl="1" algn="l">
       <a:lnSpc>
         <a:spcPct val="100000"/>
       </a:lnSpc>
@@ -553,18 +520,17 @@
       <a:buClr>
         <a:srgbClr val="000000"/>
       </a:buClr>
-      <a:buFont typeface="Arial" panose="020B0604020202020204"/>
+      <a:buFont typeface="Arial"/>
       <a:defRPr sz="1400" b="0" i="0" u="none" strike="noStrike" cap="none">
         <a:solidFill>
           <a:srgbClr val="000000"/>
         </a:solidFill>
-        <a:latin typeface="Arial" panose="020B0604020202020204"/>
-        <a:ea typeface="Arial" panose="020B0604020202020204"/>
-        <a:cs typeface="Arial" panose="020B0604020202020204"/>
-        <a:sym typeface="Arial" panose="020B0604020202020204"/>
+        <a:latin typeface="Arial"/>
+        <a:ea typeface="Arial"/>
+        <a:cs typeface="Arial"/>
       </a:defRPr>
     </a:lvl2pPr>
-    <a:lvl3pPr marR="0" lvl="2" algn="l" rtl="0">
+    <a:lvl3pPr marR="0" lvl="2" algn="l">
       <a:lnSpc>
         <a:spcPct val="100000"/>
       </a:lnSpc>
@@ -577,18 +543,17 @@
       <a:buClr>
         <a:srgbClr val="000000"/>
       </a:buClr>
-      <a:buFont typeface="Arial" panose="020B0604020202020204"/>
+      <a:buFont typeface="Arial"/>
       <a:defRPr sz="1400" b="0" i="0" u="none" strike="noStrike" cap="none">
         <a:solidFill>
           <a:srgbClr val="000000"/>
         </a:solidFill>
-        <a:latin typeface="Arial" panose="020B0604020202020204"/>
-        <a:ea typeface="Arial" panose="020B0604020202020204"/>
-        <a:cs typeface="Arial" panose="020B0604020202020204"/>
-        <a:sym typeface="Arial" panose="020B0604020202020204"/>
+        <a:latin typeface="Arial"/>
+        <a:ea typeface="Arial"/>
+        <a:cs typeface="Arial"/>
       </a:defRPr>
     </a:lvl3pPr>
-    <a:lvl4pPr marR="0" lvl="3" algn="l" rtl="0">
+    <a:lvl4pPr marR="0" lvl="3" algn="l">
       <a:lnSpc>
         <a:spcPct val="100000"/>
       </a:lnSpc>
@@ -601,18 +566,17 @@
       <a:buClr>
         <a:srgbClr val="000000"/>
       </a:buClr>
-      <a:buFont typeface="Arial" panose="020B0604020202020204"/>
+      <a:buFont typeface="Arial"/>
       <a:defRPr sz="1400" b="0" i="0" u="none" strike="noStrike" cap="none">
         <a:solidFill>
           <a:srgbClr val="000000"/>
         </a:solidFill>
-        <a:latin typeface="Arial" panose="020B0604020202020204"/>
-        <a:ea typeface="Arial" panose="020B0604020202020204"/>
-        <a:cs typeface="Arial" panose="020B0604020202020204"/>
-        <a:sym typeface="Arial" panose="020B0604020202020204"/>
+        <a:latin typeface="Arial"/>
+        <a:ea typeface="Arial"/>
+        <a:cs typeface="Arial"/>
       </a:defRPr>
     </a:lvl4pPr>
-    <a:lvl5pPr marR="0" lvl="4" algn="l" rtl="0">
+    <a:lvl5pPr marR="0" lvl="4" algn="l">
       <a:lnSpc>
         <a:spcPct val="100000"/>
       </a:lnSpc>
@@ -625,18 +589,17 @@
       <a:buClr>
         <a:srgbClr val="000000"/>
       </a:buClr>
-      <a:buFont typeface="Arial" panose="020B0604020202020204"/>
+      <a:buFont typeface="Arial"/>
       <a:defRPr sz="1400" b="0" i="0" u="none" strike="noStrike" cap="none">
         <a:solidFill>
           <a:srgbClr val="000000"/>
         </a:solidFill>
-        <a:latin typeface="Arial" panose="020B0604020202020204"/>
-        <a:ea typeface="Arial" panose="020B0604020202020204"/>
-        <a:cs typeface="Arial" panose="020B0604020202020204"/>
-        <a:sym typeface="Arial" panose="020B0604020202020204"/>
+        <a:latin typeface="Arial"/>
+        <a:ea typeface="Arial"/>
+        <a:cs typeface="Arial"/>
       </a:defRPr>
     </a:lvl5pPr>
-    <a:lvl6pPr marR="0" lvl="5" algn="l" rtl="0">
+    <a:lvl6pPr marR="0" lvl="5" algn="l">
       <a:lnSpc>
         <a:spcPct val="100000"/>
       </a:lnSpc>
@@ -649,18 +612,17 @@
       <a:buClr>
         <a:srgbClr val="000000"/>
       </a:buClr>
-      <a:buFont typeface="Arial" panose="020B0604020202020204"/>
+      <a:buFont typeface="Arial"/>
       <a:defRPr sz="1400" b="0" i="0" u="none" strike="noStrike" cap="none">
         <a:solidFill>
           <a:srgbClr val="000000"/>
         </a:solidFill>
-        <a:latin typeface="Arial" panose="020B0604020202020204"/>
-        <a:ea typeface="Arial" panose="020B0604020202020204"/>
-        <a:cs typeface="Arial" panose="020B0604020202020204"/>
-        <a:sym typeface="Arial" panose="020B0604020202020204"/>
+        <a:latin typeface="Arial"/>
+        <a:ea typeface="Arial"/>
+        <a:cs typeface="Arial"/>
       </a:defRPr>
     </a:lvl6pPr>
-    <a:lvl7pPr marR="0" lvl="6" algn="l" rtl="0">
+    <a:lvl7pPr marR="0" lvl="6" algn="l">
       <a:lnSpc>
         <a:spcPct val="100000"/>
       </a:lnSpc>
@@ -673,18 +635,17 @@
       <a:buClr>
         <a:srgbClr val="000000"/>
       </a:buClr>
-      <a:buFont typeface="Arial" panose="020B0604020202020204"/>
+      <a:buFont typeface="Arial"/>
       <a:defRPr sz="1400" b="0" i="0" u="none" strike="noStrike" cap="none">
         <a:solidFill>
           <a:srgbClr val="000000"/>
         </a:solidFill>
-        <a:latin typeface="Arial" panose="020B0604020202020204"/>
-        <a:ea typeface="Arial" panose="020B0604020202020204"/>
-        <a:cs typeface="Arial" panose="020B0604020202020204"/>
-        <a:sym typeface="Arial" panose="020B0604020202020204"/>
+        <a:latin typeface="Arial"/>
+        <a:ea typeface="Arial"/>
+        <a:cs typeface="Arial"/>
       </a:defRPr>
     </a:lvl7pPr>
-    <a:lvl8pPr marR="0" lvl="7" algn="l" rtl="0">
+    <a:lvl8pPr marR="0" lvl="7" algn="l">
       <a:lnSpc>
         <a:spcPct val="100000"/>
       </a:lnSpc>
@@ -697,18 +658,17 @@
       <a:buClr>
         <a:srgbClr val="000000"/>
       </a:buClr>
-      <a:buFont typeface="Arial" panose="020B0604020202020204"/>
+      <a:buFont typeface="Arial"/>
       <a:defRPr sz="1400" b="0" i="0" u="none" strike="noStrike" cap="none">
         <a:solidFill>
           <a:srgbClr val="000000"/>
         </a:solidFill>
-        <a:latin typeface="Arial" panose="020B0604020202020204"/>
-        <a:ea typeface="Arial" panose="020B0604020202020204"/>
-        <a:cs typeface="Arial" panose="020B0604020202020204"/>
-        <a:sym typeface="Arial" panose="020B0604020202020204"/>
+        <a:latin typeface="Arial"/>
+        <a:ea typeface="Arial"/>
+        <a:cs typeface="Arial"/>
       </a:defRPr>
     </a:lvl8pPr>
-    <a:lvl9pPr marR="0" lvl="8" algn="l" rtl="0">
+    <a:lvl9pPr marR="0" lvl="8" algn="l">
       <a:lnSpc>
         <a:spcPct val="100000"/>
       </a:lnSpc>
@@ -721,15 +681,14 @@
       <a:buClr>
         <a:srgbClr val="000000"/>
       </a:buClr>
-      <a:buFont typeface="Arial" panose="020B0604020202020204"/>
+      <a:buFont typeface="Arial"/>
       <a:defRPr sz="1400" b="0" i="0" u="none" strike="noStrike" cap="none">
         <a:solidFill>
           <a:srgbClr val="000000"/>
         </a:solidFill>
-        <a:latin typeface="Arial" panose="020B0604020202020204"/>
-        <a:ea typeface="Arial" panose="020B0604020202020204"/>
-        <a:cs typeface="Arial" panose="020B0604020202020204"/>
-        <a:sym typeface="Arial" panose="020B0604020202020204"/>
+        <a:latin typeface="Arial"/>
+        <a:ea typeface="Arial"/>
+        <a:cs typeface="Arial"/>
       </a:defRPr>
     </a:lvl9pPr>
   </p:notesStyle>
@@ -737,15 +696,15 @@
 </file>
 
 <file path=ppt/notesSlides/notesSlide1.xml><?xml version="1.0" encoding="utf-8"?>
-<p:notes xmlns:a="http://schemas.openxmlformats.org/drawingml/2006/main" xmlns:r="http://schemas.openxmlformats.org/officeDocument/2006/relationships" xmlns:p="http://schemas.openxmlformats.org/presentationml/2006/main" showMasterPhAnim="0" showMasterSp="0">
-  <p:cSld>
+<p:notes xmlns:a="http://schemas.openxmlformats.org/drawingml/2006/main" xmlns:r="http://schemas.openxmlformats.org/officeDocument/2006/relationships" xmlns:p="http://schemas.openxmlformats.org/presentationml/2006/main" xmlns:m="http://schemas.openxmlformats.org/officeDocument/2006/math" xmlns:w="http://schemas.openxmlformats.org/wordprocessingml/2006/main" showMasterPhAnim="0" showMasterSp="0">
+  <p:cSld name="">
     <p:spTree>
       <p:nvGrpSpPr>
-        <p:cNvPr id="77" name="Shape 77"/>
+        <p:cNvPr id="1" name=""/>
         <p:cNvGrpSpPr/>
         <p:nvPr/>
       </p:nvGrpSpPr>
-      <p:grpSpPr>
+      <p:grpSpPr bwMode="auto">
         <a:xfrm>
           <a:off x="0" y="0"/>
           <a:ext cx="0" cy="0"/>
@@ -761,7 +720,7 @@
             <p:ph type="sldImg" idx="2"/>
           </p:nvPr>
         </p:nvSpPr>
-        <p:spPr>
+        <p:spPr bwMode="auto">
           <a:xfrm>
             <a:off x="381300" y="685800"/>
             <a:ext cx="6096000" cy="3429000"/>
@@ -773,7 +732,7 @@
             <a:cxnLst/>
             <a:rect l="l" t="t" r="r" b="b"/>
             <a:pathLst>
-              <a:path w="120000" h="120000" extrusionOk="0">
+              <a:path w="120000" h="120000" fill="norm" stroke="1" extrusionOk="0">
                 <a:moveTo>
                   <a:pt x="0" y="0"/>
                 </a:moveTo>
@@ -810,7 +769,7 @@
             <p:ph type="body" idx="1"/>
           </p:nvPr>
         </p:nvSpPr>
-        <p:spPr>
+        <p:spPr bwMode="auto">
           <a:xfrm>
             <a:off x="685800" y="4343400"/>
             <a:ext cx="5486400" cy="4114800"/>
@@ -829,7 +788,7 @@
           </a:bodyPr>
           <a:lstStyle/>
           <a:p>
-            <a:pPr marL="0" lvl="0" indent="0" algn="l" rtl="0">
+            <a:pPr marL="0" lvl="0" indent="0" algn="l">
               <a:lnSpc>
                 <a:spcPct val="100000"/>
               </a:lnSpc>
@@ -841,28 +800,27 @@
               </a:spcAft>
               <a:buSzPts val="1100"/>
               <a:buNone/>
-            </a:pPr>
+              <a:defRPr/>
+            </a:pPr>
+            <a:endParaRPr/>
           </a:p>
         </p:txBody>
       </p:sp>
     </p:spTree>
   </p:cSld>
-  <p:clrMapOvr>
-    <a:masterClrMapping/>
-  </p:clrMapOvr>
 </p:notes>
 </file>
 
-<file path=ppt/notesSlides/notesSlide2.xml><?xml version="1.0" encoding="utf-8"?>
-<p:notes xmlns:a="http://schemas.openxmlformats.org/drawingml/2006/main" xmlns:r="http://schemas.openxmlformats.org/officeDocument/2006/relationships" xmlns:p="http://schemas.openxmlformats.org/presentationml/2006/main" showMasterPhAnim="0" showMasterSp="0">
-  <p:cSld>
+<file path=ppt/notesSlides/notesSlide10.xml><?xml version="1.0" encoding="utf-8"?>
+<p:notes xmlns:a="http://schemas.openxmlformats.org/drawingml/2006/main" xmlns:r="http://schemas.openxmlformats.org/officeDocument/2006/relationships" xmlns:p="http://schemas.openxmlformats.org/presentationml/2006/main" xmlns:m="http://schemas.openxmlformats.org/officeDocument/2006/math" xmlns:w="http://schemas.openxmlformats.org/wordprocessingml/2006/main" showMasterPhAnim="0" showMasterSp="0">
+  <p:cSld name="">
     <p:spTree>
       <p:nvGrpSpPr>
-        <p:cNvPr id="90" name="Shape 90"/>
+        <p:cNvPr id="1" name=""/>
         <p:cNvGrpSpPr/>
         <p:nvPr/>
       </p:nvGrpSpPr>
-      <p:grpSpPr>
+      <p:grpSpPr bwMode="auto">
         <a:xfrm>
           <a:off x="0" y="0"/>
           <a:ext cx="0" cy="0"/>
@@ -872,13 +830,13 @@
       </p:grpSpPr>
       <p:sp>
         <p:nvSpPr>
-          <p:cNvPr id="91" name="Google Shape;91;g1f8139f5459_0_52:notes"/>
+          <p:cNvPr id="744" name="Google Shape;744;g2e1dd8b7a58_0_479:notes"/>
           <p:cNvSpPr/>
           <p:nvPr>
             <p:ph type="sldImg" idx="2"/>
           </p:nvPr>
         </p:nvSpPr>
-        <p:spPr>
+        <p:spPr bwMode="auto">
           <a:xfrm>
             <a:off x="381300" y="685800"/>
             <a:ext cx="6096000" cy="3429000"/>
@@ -890,7 +848,7 @@
             <a:cxnLst/>
             <a:rect l="l" t="t" r="r" b="b"/>
             <a:pathLst>
-              <a:path w="120000" h="120000" extrusionOk="0">
+              <a:path w="120000" h="120000" fill="norm" stroke="1" extrusionOk="0">
                 <a:moveTo>
                   <a:pt x="0" y="0"/>
                 </a:moveTo>
@@ -911,13 +869,13 @@
       </p:sp>
       <p:sp>
         <p:nvSpPr>
-          <p:cNvPr id="92" name="Google Shape;92;g1f8139f5459_0_52:notes"/>
+          <p:cNvPr id="745" name="Google Shape;745;g2e1dd8b7a58_0_479:notes"/>
           <p:cNvSpPr txBox="1"/>
           <p:nvPr>
             <p:ph type="body" idx="1"/>
           </p:nvPr>
         </p:nvSpPr>
-        <p:spPr>
+        <p:spPr bwMode="auto">
           <a:xfrm>
             <a:off x="685800" y="4343400"/>
             <a:ext cx="5486400" cy="4114800"/>
@@ -932,36 +890,35 @@
           </a:bodyPr>
           <a:lstStyle/>
           <a:p>
-            <a:pPr marL="0" lvl="0" indent="0" algn="l" rtl="0">
-              <a:spcBef>
-                <a:spcPts val="0"/>
-              </a:spcBef>
-              <a:spcAft>
-                <a:spcPts val="0"/>
-              </a:spcAft>
-              <a:buNone/>
-            </a:pPr>
+            <a:pPr marL="0" lvl="0" indent="0" algn="l">
+              <a:spcBef>
+                <a:spcPts val="0"/>
+              </a:spcBef>
+              <a:spcAft>
+                <a:spcPts val="0"/>
+              </a:spcAft>
+              <a:buNone/>
+              <a:defRPr/>
+            </a:pPr>
+            <a:endParaRPr/>
           </a:p>
         </p:txBody>
       </p:sp>
     </p:spTree>
   </p:cSld>
-  <p:clrMapOvr>
-    <a:masterClrMapping/>
-  </p:clrMapOvr>
 </p:notes>
 </file>
 
-<file path=ppt/notesSlides/notesSlide3.xml><?xml version="1.0" encoding="utf-8"?>
-<p:notes xmlns:a="http://schemas.openxmlformats.org/drawingml/2006/main" xmlns:r="http://schemas.openxmlformats.org/officeDocument/2006/relationships" xmlns:p="http://schemas.openxmlformats.org/presentationml/2006/main" showMasterPhAnim="0" showMasterSp="0">
-  <p:cSld>
+<file path=ppt/notesSlides/notesSlide2.xml><?xml version="1.0" encoding="utf-8"?>
+<p:notes xmlns:a="http://schemas.openxmlformats.org/drawingml/2006/main" xmlns:r="http://schemas.openxmlformats.org/officeDocument/2006/relationships" xmlns:p="http://schemas.openxmlformats.org/presentationml/2006/main" xmlns:m="http://schemas.openxmlformats.org/officeDocument/2006/math" xmlns:w="http://schemas.openxmlformats.org/wordprocessingml/2006/main" showMasterPhAnim="0" showMasterSp="0">
+  <p:cSld name="">
     <p:spTree>
       <p:nvGrpSpPr>
-        <p:cNvPr id="106" name="Shape 106"/>
+        <p:cNvPr id="1" name=""/>
         <p:cNvGrpSpPr/>
         <p:nvPr/>
       </p:nvGrpSpPr>
-      <p:grpSpPr>
+      <p:grpSpPr bwMode="auto">
         <a:xfrm>
           <a:off x="0" y="0"/>
           <a:ext cx="0" cy="0"/>
@@ -971,13 +928,13 @@
       </p:grpSpPr>
       <p:sp>
         <p:nvSpPr>
-          <p:cNvPr id="107" name="Google Shape;107;g2e1dd8b7a58_0_2:notes"/>
+          <p:cNvPr id="91" name="Google Shape;91;g1f8139f5459_0_52:notes"/>
           <p:cNvSpPr/>
           <p:nvPr>
             <p:ph type="sldImg" idx="2"/>
           </p:nvPr>
         </p:nvSpPr>
-        <p:spPr>
+        <p:spPr bwMode="auto">
           <a:xfrm>
             <a:off x="381300" y="685800"/>
             <a:ext cx="6096000" cy="3429000"/>
@@ -989,7 +946,7 @@
             <a:cxnLst/>
             <a:rect l="l" t="t" r="r" b="b"/>
             <a:pathLst>
-              <a:path w="120000" h="120000" extrusionOk="0">
+              <a:path w="120000" h="120000" fill="norm" stroke="1" extrusionOk="0">
                 <a:moveTo>
                   <a:pt x="0" y="0"/>
                 </a:moveTo>
@@ -1010,13 +967,13 @@
       </p:sp>
       <p:sp>
         <p:nvSpPr>
-          <p:cNvPr id="108" name="Google Shape;108;g2e1dd8b7a58_0_2:notes"/>
+          <p:cNvPr id="92" name="Google Shape;92;g1f8139f5459_0_52:notes"/>
           <p:cNvSpPr txBox="1"/>
           <p:nvPr>
             <p:ph type="body" idx="1"/>
           </p:nvPr>
         </p:nvSpPr>
-        <p:spPr>
+        <p:spPr bwMode="auto">
           <a:xfrm>
             <a:off x="685800" y="4343400"/>
             <a:ext cx="5486400" cy="4114800"/>
@@ -1031,36 +988,35 @@
           </a:bodyPr>
           <a:lstStyle/>
           <a:p>
-            <a:pPr marL="0" lvl="0" indent="0" algn="l" rtl="0">
-              <a:spcBef>
-                <a:spcPts val="0"/>
-              </a:spcBef>
-              <a:spcAft>
-                <a:spcPts val="0"/>
-              </a:spcAft>
-              <a:buNone/>
-            </a:pPr>
+            <a:pPr marL="0" lvl="0" indent="0" algn="l">
+              <a:spcBef>
+                <a:spcPts val="0"/>
+              </a:spcBef>
+              <a:spcAft>
+                <a:spcPts val="0"/>
+              </a:spcAft>
+              <a:buNone/>
+              <a:defRPr/>
+            </a:pPr>
+            <a:endParaRPr/>
           </a:p>
         </p:txBody>
       </p:sp>
     </p:spTree>
   </p:cSld>
-  <p:clrMapOvr>
-    <a:masterClrMapping/>
-  </p:clrMapOvr>
 </p:notes>
 </file>
 
-<file path=ppt/notesSlides/notesSlide4.xml><?xml version="1.0" encoding="utf-8"?>
-<p:notes xmlns:a="http://schemas.openxmlformats.org/drawingml/2006/main" xmlns:r="http://schemas.openxmlformats.org/officeDocument/2006/relationships" xmlns:p="http://schemas.openxmlformats.org/presentationml/2006/main" showMasterPhAnim="0" showMasterSp="0">
-  <p:cSld>
+<file path=ppt/notesSlides/notesSlide3.xml><?xml version="1.0" encoding="utf-8"?>
+<p:notes xmlns:a="http://schemas.openxmlformats.org/drawingml/2006/main" xmlns:r="http://schemas.openxmlformats.org/officeDocument/2006/relationships" xmlns:p="http://schemas.openxmlformats.org/presentationml/2006/main" xmlns:m="http://schemas.openxmlformats.org/officeDocument/2006/math" xmlns:w="http://schemas.openxmlformats.org/wordprocessingml/2006/main" showMasterPhAnim="0" showMasterSp="0">
+  <p:cSld name="">
     <p:spTree>
       <p:nvGrpSpPr>
-        <p:cNvPr id="114" name="Shape 114"/>
+        <p:cNvPr id="1" name=""/>
         <p:cNvGrpSpPr/>
         <p:nvPr/>
       </p:nvGrpSpPr>
-      <p:grpSpPr>
+      <p:grpSpPr bwMode="auto">
         <a:xfrm>
           <a:off x="0" y="0"/>
           <a:ext cx="0" cy="0"/>
@@ -1070,13 +1026,13 @@
       </p:grpSpPr>
       <p:sp>
         <p:nvSpPr>
-          <p:cNvPr id="115" name="Google Shape;115;g2031569ec57_0_51:notes"/>
+          <p:cNvPr id="107" name="Google Shape;107;g2e1dd8b7a58_0_2:notes"/>
           <p:cNvSpPr/>
           <p:nvPr>
             <p:ph type="sldImg" idx="2"/>
           </p:nvPr>
         </p:nvSpPr>
-        <p:spPr>
+        <p:spPr bwMode="auto">
           <a:xfrm>
             <a:off x="381300" y="685800"/>
             <a:ext cx="6096000" cy="3429000"/>
@@ -1088,7 +1044,7 @@
             <a:cxnLst/>
             <a:rect l="l" t="t" r="r" b="b"/>
             <a:pathLst>
-              <a:path w="120000" h="120000" extrusionOk="0">
+              <a:path w="120000" h="120000" fill="norm" stroke="1" extrusionOk="0">
                 <a:moveTo>
                   <a:pt x="0" y="0"/>
                 </a:moveTo>
@@ -1109,13 +1065,13 @@
       </p:sp>
       <p:sp>
         <p:nvSpPr>
-          <p:cNvPr id="116" name="Google Shape;116;g2031569ec57_0_51:notes"/>
+          <p:cNvPr id="108" name="Google Shape;108;g2e1dd8b7a58_0_2:notes"/>
           <p:cNvSpPr txBox="1"/>
           <p:nvPr>
             <p:ph type="body" idx="1"/>
           </p:nvPr>
         </p:nvSpPr>
-        <p:spPr>
+        <p:spPr bwMode="auto">
           <a:xfrm>
             <a:off x="685800" y="4343400"/>
             <a:ext cx="5486400" cy="4114800"/>
@@ -1130,36 +1086,35 @@
           </a:bodyPr>
           <a:lstStyle/>
           <a:p>
-            <a:pPr marL="0" lvl="0" indent="0" algn="l" rtl="0">
-              <a:spcBef>
-                <a:spcPts val="0"/>
-              </a:spcBef>
-              <a:spcAft>
-                <a:spcPts val="0"/>
-              </a:spcAft>
-              <a:buNone/>
-            </a:pPr>
+            <a:pPr marL="0" lvl="0" indent="0" algn="l">
+              <a:spcBef>
+                <a:spcPts val="0"/>
+              </a:spcBef>
+              <a:spcAft>
+                <a:spcPts val="0"/>
+              </a:spcAft>
+              <a:buNone/>
+              <a:defRPr/>
+            </a:pPr>
+            <a:endParaRPr/>
           </a:p>
         </p:txBody>
       </p:sp>
     </p:spTree>
   </p:cSld>
-  <p:clrMapOvr>
-    <a:masterClrMapping/>
-  </p:clrMapOvr>
 </p:notes>
 </file>
 
-<file path=ppt/notesSlides/notesSlide5.xml><?xml version="1.0" encoding="utf-8"?>
-<p:notes xmlns:a="http://schemas.openxmlformats.org/drawingml/2006/main" xmlns:r="http://schemas.openxmlformats.org/officeDocument/2006/relationships" xmlns:p="http://schemas.openxmlformats.org/presentationml/2006/main" showMasterPhAnim="0" showMasterSp="0">
-  <p:cSld>
+<file path=ppt/notesSlides/notesSlide4.xml><?xml version="1.0" encoding="utf-8"?>
+<p:notes xmlns:a="http://schemas.openxmlformats.org/drawingml/2006/main" xmlns:r="http://schemas.openxmlformats.org/officeDocument/2006/relationships" xmlns:p="http://schemas.openxmlformats.org/presentationml/2006/main" xmlns:m="http://schemas.openxmlformats.org/officeDocument/2006/math" xmlns:w="http://schemas.openxmlformats.org/wordprocessingml/2006/main" showMasterPhAnim="0" showMasterSp="0">
+  <p:cSld name="">
     <p:spTree>
       <p:nvGrpSpPr>
-        <p:cNvPr id="114" name="Shape 114"/>
+        <p:cNvPr id="1" name=""/>
         <p:cNvGrpSpPr/>
         <p:nvPr/>
       </p:nvGrpSpPr>
-      <p:grpSpPr>
+      <p:grpSpPr bwMode="auto">
         <a:xfrm>
           <a:off x="0" y="0"/>
           <a:ext cx="0" cy="0"/>
@@ -1175,7 +1130,7 @@
             <p:ph type="sldImg" idx="2"/>
           </p:nvPr>
         </p:nvSpPr>
-        <p:spPr>
+        <p:spPr bwMode="auto">
           <a:xfrm>
             <a:off x="381300" y="685800"/>
             <a:ext cx="6096000" cy="3429000"/>
@@ -1187,7 +1142,7 @@
             <a:cxnLst/>
             <a:rect l="l" t="t" r="r" b="b"/>
             <a:pathLst>
-              <a:path w="120000" h="120000" extrusionOk="0">
+              <a:path w="120000" h="120000" fill="norm" stroke="1" extrusionOk="0">
                 <a:moveTo>
                   <a:pt x="0" y="0"/>
                 </a:moveTo>
@@ -1214,7 +1169,7 @@
             <p:ph type="body" idx="1"/>
           </p:nvPr>
         </p:nvSpPr>
-        <p:spPr>
+        <p:spPr bwMode="auto">
           <a:xfrm>
             <a:off x="685800" y="4343400"/>
             <a:ext cx="5486400" cy="4114800"/>
@@ -1229,36 +1184,35 @@
           </a:bodyPr>
           <a:lstStyle/>
           <a:p>
-            <a:pPr marL="0" lvl="0" indent="0" algn="l" rtl="0">
-              <a:spcBef>
-                <a:spcPts val="0"/>
-              </a:spcBef>
-              <a:spcAft>
-                <a:spcPts val="0"/>
-              </a:spcAft>
-              <a:buNone/>
-            </a:pPr>
+            <a:pPr marL="0" lvl="0" indent="0" algn="l">
+              <a:spcBef>
+                <a:spcPts val="0"/>
+              </a:spcBef>
+              <a:spcAft>
+                <a:spcPts val="0"/>
+              </a:spcAft>
+              <a:buNone/>
+              <a:defRPr/>
+            </a:pPr>
+            <a:endParaRPr/>
           </a:p>
         </p:txBody>
       </p:sp>
     </p:spTree>
   </p:cSld>
-  <p:clrMapOvr>
-    <a:masterClrMapping/>
-  </p:clrMapOvr>
 </p:notes>
 </file>
 
-<file path=ppt/notesSlides/notesSlide6.xml><?xml version="1.0" encoding="utf-8"?>
-<p:notes xmlns:a="http://schemas.openxmlformats.org/drawingml/2006/main" xmlns:r="http://schemas.openxmlformats.org/officeDocument/2006/relationships" xmlns:p="http://schemas.openxmlformats.org/presentationml/2006/main" showMasterPhAnim="0" showMasterSp="0">
-  <p:cSld>
+<file path=ppt/notesSlides/notesSlide5.xml><?xml version="1.0" encoding="utf-8"?>
+<p:notes xmlns:a="http://schemas.openxmlformats.org/drawingml/2006/main" xmlns:r="http://schemas.openxmlformats.org/officeDocument/2006/relationships" xmlns:p="http://schemas.openxmlformats.org/presentationml/2006/main" xmlns:m="http://schemas.openxmlformats.org/officeDocument/2006/math" xmlns:w="http://schemas.openxmlformats.org/wordprocessingml/2006/main" showMasterPhAnim="0" showMasterSp="0">
+  <p:cSld name="">
     <p:spTree>
       <p:nvGrpSpPr>
-        <p:cNvPr id="725" name="Shape 725"/>
+        <p:cNvPr id="1" name=""/>
         <p:cNvGrpSpPr/>
         <p:nvPr/>
       </p:nvGrpSpPr>
-      <p:grpSpPr>
+      <p:grpSpPr bwMode="auto">
         <a:xfrm>
           <a:off x="0" y="0"/>
           <a:ext cx="0" cy="0"/>
@@ -1268,13 +1222,13 @@
       </p:grpSpPr>
       <p:sp>
         <p:nvSpPr>
-          <p:cNvPr id="726" name="Google Shape;726;g20df6a722ce_2_20:notes"/>
+          <p:cNvPr id="115" name="Google Shape;115;g2031569ec57_0_51:notes"/>
           <p:cNvSpPr/>
           <p:nvPr>
             <p:ph type="sldImg" idx="2"/>
           </p:nvPr>
         </p:nvSpPr>
-        <p:spPr>
+        <p:spPr bwMode="auto">
           <a:xfrm>
             <a:off x="381300" y="685800"/>
             <a:ext cx="6096000" cy="3429000"/>
@@ -1286,7 +1240,7 @@
             <a:cxnLst/>
             <a:rect l="l" t="t" r="r" b="b"/>
             <a:pathLst>
-              <a:path w="120000" h="120000" extrusionOk="0">
+              <a:path w="120000" h="120000" fill="norm" stroke="1" extrusionOk="0">
                 <a:moveTo>
                   <a:pt x="0" y="0"/>
                 </a:moveTo>
@@ -1307,13 +1261,13 @@
       </p:sp>
       <p:sp>
         <p:nvSpPr>
-          <p:cNvPr id="727" name="Google Shape;727;g20df6a722ce_2_20:notes"/>
+          <p:cNvPr id="116" name="Google Shape;116;g2031569ec57_0_51:notes"/>
           <p:cNvSpPr txBox="1"/>
           <p:nvPr>
             <p:ph type="body" idx="1"/>
           </p:nvPr>
         </p:nvSpPr>
-        <p:spPr>
+        <p:spPr bwMode="auto">
           <a:xfrm>
             <a:off x="685800" y="4343400"/>
             <a:ext cx="5486400" cy="4114800"/>
@@ -1328,36 +1282,35 @@
           </a:bodyPr>
           <a:lstStyle/>
           <a:p>
-            <a:pPr marL="0" lvl="0" indent="0" algn="l" rtl="0">
-              <a:spcBef>
-                <a:spcPts val="0"/>
-              </a:spcBef>
-              <a:spcAft>
-                <a:spcPts val="0"/>
-              </a:spcAft>
-              <a:buNone/>
-            </a:pPr>
+            <a:pPr marL="0" lvl="0" indent="0" algn="l">
+              <a:spcBef>
+                <a:spcPts val="0"/>
+              </a:spcBef>
+              <a:spcAft>
+                <a:spcPts val="0"/>
+              </a:spcAft>
+              <a:buNone/>
+              <a:defRPr/>
+            </a:pPr>
+            <a:endParaRPr/>
           </a:p>
         </p:txBody>
       </p:sp>
     </p:spTree>
   </p:cSld>
-  <p:clrMapOvr>
-    <a:masterClrMapping/>
-  </p:clrMapOvr>
 </p:notes>
 </file>
 
-<file path=ppt/notesSlides/notesSlide7.xml><?xml version="1.0" encoding="utf-8"?>
-<p:notes xmlns:a="http://schemas.openxmlformats.org/drawingml/2006/main" xmlns:r="http://schemas.openxmlformats.org/officeDocument/2006/relationships" xmlns:p="http://schemas.openxmlformats.org/presentationml/2006/main" showMasterPhAnim="0" showMasterSp="0">
-  <p:cSld>
+<file path=ppt/notesSlides/notesSlide6.xml><?xml version="1.0" encoding="utf-8"?>
+<p:notes xmlns:a="http://schemas.openxmlformats.org/drawingml/2006/main" xmlns:r="http://schemas.openxmlformats.org/officeDocument/2006/relationships" xmlns:p="http://schemas.openxmlformats.org/presentationml/2006/main" xmlns:m="http://schemas.openxmlformats.org/officeDocument/2006/math" xmlns:w="http://schemas.openxmlformats.org/wordprocessingml/2006/main" showMasterPhAnim="0" showMasterSp="0">
+  <p:cSld name="">
     <p:spTree>
       <p:nvGrpSpPr>
-        <p:cNvPr id="725" name="Shape 725"/>
+        <p:cNvPr id="1" name=""/>
         <p:cNvGrpSpPr/>
         <p:nvPr/>
       </p:nvGrpSpPr>
-      <p:grpSpPr>
+      <p:grpSpPr bwMode="auto">
         <a:xfrm>
           <a:off x="0" y="0"/>
           <a:ext cx="0" cy="0"/>
@@ -1367,16 +1320,16 @@
       </p:grpSpPr>
       <p:sp>
         <p:nvSpPr>
-          <p:cNvPr id="726" name="Google Shape;726;g20df6a722ce_2_20:notes"/>
+          <p:cNvPr id="1018268036" name="Google Shape;115;g2031569ec57_0_51:notes"/>
           <p:cNvSpPr/>
           <p:nvPr>
             <p:ph type="sldImg" idx="2"/>
           </p:nvPr>
         </p:nvSpPr>
-        <p:spPr>
-          <a:xfrm>
-            <a:off x="381300" y="685800"/>
-            <a:ext cx="6096000" cy="3429000"/>
+        <p:spPr bwMode="auto">
+          <a:xfrm>
+            <a:off x="381299" y="685800"/>
+            <a:ext cx="6095999" cy="3429000"/>
           </a:xfrm>
           <a:custGeom>
             <a:avLst/>
@@ -1385,7 +1338,7 @@
             <a:cxnLst/>
             <a:rect l="l" t="t" r="r" b="b"/>
             <a:pathLst>
-              <a:path w="120000" h="120000" extrusionOk="0">
+              <a:path w="120000" h="120000" fill="norm" stroke="1" extrusionOk="0">
                 <a:moveTo>
                   <a:pt x="0" y="0"/>
                 </a:moveTo>
@@ -1406,13 +1359,13 @@
       </p:sp>
       <p:sp>
         <p:nvSpPr>
-          <p:cNvPr id="727" name="Google Shape;727;g20df6a722ce_2_20:notes"/>
+          <p:cNvPr id="148608752" name="Google Shape;116;g2031569ec57_0_51:notes"/>
           <p:cNvSpPr txBox="1"/>
           <p:nvPr>
             <p:ph type="body" idx="1"/>
           </p:nvPr>
         </p:nvSpPr>
-        <p:spPr>
+        <p:spPr bwMode="auto">
           <a:xfrm>
             <a:off x="685800" y="4343400"/>
             <a:ext cx="5486400" cy="4114800"/>
@@ -1422,41 +1375,40 @@
           </a:prstGeom>
         </p:spPr>
         <p:txBody>
-          <a:bodyPr spcFirstLastPara="1" wrap="square" lIns="91425" tIns="91425" rIns="91425" bIns="91425" anchor="t" anchorCtr="0">
+          <a:bodyPr spcFirstLastPara="1" wrap="square" lIns="91424" tIns="91424" rIns="91424" bIns="91424" anchor="t" anchorCtr="0">
             <a:noAutofit/>
           </a:bodyPr>
           <a:lstStyle/>
           <a:p>
-            <a:pPr marL="0" lvl="0" indent="0" algn="l" rtl="0">
-              <a:spcBef>
-                <a:spcPts val="0"/>
-              </a:spcBef>
-              <a:spcAft>
-                <a:spcPts val="0"/>
-              </a:spcAft>
-              <a:buNone/>
-            </a:pPr>
+            <a:pPr marL="0" lvl="0" indent="0" algn="l">
+              <a:spcBef>
+                <a:spcPts val="0"/>
+              </a:spcBef>
+              <a:spcAft>
+                <a:spcPts val="0"/>
+              </a:spcAft>
+              <a:buNone/>
+              <a:defRPr/>
+            </a:pPr>
+            <a:endParaRPr/>
           </a:p>
         </p:txBody>
       </p:sp>
     </p:spTree>
   </p:cSld>
-  <p:clrMapOvr>
-    <a:masterClrMapping/>
-  </p:clrMapOvr>
 </p:notes>
 </file>
 
-<file path=ppt/notesSlides/notesSlide8.xml><?xml version="1.0" encoding="utf-8"?>
-<p:notes xmlns:a="http://schemas.openxmlformats.org/drawingml/2006/main" xmlns:r="http://schemas.openxmlformats.org/officeDocument/2006/relationships" xmlns:p="http://schemas.openxmlformats.org/presentationml/2006/main" showMasterPhAnim="0" showMasterSp="0">
-  <p:cSld>
+<file path=ppt/notesSlides/notesSlide7.xml><?xml version="1.0" encoding="utf-8"?>
+<p:notes xmlns:a="http://schemas.openxmlformats.org/drawingml/2006/main" xmlns:r="http://schemas.openxmlformats.org/officeDocument/2006/relationships" xmlns:p="http://schemas.openxmlformats.org/presentationml/2006/main" xmlns:m="http://schemas.openxmlformats.org/officeDocument/2006/math" xmlns:w="http://schemas.openxmlformats.org/wordprocessingml/2006/main" showMasterPhAnim="0" showMasterSp="0">
+  <p:cSld name="">
     <p:spTree>
       <p:nvGrpSpPr>
-        <p:cNvPr id="734" name="Shape 734"/>
+        <p:cNvPr id="1" name=""/>
         <p:cNvGrpSpPr/>
         <p:nvPr/>
       </p:nvGrpSpPr>
-      <p:grpSpPr>
+      <p:grpSpPr bwMode="auto">
         <a:xfrm>
           <a:off x="0" y="0"/>
           <a:ext cx="0" cy="0"/>
@@ -1466,13 +1418,13 @@
       </p:grpSpPr>
       <p:sp>
         <p:nvSpPr>
-          <p:cNvPr id="735" name="Google Shape;735;g20da627a979_0_33:notes"/>
+          <p:cNvPr id="726" name="Google Shape;726;g20df6a722ce_2_20:notes"/>
           <p:cNvSpPr/>
           <p:nvPr>
             <p:ph type="sldImg" idx="2"/>
           </p:nvPr>
         </p:nvSpPr>
-        <p:spPr>
+        <p:spPr bwMode="auto">
           <a:xfrm>
             <a:off x="381300" y="685800"/>
             <a:ext cx="6096000" cy="3429000"/>
@@ -1484,7 +1436,7 @@
             <a:cxnLst/>
             <a:rect l="l" t="t" r="r" b="b"/>
             <a:pathLst>
-              <a:path w="120000" h="120000" extrusionOk="0">
+              <a:path w="120000" h="120000" fill="norm" stroke="1" extrusionOk="0">
                 <a:moveTo>
                   <a:pt x="0" y="0"/>
                 </a:moveTo>
@@ -1505,13 +1457,13 @@
       </p:sp>
       <p:sp>
         <p:nvSpPr>
-          <p:cNvPr id="736" name="Google Shape;736;g20da627a979_0_33:notes"/>
+          <p:cNvPr id="727" name="Google Shape;727;g20df6a722ce_2_20:notes"/>
           <p:cNvSpPr txBox="1"/>
           <p:nvPr>
             <p:ph type="body" idx="1"/>
           </p:nvPr>
         </p:nvSpPr>
-        <p:spPr>
+        <p:spPr bwMode="auto">
           <a:xfrm>
             <a:off x="685800" y="4343400"/>
             <a:ext cx="5486400" cy="4114800"/>
@@ -1526,36 +1478,35 @@
           </a:bodyPr>
           <a:lstStyle/>
           <a:p>
-            <a:pPr marL="0" lvl="0" indent="0" algn="l" rtl="0">
-              <a:spcBef>
-                <a:spcPts val="0"/>
-              </a:spcBef>
-              <a:spcAft>
-                <a:spcPts val="0"/>
-              </a:spcAft>
-              <a:buNone/>
-            </a:pPr>
+            <a:pPr marL="0" lvl="0" indent="0" algn="l">
+              <a:spcBef>
+                <a:spcPts val="0"/>
+              </a:spcBef>
+              <a:spcAft>
+                <a:spcPts val="0"/>
+              </a:spcAft>
+              <a:buNone/>
+              <a:defRPr/>
+            </a:pPr>
+            <a:endParaRPr/>
           </a:p>
         </p:txBody>
       </p:sp>
     </p:spTree>
   </p:cSld>
-  <p:clrMapOvr>
-    <a:masterClrMapping/>
-  </p:clrMapOvr>
 </p:notes>
 </file>
 
-<file path=ppt/notesSlides/notesSlide9.xml><?xml version="1.0" encoding="utf-8"?>
-<p:notes xmlns:a="http://schemas.openxmlformats.org/drawingml/2006/main" xmlns:r="http://schemas.openxmlformats.org/officeDocument/2006/relationships" xmlns:p="http://schemas.openxmlformats.org/presentationml/2006/main" showMasterPhAnim="0" showMasterSp="0">
-  <p:cSld>
+<file path=ppt/notesSlides/notesSlide8.xml><?xml version="1.0" encoding="utf-8"?>
+<p:notes xmlns:a="http://schemas.openxmlformats.org/drawingml/2006/main" xmlns:r="http://schemas.openxmlformats.org/officeDocument/2006/relationships" xmlns:p="http://schemas.openxmlformats.org/presentationml/2006/main" xmlns:m="http://schemas.openxmlformats.org/officeDocument/2006/math" xmlns:w="http://schemas.openxmlformats.org/wordprocessingml/2006/main" showMasterPhAnim="0" showMasterSp="0">
+  <p:cSld name="">
     <p:spTree>
       <p:nvGrpSpPr>
-        <p:cNvPr id="743" name="Shape 743"/>
+        <p:cNvPr id="1" name=""/>
         <p:cNvGrpSpPr/>
         <p:nvPr/>
       </p:nvGrpSpPr>
-      <p:grpSpPr>
+      <p:grpSpPr bwMode="auto">
         <a:xfrm>
           <a:off x="0" y="0"/>
           <a:ext cx="0" cy="0"/>
@@ -1565,13 +1516,13 @@
       </p:grpSpPr>
       <p:sp>
         <p:nvSpPr>
-          <p:cNvPr id="744" name="Google Shape;744;g2e1dd8b7a58_0_479:notes"/>
+          <p:cNvPr id="726" name="Google Shape;726;g20df6a722ce_2_20:notes"/>
           <p:cNvSpPr/>
           <p:nvPr>
             <p:ph type="sldImg" idx="2"/>
           </p:nvPr>
         </p:nvSpPr>
-        <p:spPr>
+        <p:spPr bwMode="auto">
           <a:xfrm>
             <a:off x="381300" y="685800"/>
             <a:ext cx="6096000" cy="3429000"/>
@@ -1583,7 +1534,7 @@
             <a:cxnLst/>
             <a:rect l="l" t="t" r="r" b="b"/>
             <a:pathLst>
-              <a:path w="120000" h="120000" extrusionOk="0">
+              <a:path w="120000" h="120000" fill="norm" stroke="1" extrusionOk="0">
                 <a:moveTo>
                   <a:pt x="0" y="0"/>
                 </a:moveTo>
@@ -1604,13 +1555,13 @@
       </p:sp>
       <p:sp>
         <p:nvSpPr>
-          <p:cNvPr id="745" name="Google Shape;745;g2e1dd8b7a58_0_479:notes"/>
+          <p:cNvPr id="727" name="Google Shape;727;g20df6a722ce_2_20:notes"/>
           <p:cNvSpPr txBox="1"/>
           <p:nvPr>
             <p:ph type="body" idx="1"/>
           </p:nvPr>
         </p:nvSpPr>
-        <p:spPr>
+        <p:spPr bwMode="auto">
           <a:xfrm>
             <a:off x="685800" y="4343400"/>
             <a:ext cx="5486400" cy="4114800"/>
@@ -1625,44 +1576,35 @@
           </a:bodyPr>
           <a:lstStyle/>
           <a:p>
-            <a:pPr marL="0" lvl="0" indent="0" algn="l" rtl="0">
-              <a:spcBef>
-                <a:spcPts val="0"/>
-              </a:spcBef>
-              <a:spcAft>
-                <a:spcPts val="0"/>
-              </a:spcAft>
-              <a:buNone/>
-            </a:pPr>
+            <a:pPr marL="0" lvl="0" indent="0" algn="l">
+              <a:spcBef>
+                <a:spcPts val="0"/>
+              </a:spcBef>
+              <a:spcAft>
+                <a:spcPts val="0"/>
+              </a:spcAft>
+              <a:buNone/>
+              <a:defRPr/>
+            </a:pPr>
+            <a:endParaRPr/>
           </a:p>
         </p:txBody>
       </p:sp>
     </p:spTree>
   </p:cSld>
-  <p:clrMapOvr>
-    <a:masterClrMapping/>
-  </p:clrMapOvr>
 </p:notes>
 </file>
 
-<file path=ppt/slideLayouts/slideLayout1.xml><?xml version="1.0" encoding="utf-8"?>
-<p:sldLayout xmlns:a="http://schemas.openxmlformats.org/drawingml/2006/main" xmlns:r="http://schemas.openxmlformats.org/officeDocument/2006/relationships" xmlns:p="http://schemas.openxmlformats.org/presentationml/2006/main" type="title" matchingName="Inicio de presentación">
-  <p:cSld name="TITLE">
-    <p:bg>
-      <p:bgPr>
-        <a:solidFill>
-          <a:srgbClr val="F8F8F8"/>
-        </a:solidFill>
-        <a:effectLst/>
-      </p:bgPr>
-    </p:bg>
+<file path=ppt/notesSlides/notesSlide9.xml><?xml version="1.0" encoding="utf-8"?>
+<p:notes xmlns:a="http://schemas.openxmlformats.org/drawingml/2006/main" xmlns:r="http://schemas.openxmlformats.org/officeDocument/2006/relationships" xmlns:p="http://schemas.openxmlformats.org/presentationml/2006/main" xmlns:m="http://schemas.openxmlformats.org/officeDocument/2006/math" xmlns:w="http://schemas.openxmlformats.org/wordprocessingml/2006/main" showMasterPhAnim="0" showMasterSp="0">
+  <p:cSld name="">
     <p:spTree>
       <p:nvGrpSpPr>
-        <p:cNvPr id="9" name="Shape 9"/>
+        <p:cNvPr id="1" name=""/>
         <p:cNvGrpSpPr/>
         <p:nvPr/>
       </p:nvGrpSpPr>
-      <p:grpSpPr>
+      <p:grpSpPr bwMode="auto">
         <a:xfrm>
           <a:off x="0" y="0"/>
           <a:ext cx="0" cy="0"/>
@@ -1672,11 +1614,116 @@
       </p:grpSpPr>
       <p:sp>
         <p:nvSpPr>
+          <p:cNvPr id="735" name="Google Shape;735;g20da627a979_0_33:notes"/>
+          <p:cNvSpPr/>
+          <p:nvPr>
+            <p:ph type="sldImg" idx="2"/>
+          </p:nvPr>
+        </p:nvSpPr>
+        <p:spPr bwMode="auto">
+          <a:xfrm>
+            <a:off x="381300" y="685800"/>
+            <a:ext cx="6096000" cy="3429000"/>
+          </a:xfrm>
+          <a:custGeom>
+            <a:avLst/>
+            <a:gdLst/>
+            <a:ahLst/>
+            <a:cxnLst/>
+            <a:rect l="l" t="t" r="r" b="b"/>
+            <a:pathLst>
+              <a:path w="120000" h="120000" fill="norm" stroke="1" extrusionOk="0">
+                <a:moveTo>
+                  <a:pt x="0" y="0"/>
+                </a:moveTo>
+                <a:lnTo>
+                  <a:pt x="120000" y="0"/>
+                </a:lnTo>
+                <a:lnTo>
+                  <a:pt x="120000" y="120000"/>
+                </a:lnTo>
+                <a:lnTo>
+                  <a:pt x="0" y="120000"/>
+                </a:lnTo>
+                <a:close/>
+              </a:path>
+            </a:pathLst>
+          </a:custGeom>
+        </p:spPr>
+      </p:sp>
+      <p:sp>
+        <p:nvSpPr>
+          <p:cNvPr id="736" name="Google Shape;736;g20da627a979_0_33:notes"/>
+          <p:cNvSpPr txBox="1"/>
+          <p:nvPr>
+            <p:ph type="body" idx="1"/>
+          </p:nvPr>
+        </p:nvSpPr>
+        <p:spPr bwMode="auto">
+          <a:xfrm>
+            <a:off x="685800" y="4343400"/>
+            <a:ext cx="5486400" cy="4114800"/>
+          </a:xfrm>
+          <a:prstGeom prst="rect">
+            <a:avLst/>
+          </a:prstGeom>
+        </p:spPr>
+        <p:txBody>
+          <a:bodyPr spcFirstLastPara="1" wrap="square" lIns="91425" tIns="91425" rIns="91425" bIns="91425" anchor="t" anchorCtr="0">
+            <a:noAutofit/>
+          </a:bodyPr>
+          <a:lstStyle/>
+          <a:p>
+            <a:pPr marL="0" lvl="0" indent="0" algn="l">
+              <a:spcBef>
+                <a:spcPts val="0"/>
+              </a:spcBef>
+              <a:spcAft>
+                <a:spcPts val="0"/>
+              </a:spcAft>
+              <a:buNone/>
+              <a:defRPr/>
+            </a:pPr>
+            <a:endParaRPr/>
+          </a:p>
+        </p:txBody>
+      </p:sp>
+    </p:spTree>
+  </p:cSld>
+</p:notes>
+</file>
+
+<file path=ppt/slideLayouts/slideLayout1.xml><?xml version="1.0" encoding="utf-8"?>
+<p:sldLayout xmlns:a="http://schemas.openxmlformats.org/drawingml/2006/main" xmlns:r="http://schemas.openxmlformats.org/officeDocument/2006/relationships" xmlns:p="http://schemas.openxmlformats.org/presentationml/2006/main" xmlns:m="http://schemas.openxmlformats.org/officeDocument/2006/math" xmlns:w="http://schemas.openxmlformats.org/wordprocessingml/2006/main" matchingName="Inicio de presentación" preserve="0" showMasterPhAnim="0" type="title" userDrawn="1">
+  <p:cSld name="TITLE">
+    <p:bg>
+      <p:bgPr shadeToTitle="0">
+        <a:solidFill>
+          <a:srgbClr val="F8F8F8"/>
+        </a:solidFill>
+      </p:bgPr>
+    </p:bg>
+    <p:spTree>
+      <p:nvGrpSpPr>
+        <p:cNvPr id="1" name=""/>
+        <p:cNvGrpSpPr/>
+        <p:nvPr/>
+      </p:nvGrpSpPr>
+      <p:grpSpPr bwMode="auto">
+        <a:xfrm>
+          <a:off x="0" y="0"/>
+          <a:ext cx="0" cy="0"/>
+          <a:chOff x="0" y="0"/>
+          <a:chExt cx="0" cy="0"/>
+        </a:xfrm>
+      </p:grpSpPr>
+      <p:sp>
+        <p:nvSpPr>
           <p:cNvPr id="10" name="Google Shape;10;p2"/>
           <p:cNvSpPr/>
           <p:nvPr/>
         </p:nvSpPr>
-        <p:spPr>
+        <p:spPr bwMode="auto">
           <a:xfrm>
             <a:off x="87750" y="87000"/>
             <a:ext cx="8968500" cy="4969500"/>
@@ -1701,15 +1748,17 @@
           </a:bodyPr>
           <a:lstStyle/>
           <a:p>
-            <a:pPr marL="0" lvl="0" indent="0" algn="ctr" rtl="0">
-              <a:spcBef>
-                <a:spcPts val="0"/>
-              </a:spcBef>
-              <a:spcAft>
-                <a:spcPts val="0"/>
-              </a:spcAft>
-              <a:buNone/>
-            </a:pPr>
+            <a:pPr marL="0" lvl="0" indent="0" algn="ctr">
+              <a:spcBef>
+                <a:spcPts val="0"/>
+              </a:spcBef>
+              <a:spcAft>
+                <a:spcPts val="0"/>
+              </a:spcAft>
+              <a:buNone/>
+              <a:defRPr/>
+            </a:pPr>
+            <a:endParaRPr/>
           </a:p>
         </p:txBody>
       </p:sp>
@@ -1721,7 +1770,7 @@
             <p:ph type="sldNum" idx="12"/>
           </p:nvPr>
         </p:nvSpPr>
-        <p:spPr>
+        <p:spPr bwMode="auto">
           <a:xfrm>
             <a:off x="8472458" y="4663217"/>
             <a:ext cx="548700" cy="393600"/>
@@ -1773,14 +1822,15 @@
             </a:lvl9pPr>
           </a:lstStyle>
           <a:p>
-            <a:pPr marL="0" lvl="0" indent="0" algn="r" rtl="0">
-              <a:spcBef>
-                <a:spcPts val="0"/>
-              </a:spcBef>
-              <a:spcAft>
-                <a:spcPts val="0"/>
-              </a:spcAft>
-              <a:buNone/>
+            <a:pPr marL="0" lvl="0" indent="0" algn="r">
+              <a:spcBef>
+                <a:spcPts val="0"/>
+              </a:spcBef>
+              <a:spcAft>
+                <a:spcPts val="0"/>
+              </a:spcAft>
+              <a:buNone/>
+              <a:defRPr/>
             </a:pPr>
             <a:r>
               <a:rPr lang="en-US"/>
@@ -1793,17 +1843,15 @@
       <p:pic>
         <p:nvPicPr>
           <p:cNvPr id="12" name="Google Shape;12;p2"/>
-          <p:cNvPicPr preferRelativeResize="0"/>
+          <p:cNvPicPr/>
           <p:nvPr/>
         </p:nvPicPr>
-        <p:blipFill rotWithShape="1">
+        <p:blipFill>
           <a:blip r:embed="rId2"/>
-          <a:srcRect t="22245"/>
-          <a:stretch>
-            <a:fillRect/>
-          </a:stretch>
+          <a:srcRect l="0" t="22245" r="0" b="0"/>
+          <a:stretch/>
         </p:blipFill>
-        <p:spPr>
+        <p:spPr bwMode="auto">
           <a:xfrm>
             <a:off x="7591175" y="4411900"/>
             <a:ext cx="1043149" cy="456250"/>
@@ -1823,7 +1871,7 @@
           <p:cNvSpPr txBox="1"/>
           <p:nvPr/>
         </p:nvSpPr>
-        <p:spPr>
+        <p:spPr bwMode="auto">
           <a:xfrm>
             <a:off x="2601600" y="2006700"/>
             <a:ext cx="3940800" cy="1130100"/>
@@ -1842,14 +1890,15 @@
           </a:bodyPr>
           <a:lstStyle/>
           <a:p>
-            <a:pPr marL="0" lvl="0" indent="0" algn="ctr" rtl="0">
-              <a:spcBef>
-                <a:spcPts val="0"/>
-              </a:spcBef>
-              <a:spcAft>
-                <a:spcPts val="0"/>
-              </a:spcAft>
-              <a:buNone/>
+            <a:pPr marL="0" lvl="0" indent="0" algn="ctr">
+              <a:spcBef>
+                <a:spcPts val="0"/>
+              </a:spcBef>
+              <a:spcAft>
+                <a:spcPts val="0"/>
+              </a:spcAft>
+              <a:buNone/>
+              <a:defRPr/>
             </a:pPr>
             <a:r>
               <a:rPr lang="en-US" sz="4000">
@@ -1859,7 +1908,6 @@
                 <a:latin typeface="Nunito ExtraBold"/>
                 <a:ea typeface="Nunito ExtraBold"/>
                 <a:cs typeface="Nunito ExtraBold"/>
-                <a:sym typeface="Nunito ExtraBold"/>
               </a:rPr>
               <a:t>Título</a:t>
             </a:r>
@@ -1870,7 +1918,6 @@
               <a:latin typeface="Nunito ExtraBold"/>
               <a:ea typeface="Nunito ExtraBold"/>
               <a:cs typeface="Nunito ExtraBold"/>
-              <a:sym typeface="Nunito ExtraBold"/>
             </a:endParaRPr>
           </a:p>
         </p:txBody>
@@ -1878,17 +1925,15 @@
       <p:pic>
         <p:nvPicPr>
           <p:cNvPr id="14" name="Google Shape;14;p2"/>
-          <p:cNvPicPr preferRelativeResize="0"/>
+          <p:cNvPicPr/>
           <p:nvPr/>
         </p:nvPicPr>
         <p:blipFill>
           <a:blip r:embed="rId3"/>
-          <a:stretch>
-            <a:fillRect/>
-          </a:stretch>
+          <a:stretch/>
         </p:blipFill>
-        <p:spPr>
-          <a:xfrm rot="1524476">
+        <p:spPr bwMode="auto">
+          <a:xfrm rot="1524475">
             <a:off x="-427155" y="1587770"/>
             <a:ext cx="3584522" cy="3441603"/>
           </a:xfrm>
@@ -1907,7 +1952,7 @@
           <p:cNvSpPr/>
           <p:nvPr/>
         </p:nvSpPr>
-        <p:spPr>
+        <p:spPr bwMode="auto">
           <a:xfrm>
             <a:off x="213350" y="738900"/>
             <a:ext cx="384600" cy="536100"/>
@@ -1930,20 +1975,20 @@
           </a:bodyPr>
           <a:lstStyle/>
           <a:p>
-            <a:pPr marL="0" lvl="0" indent="0" algn="ctr" rtl="0">
-              <a:spcBef>
-                <a:spcPts val="0"/>
-              </a:spcBef>
-              <a:spcAft>
-                <a:spcPts val="0"/>
-              </a:spcAft>
-              <a:buNone/>
+            <a:pPr marL="0" lvl="0" indent="0" algn="ctr">
+              <a:spcBef>
+                <a:spcPts val="0"/>
+              </a:spcBef>
+              <a:spcAft>
+                <a:spcPts val="0"/>
+              </a:spcAft>
+              <a:buNone/>
+              <a:defRPr/>
             </a:pPr>
             <a:endParaRPr>
               <a:latin typeface="Lato"/>
               <a:ea typeface="Lato"/>
               <a:cs typeface="Lato"/>
-              <a:sym typeface="Lato"/>
             </a:endParaRPr>
           </a:p>
         </p:txBody>
@@ -1954,7 +1999,7 @@
           <p:cNvSpPr/>
           <p:nvPr/>
         </p:nvSpPr>
-        <p:spPr>
+        <p:spPr bwMode="auto">
           <a:xfrm>
             <a:off x="597950" y="4078825"/>
             <a:ext cx="384600" cy="536100"/>
@@ -1977,20 +2022,20 @@
           </a:bodyPr>
           <a:lstStyle/>
           <a:p>
-            <a:pPr marL="0" lvl="0" indent="0" algn="ctr" rtl="0">
-              <a:spcBef>
-                <a:spcPts val="0"/>
-              </a:spcBef>
-              <a:spcAft>
-                <a:spcPts val="0"/>
-              </a:spcAft>
-              <a:buNone/>
+            <a:pPr marL="0" lvl="0" indent="0" algn="ctr">
+              <a:spcBef>
+                <a:spcPts val="0"/>
+              </a:spcBef>
+              <a:spcAft>
+                <a:spcPts val="0"/>
+              </a:spcAft>
+              <a:buNone/>
+              <a:defRPr/>
             </a:pPr>
             <a:endParaRPr>
               <a:latin typeface="Lato"/>
               <a:ea typeface="Lato"/>
               <a:cs typeface="Lato"/>
-              <a:sym typeface="Lato"/>
             </a:endParaRPr>
           </a:p>
         </p:txBody>
@@ -1998,17 +2043,15 @@
       <p:pic>
         <p:nvPicPr>
           <p:cNvPr id="17" name="Google Shape;17;p2"/>
-          <p:cNvPicPr preferRelativeResize="0"/>
+          <p:cNvPicPr/>
           <p:nvPr/>
         </p:nvPicPr>
-        <p:blipFill rotWithShape="1">
+        <p:blipFill>
           <a:blip r:embed="rId4"/>
-          <a:srcRect l="44196" r="1029" b="1797"/>
-          <a:stretch>
-            <a:fillRect/>
-          </a:stretch>
+          <a:srcRect l="44196" t="0" r="1028" b="1796"/>
+          <a:stretch/>
         </p:blipFill>
-        <p:spPr>
+        <p:spPr bwMode="auto">
           <a:xfrm rot="10800000">
             <a:off x="7081500" y="0"/>
             <a:ext cx="2062500" cy="2451900"/>
@@ -2028,7 +2071,7 @@
           <p:cNvSpPr/>
           <p:nvPr/>
         </p:nvSpPr>
-        <p:spPr>
+        <p:spPr bwMode="auto">
           <a:xfrm>
             <a:off x="7679200" y="1572000"/>
             <a:ext cx="384600" cy="536100"/>
@@ -2051,20 +2094,20 @@
           </a:bodyPr>
           <a:lstStyle/>
           <a:p>
-            <a:pPr marL="0" lvl="0" indent="0" algn="ctr" rtl="0">
-              <a:spcBef>
-                <a:spcPts val="0"/>
-              </a:spcBef>
-              <a:spcAft>
-                <a:spcPts val="0"/>
-              </a:spcAft>
-              <a:buNone/>
+            <a:pPr marL="0" lvl="0" indent="0" algn="ctr">
+              <a:spcBef>
+                <a:spcPts val="0"/>
+              </a:spcBef>
+              <a:spcAft>
+                <a:spcPts val="0"/>
+              </a:spcAft>
+              <a:buNone/>
+              <a:defRPr/>
             </a:pPr>
             <a:endParaRPr>
               <a:latin typeface="Lato"/>
               <a:ea typeface="Lato"/>
               <a:cs typeface="Lato"/>
-              <a:sym typeface="Lato"/>
             </a:endParaRPr>
           </a:p>
         </p:txBody>
@@ -2072,17 +2115,15 @@
       <p:pic>
         <p:nvPicPr>
           <p:cNvPr id="19" name="Google Shape;19;p2"/>
-          <p:cNvPicPr preferRelativeResize="0"/>
+          <p:cNvPicPr/>
           <p:nvPr/>
         </p:nvPicPr>
-        <p:blipFill rotWithShape="1">
+        <p:blipFill>
           <a:blip r:embed="rId5"/>
-          <a:srcRect r="42745"/>
-          <a:stretch>
-            <a:fillRect/>
-          </a:stretch>
+          <a:srcRect l="0" t="0" r="42745" b="0"/>
+          <a:stretch/>
         </p:blipFill>
-        <p:spPr>
+        <p:spPr bwMode="auto">
           <a:xfrm>
             <a:off x="5751900" y="4329587"/>
             <a:ext cx="1706240" cy="620875"/>
@@ -2105,23 +2146,22 @@
 </file>
 
 <file path=ppt/slideLayouts/slideLayout2.xml><?xml version="1.0" encoding="utf-8"?>
-<p:sldLayout xmlns:a="http://schemas.openxmlformats.org/drawingml/2006/main" xmlns:r="http://schemas.openxmlformats.org/officeDocument/2006/relationships" xmlns:p="http://schemas.openxmlformats.org/presentationml/2006/main" type="secHead" matchingName="Tabla de contenidos">
+<p:sldLayout xmlns:a="http://schemas.openxmlformats.org/drawingml/2006/main" xmlns:r="http://schemas.openxmlformats.org/officeDocument/2006/relationships" xmlns:p="http://schemas.openxmlformats.org/presentationml/2006/main" xmlns:m="http://schemas.openxmlformats.org/officeDocument/2006/math" xmlns:w="http://schemas.openxmlformats.org/wordprocessingml/2006/main" matchingName="Tabla de contenidos" preserve="0" showMasterPhAnim="0" type="secHead" userDrawn="1">
   <p:cSld name="SECTION_HEADER">
     <p:bg>
-      <p:bgPr>
+      <p:bgPr shadeToTitle="0">
         <a:solidFill>
           <a:srgbClr val="F8F8F8"/>
         </a:solidFill>
-        <a:effectLst/>
       </p:bgPr>
     </p:bg>
     <p:spTree>
       <p:nvGrpSpPr>
-        <p:cNvPr id="20" name="Shape 20"/>
+        <p:cNvPr id="1" name=""/>
         <p:cNvGrpSpPr/>
         <p:nvPr/>
       </p:nvGrpSpPr>
-      <p:grpSpPr>
+      <p:grpSpPr bwMode="auto">
         <a:xfrm>
           <a:off x="0" y="0"/>
           <a:ext cx="0" cy="0"/>
@@ -2137,7 +2177,7 @@
             <p:ph type="title"/>
           </p:nvPr>
         </p:nvSpPr>
-        <p:spPr>
+        <p:spPr bwMode="auto">
           <a:xfrm>
             <a:off x="732925" y="628125"/>
             <a:ext cx="5850300" cy="732900"/>
@@ -2251,7 +2291,12 @@
               <a:defRPr sz="3600"/>
             </a:lvl9pPr>
           </a:lstStyle>
-          <a:p/>
+          <a:p>
+            <a:pPr>
+              <a:defRPr/>
+            </a:pPr>
+            <a:endParaRPr/>
+          </a:p>
         </p:txBody>
       </p:sp>
       <p:sp>
@@ -2262,7 +2307,7 @@
             <p:ph type="sldNum" idx="12"/>
           </p:nvPr>
         </p:nvSpPr>
-        <p:spPr>
+        <p:spPr bwMode="auto">
           <a:xfrm>
             <a:off x="8472458" y="4663217"/>
             <a:ext cx="548700" cy="393600"/>
@@ -2314,14 +2359,15 @@
             </a:lvl9pPr>
           </a:lstStyle>
           <a:p>
-            <a:pPr marL="0" lvl="0" indent="0" algn="r" rtl="0">
-              <a:spcBef>
-                <a:spcPts val="0"/>
-              </a:spcBef>
-              <a:spcAft>
-                <a:spcPts val="0"/>
-              </a:spcAft>
-              <a:buNone/>
+            <a:pPr marL="0" lvl="0" indent="0" algn="r">
+              <a:spcBef>
+                <a:spcPts val="0"/>
+              </a:spcBef>
+              <a:spcAft>
+                <a:spcPts val="0"/>
+              </a:spcAft>
+              <a:buNone/>
+              <a:defRPr/>
             </a:pPr>
             <a:r>
               <a:rPr lang="en-US"/>
@@ -2330,15 +2376,17 @@
             <a:endParaRPr lang="en-US"/>
           </a:p>
           <a:p>
-            <a:pPr marL="0" lvl="0" indent="0" algn="r" rtl="0">
-              <a:spcBef>
-                <a:spcPts val="0"/>
-              </a:spcBef>
-              <a:spcAft>
-                <a:spcPts val="0"/>
-              </a:spcAft>
-              <a:buNone/>
-            </a:pPr>
+            <a:pPr marL="0" lvl="0" indent="0" algn="r">
+              <a:spcBef>
+                <a:spcPts val="0"/>
+              </a:spcBef>
+              <a:spcAft>
+                <a:spcPts val="0"/>
+              </a:spcAft>
+              <a:buNone/>
+              <a:defRPr/>
+            </a:pPr>
+            <a:endParaRPr/>
           </a:p>
         </p:txBody>
       </p:sp>
@@ -2348,7 +2396,7 @@
           <p:cNvSpPr/>
           <p:nvPr/>
         </p:nvSpPr>
-        <p:spPr>
+        <p:spPr bwMode="auto">
           <a:xfrm>
             <a:off x="213350" y="738900"/>
             <a:ext cx="384600" cy="536100"/>
@@ -2371,20 +2419,20 @@
           </a:bodyPr>
           <a:lstStyle/>
           <a:p>
-            <a:pPr marL="0" lvl="0" indent="0" algn="ctr" rtl="0">
-              <a:spcBef>
-                <a:spcPts val="0"/>
-              </a:spcBef>
-              <a:spcAft>
-                <a:spcPts val="0"/>
-              </a:spcAft>
-              <a:buNone/>
+            <a:pPr marL="0" lvl="0" indent="0" algn="ctr">
+              <a:spcBef>
+                <a:spcPts val="0"/>
+              </a:spcBef>
+              <a:spcAft>
+                <a:spcPts val="0"/>
+              </a:spcAft>
+              <a:buNone/>
+              <a:defRPr/>
             </a:pPr>
             <a:endParaRPr>
               <a:latin typeface="Lato"/>
               <a:ea typeface="Lato"/>
               <a:cs typeface="Lato"/>
-              <a:sym typeface="Lato"/>
             </a:endParaRPr>
           </a:p>
         </p:txBody>
@@ -2395,7 +2443,7 @@
           <p:cNvSpPr/>
           <p:nvPr/>
         </p:nvSpPr>
-        <p:spPr>
+        <p:spPr bwMode="auto">
           <a:xfrm>
             <a:off x="597950" y="4078825"/>
             <a:ext cx="384600" cy="536100"/>
@@ -2418,20 +2466,20 @@
           </a:bodyPr>
           <a:lstStyle/>
           <a:p>
-            <a:pPr marL="0" lvl="0" indent="0" algn="ctr" rtl="0">
-              <a:spcBef>
-                <a:spcPts val="0"/>
-              </a:spcBef>
-              <a:spcAft>
-                <a:spcPts val="0"/>
-              </a:spcAft>
-              <a:buNone/>
+            <a:pPr marL="0" lvl="0" indent="0" algn="ctr">
+              <a:spcBef>
+                <a:spcPts val="0"/>
+              </a:spcBef>
+              <a:spcAft>
+                <a:spcPts val="0"/>
+              </a:spcAft>
+              <a:buNone/>
+              <a:defRPr/>
             </a:pPr>
             <a:endParaRPr>
               <a:latin typeface="Lato"/>
               <a:ea typeface="Lato"/>
               <a:cs typeface="Lato"/>
-              <a:sym typeface="Lato"/>
             </a:endParaRPr>
           </a:p>
         </p:txBody>
@@ -2439,17 +2487,15 @@
       <p:pic>
         <p:nvPicPr>
           <p:cNvPr id="25" name="Google Shape;25;p3"/>
-          <p:cNvPicPr preferRelativeResize="0"/>
+          <p:cNvPicPr/>
           <p:nvPr/>
         </p:nvPicPr>
-        <p:blipFill rotWithShape="1">
+        <p:blipFill>
           <a:blip r:embed="rId2"/>
-          <a:srcRect l="44196" r="1029" b="1797"/>
-          <a:stretch>
-            <a:fillRect/>
-          </a:stretch>
+          <a:srcRect l="44196" t="0" r="1028" b="1796"/>
+          <a:stretch/>
         </p:blipFill>
-        <p:spPr>
+        <p:spPr bwMode="auto">
           <a:xfrm rot="10800000">
             <a:off x="7081500" y="0"/>
             <a:ext cx="2062500" cy="2451900"/>
@@ -2469,7 +2515,7 @@
           <p:cNvSpPr/>
           <p:nvPr/>
         </p:nvSpPr>
-        <p:spPr>
+        <p:spPr bwMode="auto">
           <a:xfrm>
             <a:off x="7679200" y="1572000"/>
             <a:ext cx="384600" cy="536100"/>
@@ -2492,20 +2538,20 @@
           </a:bodyPr>
           <a:lstStyle/>
           <a:p>
-            <a:pPr marL="0" lvl="0" indent="0" algn="ctr" rtl="0">
-              <a:spcBef>
-                <a:spcPts val="0"/>
-              </a:spcBef>
-              <a:spcAft>
-                <a:spcPts val="0"/>
-              </a:spcAft>
-              <a:buNone/>
+            <a:pPr marL="0" lvl="0" indent="0" algn="ctr">
+              <a:spcBef>
+                <a:spcPts val="0"/>
+              </a:spcBef>
+              <a:spcAft>
+                <a:spcPts val="0"/>
+              </a:spcAft>
+              <a:buNone/>
+              <a:defRPr/>
             </a:pPr>
             <a:endParaRPr>
               <a:latin typeface="Lato"/>
               <a:ea typeface="Lato"/>
               <a:cs typeface="Lato"/>
-              <a:sym typeface="Lato"/>
             </a:endParaRPr>
           </a:p>
         </p:txBody>
@@ -2516,7 +2562,7 @@
           <p:cNvSpPr txBox="1"/>
           <p:nvPr/>
         </p:nvSpPr>
-        <p:spPr>
+        <p:spPr bwMode="auto">
           <a:xfrm>
             <a:off x="666475" y="1796600"/>
             <a:ext cx="478200" cy="456300"/>
@@ -2541,14 +2587,15 @@
           </a:bodyPr>
           <a:lstStyle/>
           <a:p>
-            <a:pPr marL="0" lvl="0" indent="0" algn="ctr" rtl="0">
-              <a:spcBef>
-                <a:spcPts val="0"/>
-              </a:spcBef>
-              <a:spcAft>
-                <a:spcPts val="0"/>
-              </a:spcAft>
-              <a:buNone/>
+            <a:pPr marL="0" lvl="0" indent="0" algn="ctr">
+              <a:spcBef>
+                <a:spcPts val="0"/>
+              </a:spcBef>
+              <a:spcAft>
+                <a:spcPts val="0"/>
+              </a:spcAft>
+              <a:buNone/>
+              <a:defRPr/>
             </a:pPr>
             <a:r>
               <a:rPr lang="en-US" sz="1800">
@@ -2558,7 +2605,6 @@
                 <a:latin typeface="Nunito Black"/>
                 <a:ea typeface="Nunito Black"/>
                 <a:cs typeface="Nunito Black"/>
-                <a:sym typeface="Nunito Black"/>
               </a:rPr>
               <a:t>1</a:t>
             </a:r>
@@ -2569,7 +2615,6 @@
               <a:latin typeface="Nunito Black"/>
               <a:ea typeface="Nunito Black"/>
               <a:cs typeface="Nunito Black"/>
-              <a:sym typeface="Nunito Black"/>
             </a:endParaRPr>
           </a:p>
         </p:txBody>
@@ -2580,7 +2625,7 @@
           <p:cNvSpPr txBox="1"/>
           <p:nvPr/>
         </p:nvSpPr>
-        <p:spPr>
+        <p:spPr bwMode="auto">
           <a:xfrm>
             <a:off x="1347525" y="1796600"/>
             <a:ext cx="2427600" cy="384000"/>
@@ -2599,14 +2644,15 @@
           </a:bodyPr>
           <a:lstStyle/>
           <a:p>
-            <a:pPr marL="0" lvl="0" indent="0" algn="l" rtl="0">
-              <a:spcBef>
-                <a:spcPts val="0"/>
-              </a:spcBef>
-              <a:spcAft>
-                <a:spcPts val="0"/>
-              </a:spcAft>
-              <a:buNone/>
+            <a:pPr marL="0" lvl="0" indent="0" algn="l">
+              <a:spcBef>
+                <a:spcPts val="0"/>
+              </a:spcBef>
+              <a:spcAft>
+                <a:spcPts val="0"/>
+              </a:spcAft>
+              <a:buNone/>
+              <a:defRPr/>
             </a:pPr>
             <a:r>
               <a:rPr lang="en-US" sz="2200" b="1">
@@ -2616,7 +2662,6 @@
                 <a:latin typeface="Nunito"/>
                 <a:ea typeface="Nunito"/>
                 <a:cs typeface="Nunito"/>
-                <a:sym typeface="Nunito"/>
               </a:rPr>
               <a:t>Tema 1</a:t>
             </a:r>
@@ -2627,7 +2672,6 @@
               <a:latin typeface="Nunito"/>
               <a:ea typeface="Nunito"/>
               <a:cs typeface="Nunito"/>
-              <a:sym typeface="Nunito"/>
             </a:endParaRPr>
           </a:p>
         </p:txBody>
@@ -2638,7 +2682,7 @@
           <p:cNvSpPr txBox="1"/>
           <p:nvPr/>
         </p:nvSpPr>
-        <p:spPr>
+        <p:spPr bwMode="auto">
           <a:xfrm>
             <a:off x="1347525" y="2108100"/>
             <a:ext cx="2825400" cy="804000"/>
@@ -2657,14 +2701,15 @@
           </a:bodyPr>
           <a:lstStyle/>
           <a:p>
-            <a:pPr marL="0" lvl="0" indent="0" algn="l" rtl="0">
-              <a:spcBef>
-                <a:spcPts val="0"/>
-              </a:spcBef>
-              <a:spcAft>
-                <a:spcPts val="0"/>
-              </a:spcAft>
-              <a:buNone/>
+            <a:pPr marL="0" lvl="0" indent="0" algn="l">
+              <a:spcBef>
+                <a:spcPts val="0"/>
+              </a:spcBef>
+              <a:spcAft>
+                <a:spcPts val="0"/>
+              </a:spcAft>
+              <a:buNone/>
+              <a:defRPr/>
             </a:pPr>
             <a:r>
               <a:rPr lang="en-US" sz="1200">
@@ -2674,7 +2719,6 @@
                 <a:latin typeface="Nunito"/>
                 <a:ea typeface="Nunito"/>
                 <a:cs typeface="Nunito"/>
-                <a:sym typeface="Nunito"/>
               </a:rPr>
               <a:t>Lorem ipsum dolor sit amet, consectetur adipiscing elit, sed do eiusmo</a:t>
             </a:r>
@@ -2685,7 +2729,6 @@
               <a:latin typeface="Nunito"/>
               <a:ea typeface="Nunito"/>
               <a:cs typeface="Nunito"/>
-              <a:sym typeface="Nunito"/>
             </a:endParaRPr>
           </a:p>
         </p:txBody>
@@ -2696,7 +2739,7 @@
           <p:cNvSpPr txBox="1"/>
           <p:nvPr/>
         </p:nvSpPr>
-        <p:spPr>
+        <p:spPr bwMode="auto">
           <a:xfrm>
             <a:off x="666475" y="2937713"/>
             <a:ext cx="478200" cy="456300"/>
@@ -2721,14 +2764,15 @@
           </a:bodyPr>
           <a:lstStyle/>
           <a:p>
-            <a:pPr marL="0" lvl="0" indent="0" algn="ctr" rtl="0">
-              <a:spcBef>
-                <a:spcPts val="0"/>
-              </a:spcBef>
-              <a:spcAft>
-                <a:spcPts val="0"/>
-              </a:spcAft>
-              <a:buNone/>
+            <a:pPr marL="0" lvl="0" indent="0" algn="ctr">
+              <a:spcBef>
+                <a:spcPts val="0"/>
+              </a:spcBef>
+              <a:spcAft>
+                <a:spcPts val="0"/>
+              </a:spcAft>
+              <a:buNone/>
+              <a:defRPr/>
             </a:pPr>
             <a:r>
               <a:rPr lang="en-US" sz="1800">
@@ -2738,7 +2782,6 @@
                 <a:latin typeface="Nunito Black"/>
                 <a:ea typeface="Nunito Black"/>
                 <a:cs typeface="Nunito Black"/>
-                <a:sym typeface="Nunito Black"/>
               </a:rPr>
               <a:t>2</a:t>
             </a:r>
@@ -2749,7 +2792,6 @@
               <a:latin typeface="Nunito Black"/>
               <a:ea typeface="Nunito Black"/>
               <a:cs typeface="Nunito Black"/>
-              <a:sym typeface="Nunito Black"/>
             </a:endParaRPr>
           </a:p>
         </p:txBody>
@@ -2760,7 +2802,7 @@
           <p:cNvSpPr txBox="1"/>
           <p:nvPr/>
         </p:nvSpPr>
-        <p:spPr>
+        <p:spPr bwMode="auto">
           <a:xfrm>
             <a:off x="1347525" y="2937713"/>
             <a:ext cx="2427600" cy="384000"/>
@@ -2779,14 +2821,15 @@
           </a:bodyPr>
           <a:lstStyle/>
           <a:p>
-            <a:pPr marL="0" lvl="0" indent="0" algn="l" rtl="0">
-              <a:spcBef>
-                <a:spcPts val="0"/>
-              </a:spcBef>
-              <a:spcAft>
-                <a:spcPts val="0"/>
-              </a:spcAft>
-              <a:buNone/>
+            <a:pPr marL="0" lvl="0" indent="0" algn="l">
+              <a:spcBef>
+                <a:spcPts val="0"/>
+              </a:spcBef>
+              <a:spcAft>
+                <a:spcPts val="0"/>
+              </a:spcAft>
+              <a:buNone/>
+              <a:defRPr/>
             </a:pPr>
             <a:r>
               <a:rPr lang="en-US" sz="2200" b="1">
@@ -2796,7 +2839,6 @@
                 <a:latin typeface="Nunito"/>
                 <a:ea typeface="Nunito"/>
                 <a:cs typeface="Nunito"/>
-                <a:sym typeface="Nunito"/>
               </a:rPr>
               <a:t>Tema 2</a:t>
             </a:r>
@@ -2807,7 +2849,6 @@
               <a:latin typeface="Nunito"/>
               <a:ea typeface="Nunito"/>
               <a:cs typeface="Nunito"/>
-              <a:sym typeface="Nunito"/>
             </a:endParaRPr>
           </a:p>
         </p:txBody>
@@ -2818,7 +2859,7 @@
           <p:cNvSpPr txBox="1"/>
           <p:nvPr/>
         </p:nvSpPr>
-        <p:spPr>
+        <p:spPr bwMode="auto">
           <a:xfrm>
             <a:off x="1347525" y="3249213"/>
             <a:ext cx="2825400" cy="804000"/>
@@ -2837,14 +2878,15 @@
           </a:bodyPr>
           <a:lstStyle/>
           <a:p>
-            <a:pPr marL="0" lvl="0" indent="0" algn="l" rtl="0">
-              <a:spcBef>
-                <a:spcPts val="0"/>
-              </a:spcBef>
-              <a:spcAft>
-                <a:spcPts val="0"/>
-              </a:spcAft>
-              <a:buNone/>
+            <a:pPr marL="0" lvl="0" indent="0" algn="l">
+              <a:spcBef>
+                <a:spcPts val="0"/>
+              </a:spcBef>
+              <a:spcAft>
+                <a:spcPts val="0"/>
+              </a:spcAft>
+              <a:buNone/>
+              <a:defRPr/>
             </a:pPr>
             <a:r>
               <a:rPr lang="en-US" sz="1200">
@@ -2854,7 +2896,6 @@
                 <a:latin typeface="Nunito"/>
                 <a:ea typeface="Nunito"/>
                 <a:cs typeface="Nunito"/>
-                <a:sym typeface="Nunito"/>
               </a:rPr>
               <a:t>Lorem ipsum dolor sit amet, consectetur adipiscing elit, sed do eiusmo</a:t>
             </a:r>
@@ -2865,7 +2906,6 @@
               <a:latin typeface="Nunito"/>
               <a:ea typeface="Nunito"/>
               <a:cs typeface="Nunito"/>
-              <a:sym typeface="Nunito"/>
             </a:endParaRPr>
           </a:p>
         </p:txBody>
@@ -2876,7 +2916,7 @@
           <p:cNvSpPr txBox="1"/>
           <p:nvPr/>
         </p:nvSpPr>
-        <p:spPr>
+        <p:spPr bwMode="auto">
           <a:xfrm>
             <a:off x="4572000" y="1796600"/>
             <a:ext cx="478200" cy="456300"/>
@@ -2901,14 +2941,15 @@
           </a:bodyPr>
           <a:lstStyle/>
           <a:p>
-            <a:pPr marL="0" lvl="0" indent="0" algn="ctr" rtl="0">
-              <a:spcBef>
-                <a:spcPts val="0"/>
-              </a:spcBef>
-              <a:spcAft>
-                <a:spcPts val="0"/>
-              </a:spcAft>
-              <a:buNone/>
+            <a:pPr marL="0" lvl="0" indent="0" algn="ctr">
+              <a:spcBef>
+                <a:spcPts val="0"/>
+              </a:spcBef>
+              <a:spcAft>
+                <a:spcPts val="0"/>
+              </a:spcAft>
+              <a:buNone/>
+              <a:defRPr/>
             </a:pPr>
             <a:r>
               <a:rPr lang="en-US" sz="1800">
@@ -2918,7 +2959,6 @@
                 <a:latin typeface="Nunito Black"/>
                 <a:ea typeface="Nunito Black"/>
                 <a:cs typeface="Nunito Black"/>
-                <a:sym typeface="Nunito Black"/>
               </a:rPr>
               <a:t>3</a:t>
             </a:r>
@@ -2929,7 +2969,6 @@
               <a:latin typeface="Nunito Black"/>
               <a:ea typeface="Nunito Black"/>
               <a:cs typeface="Nunito Black"/>
-              <a:sym typeface="Nunito Black"/>
             </a:endParaRPr>
           </a:p>
         </p:txBody>
@@ -2940,7 +2979,7 @@
           <p:cNvSpPr txBox="1"/>
           <p:nvPr/>
         </p:nvSpPr>
-        <p:spPr>
+        <p:spPr bwMode="auto">
           <a:xfrm>
             <a:off x="5253050" y="1796600"/>
             <a:ext cx="2427600" cy="384000"/>
@@ -2959,14 +2998,15 @@
           </a:bodyPr>
           <a:lstStyle/>
           <a:p>
-            <a:pPr marL="0" lvl="0" indent="0" algn="l" rtl="0">
-              <a:spcBef>
-                <a:spcPts val="0"/>
-              </a:spcBef>
-              <a:spcAft>
-                <a:spcPts val="0"/>
-              </a:spcAft>
-              <a:buNone/>
+            <a:pPr marL="0" lvl="0" indent="0" algn="l">
+              <a:spcBef>
+                <a:spcPts val="0"/>
+              </a:spcBef>
+              <a:spcAft>
+                <a:spcPts val="0"/>
+              </a:spcAft>
+              <a:buNone/>
+              <a:defRPr/>
             </a:pPr>
             <a:r>
               <a:rPr lang="en-US" sz="2200" b="1">
@@ -2976,7 +3016,6 @@
                 <a:latin typeface="Nunito"/>
                 <a:ea typeface="Nunito"/>
                 <a:cs typeface="Nunito"/>
-                <a:sym typeface="Nunito"/>
               </a:rPr>
               <a:t>Tema 3</a:t>
             </a:r>
@@ -2987,7 +3026,6 @@
               <a:latin typeface="Nunito"/>
               <a:ea typeface="Nunito"/>
               <a:cs typeface="Nunito"/>
-              <a:sym typeface="Nunito"/>
             </a:endParaRPr>
           </a:p>
         </p:txBody>
@@ -2998,7 +3036,7 @@
           <p:cNvSpPr txBox="1"/>
           <p:nvPr/>
         </p:nvSpPr>
-        <p:spPr>
+        <p:spPr bwMode="auto">
           <a:xfrm>
             <a:off x="5253050" y="2108100"/>
             <a:ext cx="2825400" cy="804000"/>
@@ -3017,14 +3055,15 @@
           </a:bodyPr>
           <a:lstStyle/>
           <a:p>
-            <a:pPr marL="0" lvl="0" indent="0" algn="l" rtl="0">
-              <a:spcBef>
-                <a:spcPts val="0"/>
-              </a:spcBef>
-              <a:spcAft>
-                <a:spcPts val="0"/>
-              </a:spcAft>
-              <a:buNone/>
+            <a:pPr marL="0" lvl="0" indent="0" algn="l">
+              <a:spcBef>
+                <a:spcPts val="0"/>
+              </a:spcBef>
+              <a:spcAft>
+                <a:spcPts val="0"/>
+              </a:spcAft>
+              <a:buNone/>
+              <a:defRPr/>
             </a:pPr>
             <a:r>
               <a:rPr lang="en-US" sz="1200">
@@ -3034,7 +3073,6 @@
                 <a:latin typeface="Nunito"/>
                 <a:ea typeface="Nunito"/>
                 <a:cs typeface="Nunito"/>
-                <a:sym typeface="Nunito"/>
               </a:rPr>
               <a:t>Lorem ipsum dolor sit amet, consectetur adipiscing elit, sed do eiusmo</a:t>
             </a:r>
@@ -3045,7 +3083,6 @@
               <a:latin typeface="Nunito"/>
               <a:ea typeface="Nunito"/>
               <a:cs typeface="Nunito"/>
-              <a:sym typeface="Nunito"/>
             </a:endParaRPr>
           </a:p>
         </p:txBody>
@@ -3056,7 +3093,7 @@
           <p:cNvSpPr txBox="1"/>
           <p:nvPr/>
         </p:nvSpPr>
-        <p:spPr>
+        <p:spPr bwMode="auto">
           <a:xfrm>
             <a:off x="4572000" y="2937725"/>
             <a:ext cx="478200" cy="456300"/>
@@ -3081,14 +3118,15 @@
           </a:bodyPr>
           <a:lstStyle/>
           <a:p>
-            <a:pPr marL="0" lvl="0" indent="0" algn="ctr" rtl="0">
-              <a:spcBef>
-                <a:spcPts val="0"/>
-              </a:spcBef>
-              <a:spcAft>
-                <a:spcPts val="0"/>
-              </a:spcAft>
-              <a:buNone/>
+            <a:pPr marL="0" lvl="0" indent="0" algn="ctr">
+              <a:spcBef>
+                <a:spcPts val="0"/>
+              </a:spcBef>
+              <a:spcAft>
+                <a:spcPts val="0"/>
+              </a:spcAft>
+              <a:buNone/>
+              <a:defRPr/>
             </a:pPr>
             <a:r>
               <a:rPr lang="en-US" sz="1800">
@@ -3098,7 +3136,6 @@
                 <a:latin typeface="Nunito Black"/>
                 <a:ea typeface="Nunito Black"/>
                 <a:cs typeface="Nunito Black"/>
-                <a:sym typeface="Nunito Black"/>
               </a:rPr>
               <a:t>4</a:t>
             </a:r>
@@ -3109,7 +3146,6 @@
               <a:latin typeface="Nunito Black"/>
               <a:ea typeface="Nunito Black"/>
               <a:cs typeface="Nunito Black"/>
-              <a:sym typeface="Nunito Black"/>
             </a:endParaRPr>
           </a:p>
         </p:txBody>
@@ -3120,7 +3156,7 @@
           <p:cNvSpPr txBox="1"/>
           <p:nvPr/>
         </p:nvSpPr>
-        <p:spPr>
+        <p:spPr bwMode="auto">
           <a:xfrm>
             <a:off x="5253050" y="2937725"/>
             <a:ext cx="2427600" cy="384000"/>
@@ -3139,14 +3175,15 @@
           </a:bodyPr>
           <a:lstStyle/>
           <a:p>
-            <a:pPr marL="0" lvl="0" indent="0" algn="l" rtl="0">
-              <a:spcBef>
-                <a:spcPts val="0"/>
-              </a:spcBef>
-              <a:spcAft>
-                <a:spcPts val="0"/>
-              </a:spcAft>
-              <a:buNone/>
+            <a:pPr marL="0" lvl="0" indent="0" algn="l">
+              <a:spcBef>
+                <a:spcPts val="0"/>
+              </a:spcBef>
+              <a:spcAft>
+                <a:spcPts val="0"/>
+              </a:spcAft>
+              <a:buNone/>
+              <a:defRPr/>
             </a:pPr>
             <a:r>
               <a:rPr lang="en-US" sz="2200" b="1">
@@ -3156,7 +3193,6 @@
                 <a:latin typeface="Nunito"/>
                 <a:ea typeface="Nunito"/>
                 <a:cs typeface="Nunito"/>
-                <a:sym typeface="Nunito"/>
               </a:rPr>
               <a:t>Tema 3</a:t>
             </a:r>
@@ -3167,7 +3203,6 @@
               <a:latin typeface="Nunito"/>
               <a:ea typeface="Nunito"/>
               <a:cs typeface="Nunito"/>
-              <a:sym typeface="Nunito"/>
             </a:endParaRPr>
           </a:p>
         </p:txBody>
@@ -3178,7 +3213,7 @@
           <p:cNvSpPr txBox="1"/>
           <p:nvPr/>
         </p:nvSpPr>
-        <p:spPr>
+        <p:spPr bwMode="auto">
           <a:xfrm>
             <a:off x="5253050" y="3249225"/>
             <a:ext cx="2825400" cy="804000"/>
@@ -3197,14 +3232,15 @@
           </a:bodyPr>
           <a:lstStyle/>
           <a:p>
-            <a:pPr marL="0" lvl="0" indent="0" algn="l" rtl="0">
-              <a:spcBef>
-                <a:spcPts val="0"/>
-              </a:spcBef>
-              <a:spcAft>
-                <a:spcPts val="0"/>
-              </a:spcAft>
-              <a:buNone/>
+            <a:pPr marL="0" lvl="0" indent="0" algn="l">
+              <a:spcBef>
+                <a:spcPts val="0"/>
+              </a:spcBef>
+              <a:spcAft>
+                <a:spcPts val="0"/>
+              </a:spcAft>
+              <a:buNone/>
+              <a:defRPr/>
             </a:pPr>
             <a:r>
               <a:rPr lang="en-US" sz="1200">
@@ -3214,7 +3250,6 @@
                 <a:latin typeface="Nunito"/>
                 <a:ea typeface="Nunito"/>
                 <a:cs typeface="Nunito"/>
-                <a:sym typeface="Nunito"/>
               </a:rPr>
               <a:t>Lorem ipsum dolor sit amet, consectetur adipiscing elit, sed do eiusmo</a:t>
             </a:r>
@@ -3225,7 +3260,6 @@
               <a:latin typeface="Nunito"/>
               <a:ea typeface="Nunito"/>
               <a:cs typeface="Nunito"/>
-              <a:sym typeface="Nunito"/>
             </a:endParaRPr>
           </a:p>
         </p:txBody>
@@ -3239,15 +3273,15 @@
 </file>
 
 <file path=ppt/slideLayouts/slideLayout3.xml><?xml version="1.0" encoding="utf-8"?>
-<p:sldLayout xmlns:a="http://schemas.openxmlformats.org/drawingml/2006/main" xmlns:r="http://schemas.openxmlformats.org/officeDocument/2006/relationships" xmlns:p="http://schemas.openxmlformats.org/presentationml/2006/main" matchingName="Título con espacio para gráfico">
+<p:sldLayout xmlns:a="http://schemas.openxmlformats.org/drawingml/2006/main" xmlns:r="http://schemas.openxmlformats.org/officeDocument/2006/relationships" xmlns:p="http://schemas.openxmlformats.org/presentationml/2006/main" xmlns:m="http://schemas.openxmlformats.org/officeDocument/2006/math" xmlns:w="http://schemas.openxmlformats.org/wordprocessingml/2006/main" matchingName="Título con espacio para gráfico" preserve="0" showMasterPhAnim="0" userDrawn="1">
   <p:cSld name="CUSTOM_1">
     <p:spTree>
       <p:nvGrpSpPr>
-        <p:cNvPr id="39" name="Shape 39"/>
+        <p:cNvPr id="1" name=""/>
         <p:cNvGrpSpPr/>
         <p:nvPr/>
       </p:nvGrpSpPr>
-      <p:grpSpPr>
+      <p:grpSpPr bwMode="auto">
         <a:xfrm>
           <a:off x="0" y="0"/>
           <a:ext cx="0" cy="0"/>
@@ -3258,16 +3292,14 @@
       <p:pic>
         <p:nvPicPr>
           <p:cNvPr id="40" name="Google Shape;40;p4"/>
-          <p:cNvPicPr preferRelativeResize="0"/>
+          <p:cNvPicPr/>
           <p:nvPr/>
         </p:nvPicPr>
         <p:blipFill>
           <a:blip r:embed="rId2"/>
-          <a:stretch>
-            <a:fillRect/>
-          </a:stretch>
+          <a:stretch/>
         </p:blipFill>
-        <p:spPr>
+        <p:spPr bwMode="auto">
           <a:xfrm>
             <a:off x="-28362" y="-32725"/>
             <a:ext cx="9200725" cy="5208950"/>
@@ -3287,7 +3319,7 @@
           <p:cNvSpPr/>
           <p:nvPr/>
         </p:nvSpPr>
-        <p:spPr>
+        <p:spPr bwMode="auto">
           <a:xfrm>
             <a:off x="428250" y="325950"/>
             <a:ext cx="8287500" cy="4491600"/>
@@ -3308,15 +3340,17 @@
           </a:bodyPr>
           <a:lstStyle/>
           <a:p>
-            <a:pPr marL="0" lvl="0" indent="0" algn="ctr" rtl="0">
-              <a:spcBef>
-                <a:spcPts val="0"/>
-              </a:spcBef>
-              <a:spcAft>
-                <a:spcPts val="0"/>
-              </a:spcAft>
-              <a:buNone/>
-            </a:pPr>
+            <a:pPr marL="0" lvl="0" indent="0" algn="ctr">
+              <a:spcBef>
+                <a:spcPts val="0"/>
+              </a:spcBef>
+              <a:spcAft>
+                <a:spcPts val="0"/>
+              </a:spcAft>
+              <a:buNone/>
+              <a:defRPr/>
+            </a:pPr>
+            <a:endParaRPr/>
           </a:p>
         </p:txBody>
       </p:sp>
@@ -3328,10 +3362,10 @@
             <p:ph type="title"/>
           </p:nvPr>
         </p:nvSpPr>
-        <p:spPr>
+        <p:spPr bwMode="auto">
           <a:xfrm>
             <a:off x="1132063" y="445025"/>
-            <a:ext cx="6879900" cy="572700"/>
+            <a:ext cx="6879899" cy="572700"/>
           </a:xfrm>
           <a:prstGeom prst="rect">
             <a:avLst/>
@@ -3442,7 +3476,12 @@
               <a:defRPr/>
             </a:lvl9pPr>
           </a:lstStyle>
-          <a:p/>
+          <a:p>
+            <a:pPr>
+              <a:defRPr/>
+            </a:pPr>
+            <a:endParaRPr/>
+          </a:p>
         </p:txBody>
       </p:sp>
     </p:spTree>
@@ -3454,15 +3493,15 @@
 </file>
 
 <file path=ppt/slideLayouts/slideLayout4.xml><?xml version="1.0" encoding="utf-8"?>
-<p:sldLayout xmlns:a="http://schemas.openxmlformats.org/drawingml/2006/main" xmlns:r="http://schemas.openxmlformats.org/officeDocument/2006/relationships" xmlns:p="http://schemas.openxmlformats.org/presentationml/2006/main" matchingName="Introducción de sección">
+<p:sldLayout xmlns:a="http://schemas.openxmlformats.org/drawingml/2006/main" xmlns:r="http://schemas.openxmlformats.org/officeDocument/2006/relationships" xmlns:p="http://schemas.openxmlformats.org/presentationml/2006/main" xmlns:m="http://schemas.openxmlformats.org/officeDocument/2006/math" xmlns:w="http://schemas.openxmlformats.org/wordprocessingml/2006/main" matchingName="Introducción de sección" preserve="0" showMasterPhAnim="0" userDrawn="1">
   <p:cSld name="CUSTOM">
     <p:spTree>
       <p:nvGrpSpPr>
-        <p:cNvPr id="43" name="Shape 43"/>
+        <p:cNvPr id="1" name=""/>
         <p:cNvGrpSpPr/>
         <p:nvPr/>
       </p:nvGrpSpPr>
-      <p:grpSpPr>
+      <p:grpSpPr bwMode="auto">
         <a:xfrm>
           <a:off x="0" y="0"/>
           <a:ext cx="0" cy="0"/>
@@ -3473,16 +3512,14 @@
       <p:pic>
         <p:nvPicPr>
           <p:cNvPr id="44" name="Google Shape;44;p5"/>
-          <p:cNvPicPr preferRelativeResize="0"/>
+          <p:cNvPicPr/>
           <p:nvPr/>
         </p:nvPicPr>
         <p:blipFill>
           <a:blip r:embed="rId2"/>
-          <a:stretch>
-            <a:fillRect/>
-          </a:stretch>
+          <a:stretch/>
         </p:blipFill>
-        <p:spPr>
+        <p:spPr bwMode="auto">
           <a:xfrm>
             <a:off x="-28975" y="-65450"/>
             <a:ext cx="9229700" cy="5208950"/>
@@ -3502,7 +3539,7 @@
           <p:cNvSpPr/>
           <p:nvPr/>
         </p:nvSpPr>
-        <p:spPr>
+        <p:spPr bwMode="auto">
           <a:xfrm rot="10800000" flipH="1">
             <a:off x="-28975" y="3013632"/>
             <a:ext cx="4027860" cy="2129868"/>
@@ -3523,15 +3560,17 @@
           </a:bodyPr>
           <a:lstStyle/>
           <a:p>
-            <a:pPr marL="0" lvl="0" indent="0" algn="ctr" rtl="0">
-              <a:spcBef>
-                <a:spcPts val="0"/>
-              </a:spcBef>
-              <a:spcAft>
-                <a:spcPts val="0"/>
-              </a:spcAft>
-              <a:buNone/>
-            </a:pPr>
+            <a:pPr marL="0" lvl="0" indent="0" algn="ctr">
+              <a:spcBef>
+                <a:spcPts val="0"/>
+              </a:spcBef>
+              <a:spcAft>
+                <a:spcPts val="0"/>
+              </a:spcAft>
+              <a:buNone/>
+              <a:defRPr/>
+            </a:pPr>
+            <a:endParaRPr/>
           </a:p>
         </p:txBody>
       </p:sp>
@@ -3541,7 +3580,7 @@
           <p:cNvSpPr/>
           <p:nvPr/>
         </p:nvSpPr>
-        <p:spPr>
+        <p:spPr bwMode="auto">
           <a:xfrm rot="10800000">
             <a:off x="3984379" y="3013632"/>
             <a:ext cx="5216346" cy="2129868"/>
@@ -3562,15 +3601,17 @@
           </a:bodyPr>
           <a:lstStyle/>
           <a:p>
-            <a:pPr marL="0" lvl="0" indent="0" algn="ctr" rtl="0">
-              <a:spcBef>
-                <a:spcPts val="0"/>
-              </a:spcBef>
-              <a:spcAft>
-                <a:spcPts val="0"/>
-              </a:spcAft>
-              <a:buNone/>
-            </a:pPr>
+            <a:pPr marL="0" lvl="0" indent="0" algn="ctr">
+              <a:spcBef>
+                <a:spcPts val="0"/>
+              </a:spcBef>
+              <a:spcAft>
+                <a:spcPts val="0"/>
+              </a:spcAft>
+              <a:buNone/>
+              <a:defRPr/>
+            </a:pPr>
+            <a:endParaRPr/>
           </a:p>
         </p:txBody>
       </p:sp>
@@ -3582,7 +3623,7 @@
             <p:ph type="title"/>
           </p:nvPr>
         </p:nvSpPr>
-        <p:spPr>
+        <p:spPr bwMode="auto">
           <a:xfrm>
             <a:off x="637500" y="3803550"/>
             <a:ext cx="7978500" cy="572700"/>
@@ -3696,7 +3737,12 @@
               <a:defRPr/>
             </a:lvl9pPr>
           </a:lstStyle>
-          <a:p/>
+          <a:p>
+            <a:pPr>
+              <a:defRPr/>
+            </a:pPr>
+            <a:endParaRPr/>
+          </a:p>
         </p:txBody>
       </p:sp>
       <p:sp>
@@ -3705,7 +3751,7 @@
           <p:cNvSpPr/>
           <p:nvPr/>
         </p:nvSpPr>
-        <p:spPr>
+        <p:spPr bwMode="auto">
           <a:xfrm>
             <a:off x="252900" y="3267450"/>
             <a:ext cx="384600" cy="536100"/>
@@ -3728,20 +3774,20 @@
           </a:bodyPr>
           <a:lstStyle/>
           <a:p>
-            <a:pPr marL="0" lvl="0" indent="0" algn="ctr" rtl="0">
-              <a:spcBef>
-                <a:spcPts val="0"/>
-              </a:spcBef>
-              <a:spcAft>
-                <a:spcPts val="0"/>
-              </a:spcAft>
-              <a:buNone/>
+            <a:pPr marL="0" lvl="0" indent="0" algn="ctr">
+              <a:spcBef>
+                <a:spcPts val="0"/>
+              </a:spcBef>
+              <a:spcAft>
+                <a:spcPts val="0"/>
+              </a:spcAft>
+              <a:buNone/>
+              <a:defRPr/>
             </a:pPr>
             <a:endParaRPr>
               <a:latin typeface="Lato"/>
               <a:ea typeface="Lato"/>
               <a:cs typeface="Lato"/>
-              <a:sym typeface="Lato"/>
             </a:endParaRPr>
           </a:p>
         </p:txBody>
@@ -3755,15 +3801,15 @@
 </file>
 
 <file path=ppt/slideLayouts/slideLayout5.xml><?xml version="1.0" encoding="utf-8"?>
-<p:sldLayout xmlns:a="http://schemas.openxmlformats.org/drawingml/2006/main" xmlns:r="http://schemas.openxmlformats.org/officeDocument/2006/relationships" xmlns:p="http://schemas.openxmlformats.org/presentationml/2006/main" type="titleOnly" matchingName="Título con texto a dos columnas">
+<p:sldLayout xmlns:a="http://schemas.openxmlformats.org/drawingml/2006/main" xmlns:r="http://schemas.openxmlformats.org/officeDocument/2006/relationships" xmlns:p="http://schemas.openxmlformats.org/presentationml/2006/main" xmlns:m="http://schemas.openxmlformats.org/officeDocument/2006/math" xmlns:w="http://schemas.openxmlformats.org/wordprocessingml/2006/main" matchingName="Título con texto a dos columnas" preserve="0" showMasterPhAnim="0" type="titleOnly" userDrawn="1">
   <p:cSld name="TITLE_ONLY">
     <p:spTree>
       <p:nvGrpSpPr>
-        <p:cNvPr id="49" name="Shape 49"/>
+        <p:cNvPr id="1" name=""/>
         <p:cNvGrpSpPr/>
         <p:nvPr/>
       </p:nvGrpSpPr>
-      <p:grpSpPr>
+      <p:grpSpPr bwMode="auto">
         <a:xfrm>
           <a:off x="0" y="0"/>
           <a:ext cx="0" cy="0"/>
@@ -3774,16 +3820,14 @@
       <p:pic>
         <p:nvPicPr>
           <p:cNvPr id="50" name="Google Shape;50;p6"/>
-          <p:cNvPicPr preferRelativeResize="0"/>
+          <p:cNvPicPr/>
           <p:nvPr/>
         </p:nvPicPr>
         <p:blipFill>
           <a:blip r:embed="rId2"/>
-          <a:stretch>
-            <a:fillRect/>
-          </a:stretch>
+          <a:stretch/>
         </p:blipFill>
-        <p:spPr>
+        <p:spPr bwMode="auto">
           <a:xfrm>
             <a:off x="-103025" y="-39262"/>
             <a:ext cx="9350050" cy="5222025"/>
@@ -3803,9 +3847,9 @@
           <p:cNvSpPr/>
           <p:nvPr/>
         </p:nvSpPr>
-        <p:spPr>
-          <a:xfrm>
-            <a:off x="856500" y="-39300"/>
+        <p:spPr bwMode="auto">
+          <a:xfrm>
+            <a:off x="856500" y="-39299"/>
             <a:ext cx="8287500" cy="5222100"/>
           </a:xfrm>
           <a:prstGeom prst="rect">
@@ -3824,15 +3868,17 @@
           </a:bodyPr>
           <a:lstStyle/>
           <a:p>
-            <a:pPr marL="0" lvl="0" indent="0" algn="ctr" rtl="0">
-              <a:spcBef>
-                <a:spcPts val="0"/>
-              </a:spcBef>
-              <a:spcAft>
-                <a:spcPts val="0"/>
-              </a:spcAft>
-              <a:buNone/>
-            </a:pPr>
+            <a:pPr marL="0" lvl="0" indent="0" algn="ctr">
+              <a:spcBef>
+                <a:spcPts val="0"/>
+              </a:spcBef>
+              <a:spcAft>
+                <a:spcPts val="0"/>
+              </a:spcAft>
+              <a:buNone/>
+              <a:defRPr/>
+            </a:pPr>
+            <a:endParaRPr/>
           </a:p>
         </p:txBody>
       </p:sp>
@@ -3844,7 +3890,7 @@
             <p:ph type="title"/>
           </p:nvPr>
         </p:nvSpPr>
-        <p:spPr>
+        <p:spPr bwMode="auto">
           <a:xfrm>
             <a:off x="1753125" y="445025"/>
             <a:ext cx="6716400" cy="572700"/>
@@ -3958,7 +4004,12 @@
               <a:defRPr/>
             </a:lvl9pPr>
           </a:lstStyle>
-          <a:p/>
+          <a:p>
+            <a:pPr>
+              <a:defRPr/>
+            </a:pPr>
+            <a:endParaRPr/>
+          </a:p>
         </p:txBody>
       </p:sp>
       <p:sp>
@@ -3969,7 +4020,7 @@
             <p:ph type="sldNum" idx="12"/>
           </p:nvPr>
         </p:nvSpPr>
-        <p:spPr>
+        <p:spPr bwMode="auto">
           <a:xfrm>
             <a:off x="8472458" y="4663217"/>
             <a:ext cx="548700" cy="393600"/>
@@ -4021,17 +4072,19 @@
             </a:lvl9pPr>
           </a:lstStyle>
           <a:p>
-            <a:pPr marL="0" lvl="0" indent="0" algn="r" rtl="0">
-              <a:spcBef>
-                <a:spcPts val="0"/>
-              </a:spcBef>
-              <a:spcAft>
-                <a:spcPts val="0"/>
-              </a:spcAft>
-              <a:buNone/>
+            <a:pPr marL="0" lvl="0" indent="0" algn="r">
+              <a:spcBef>
+                <a:spcPts val="0"/>
+              </a:spcBef>
+              <a:spcAft>
+                <a:spcPts val="0"/>
+              </a:spcAft>
+              <a:buNone/>
+              <a:defRPr/>
             </a:pPr>
             <a:fld id="{00000000-1234-1234-1234-123412341234}" type="slidenum">
               <a:rPr lang="en-US"/>
+              <a:t/>
             </a:fld>
             <a:endParaRPr lang="en-US"/>
           </a:p>
@@ -4046,23 +4099,22 @@
 </file>
 
 <file path=ppt/slideLayouts/slideLayout6.xml><?xml version="1.0" encoding="utf-8"?>
-<p:sldLayout xmlns:a="http://schemas.openxmlformats.org/drawingml/2006/main" xmlns:r="http://schemas.openxmlformats.org/officeDocument/2006/relationships" xmlns:p="http://schemas.openxmlformats.org/presentationml/2006/main" matchingName="Titulo superior con texto a dos columnas">
+<p:sldLayout xmlns:a="http://schemas.openxmlformats.org/drawingml/2006/main" xmlns:r="http://schemas.openxmlformats.org/officeDocument/2006/relationships" xmlns:p="http://schemas.openxmlformats.org/presentationml/2006/main" xmlns:m="http://schemas.openxmlformats.org/officeDocument/2006/math" xmlns:w="http://schemas.openxmlformats.org/wordprocessingml/2006/main" matchingName="Titulo superior con texto a dos columnas" preserve="0" showMasterPhAnim="0" userDrawn="1">
   <p:cSld name="MAIN_POINT">
     <p:bg>
-      <p:bgPr>
+      <p:bgPr shadeToTitle="0">
         <a:solidFill>
           <a:srgbClr val="F8F8F8"/>
         </a:solidFill>
-        <a:effectLst/>
       </p:bgPr>
     </p:bg>
     <p:spTree>
       <p:nvGrpSpPr>
-        <p:cNvPr id="54" name="Shape 54"/>
+        <p:cNvPr id="1" name=""/>
         <p:cNvGrpSpPr/>
         <p:nvPr/>
       </p:nvGrpSpPr>
-      <p:grpSpPr>
+      <p:grpSpPr bwMode="auto">
         <a:xfrm>
           <a:off x="0" y="0"/>
           <a:ext cx="0" cy="0"/>
@@ -4078,7 +4130,7 @@
             <p:ph type="sldNum" idx="12"/>
           </p:nvPr>
         </p:nvSpPr>
-        <p:spPr>
+        <p:spPr bwMode="auto">
           <a:xfrm>
             <a:off x="8472458" y="4663217"/>
             <a:ext cx="548700" cy="393600"/>
@@ -4130,17 +4182,19 @@
             </a:lvl9pPr>
           </a:lstStyle>
           <a:p>
-            <a:pPr marL="0" lvl="0" indent="0" algn="r" rtl="0">
-              <a:spcBef>
-                <a:spcPts val="0"/>
-              </a:spcBef>
-              <a:spcAft>
-                <a:spcPts val="0"/>
-              </a:spcAft>
-              <a:buNone/>
+            <a:pPr marL="0" lvl="0" indent="0" algn="r">
+              <a:spcBef>
+                <a:spcPts val="0"/>
+              </a:spcBef>
+              <a:spcAft>
+                <a:spcPts val="0"/>
+              </a:spcAft>
+              <a:buNone/>
+              <a:defRPr/>
             </a:pPr>
             <a:fld id="{00000000-1234-1234-1234-123412341234}" type="slidenum">
               <a:rPr lang="en-US"/>
+              <a:t/>
             </a:fld>
             <a:endParaRPr lang="en-US"/>
           </a:p>
@@ -4149,17 +4203,15 @@
       <p:pic>
         <p:nvPicPr>
           <p:cNvPr id="56" name="Google Shape;56;p7"/>
-          <p:cNvPicPr preferRelativeResize="0"/>
+          <p:cNvPicPr/>
           <p:nvPr/>
         </p:nvPicPr>
-        <p:blipFill rotWithShape="1">
+        <p:blipFill>
           <a:blip r:embed="rId2"/>
-          <a:srcRect r="81620"/>
-          <a:stretch>
-            <a:fillRect/>
-          </a:stretch>
+          <a:srcRect l="0" t="0" r="81620" b="0"/>
+          <a:stretch/>
         </p:blipFill>
-        <p:spPr>
+        <p:spPr bwMode="auto">
           <a:xfrm rot="5400000">
             <a:off x="3869250" y="-3868625"/>
             <a:ext cx="1405500" cy="9142500"/>
@@ -4181,10 +4233,10 @@
             <p:ph type="title"/>
           </p:nvPr>
         </p:nvSpPr>
-        <p:spPr>
+        <p:spPr bwMode="auto">
           <a:xfrm>
             <a:off x="1597500" y="94075"/>
-            <a:ext cx="5949000" cy="1217100"/>
+            <a:ext cx="5949000" cy="1217099"/>
           </a:xfrm>
           <a:prstGeom prst="rect">
             <a:avLst/>
@@ -4302,7 +4354,12 @@
               <a:defRPr sz="900"/>
             </a:lvl9pPr>
           </a:lstStyle>
-          <a:p/>
+          <a:p>
+            <a:pPr>
+              <a:defRPr/>
+            </a:pPr>
+            <a:endParaRPr/>
+          </a:p>
         </p:txBody>
       </p:sp>
     </p:spTree>
@@ -4314,23 +4371,22 @@
 </file>
 
 <file path=ppt/slideLayouts/slideLayout7.xml><?xml version="1.0" encoding="utf-8"?>
-<p:sldLayout xmlns:a="http://schemas.openxmlformats.org/drawingml/2006/main" xmlns:r="http://schemas.openxmlformats.org/officeDocument/2006/relationships" xmlns:p="http://schemas.openxmlformats.org/presentationml/2006/main" type="blank" matchingName="Blank">
+<p:sldLayout xmlns:a="http://schemas.openxmlformats.org/drawingml/2006/main" xmlns:r="http://schemas.openxmlformats.org/officeDocument/2006/relationships" xmlns:p="http://schemas.openxmlformats.org/presentationml/2006/main" xmlns:m="http://schemas.openxmlformats.org/officeDocument/2006/math" xmlns:w="http://schemas.openxmlformats.org/wordprocessingml/2006/main" matchingName="Blank" preserve="0" showMasterPhAnim="0" type="blank" userDrawn="1">
   <p:cSld name="BLANK">
     <p:bg>
-      <p:bgPr>
+      <p:bgPr shadeToTitle="0">
         <a:solidFill>
           <a:srgbClr val="F8F8F8"/>
         </a:solidFill>
-        <a:effectLst/>
       </p:bgPr>
     </p:bg>
     <p:spTree>
       <p:nvGrpSpPr>
-        <p:cNvPr id="58" name="Shape 58"/>
+        <p:cNvPr id="1" name=""/>
         <p:cNvGrpSpPr/>
         <p:nvPr/>
       </p:nvGrpSpPr>
-      <p:grpSpPr>
+      <p:grpSpPr bwMode="auto">
         <a:xfrm>
           <a:off x="0" y="0"/>
           <a:ext cx="0" cy="0"/>
@@ -4346,7 +4402,7 @@
             <p:ph type="sldNum" idx="12"/>
           </p:nvPr>
         </p:nvSpPr>
-        <p:spPr>
+        <p:spPr bwMode="auto">
           <a:xfrm>
             <a:off x="8472458" y="4663217"/>
             <a:ext cx="548700" cy="393600"/>
@@ -4398,17 +4454,19 @@
             </a:lvl9pPr>
           </a:lstStyle>
           <a:p>
-            <a:pPr marL="0" lvl="0" indent="0" algn="r" rtl="0">
-              <a:spcBef>
-                <a:spcPts val="0"/>
-              </a:spcBef>
-              <a:spcAft>
-                <a:spcPts val="0"/>
-              </a:spcAft>
-              <a:buNone/>
+            <a:pPr marL="0" lvl="0" indent="0" algn="r">
+              <a:spcBef>
+                <a:spcPts val="0"/>
+              </a:spcBef>
+              <a:spcAft>
+                <a:spcPts val="0"/>
+              </a:spcAft>
+              <a:buNone/>
+              <a:defRPr/>
             </a:pPr>
             <a:fld id="{00000000-1234-1234-1234-123412341234}" type="slidenum">
               <a:rPr lang="en-US"/>
+              <a:t/>
             </a:fld>
             <a:endParaRPr lang="en-US"/>
           </a:p>
@@ -4423,23 +4481,22 @@
 </file>
 
 <file path=ppt/slideLayouts/slideLayout8.xml><?xml version="1.0" encoding="utf-8"?>
-<p:sldLayout xmlns:a="http://schemas.openxmlformats.org/drawingml/2006/main" xmlns:r="http://schemas.openxmlformats.org/officeDocument/2006/relationships" xmlns:p="http://schemas.openxmlformats.org/presentationml/2006/main" matchingName="Recursos">
+<p:sldLayout xmlns:a="http://schemas.openxmlformats.org/drawingml/2006/main" xmlns:r="http://schemas.openxmlformats.org/officeDocument/2006/relationships" xmlns:p="http://schemas.openxmlformats.org/presentationml/2006/main" xmlns:m="http://schemas.openxmlformats.org/officeDocument/2006/math" xmlns:w="http://schemas.openxmlformats.org/wordprocessingml/2006/main" matchingName="Recursos" preserve="0" showMasterPhAnim="0" userDrawn="1">
   <p:cSld name="BLANK_1">
     <p:bg>
-      <p:bgPr>
+      <p:bgPr shadeToTitle="0">
         <a:solidFill>
           <a:srgbClr val="F8F8F8"/>
         </a:solidFill>
-        <a:effectLst/>
       </p:bgPr>
     </p:bg>
     <p:spTree>
       <p:nvGrpSpPr>
-        <p:cNvPr id="60" name="Shape 60"/>
+        <p:cNvPr id="1" name=""/>
         <p:cNvGrpSpPr/>
         <p:nvPr/>
       </p:nvGrpSpPr>
-      <p:grpSpPr>
+      <p:grpSpPr bwMode="auto">
         <a:xfrm>
           <a:off x="0" y="0"/>
           <a:ext cx="0" cy="0"/>
@@ -4455,7 +4512,7 @@
             <p:ph type="sldNum" idx="12"/>
           </p:nvPr>
         </p:nvSpPr>
-        <p:spPr>
+        <p:spPr bwMode="auto">
           <a:xfrm>
             <a:off x="8472458" y="4663217"/>
             <a:ext cx="548700" cy="393600"/>
@@ -4469,55 +4526,57 @@
             <a:normAutofit/>
           </a:bodyPr>
           <a:lstStyle>
-            <a:lvl1pPr lvl="0" rtl="0">
+            <a:lvl1pPr lvl="0">
               <a:buNone/>
               <a:defRPr/>
             </a:lvl1pPr>
-            <a:lvl2pPr lvl="1" rtl="0">
+            <a:lvl2pPr lvl="1">
               <a:buNone/>
               <a:defRPr/>
             </a:lvl2pPr>
-            <a:lvl3pPr lvl="2" rtl="0">
+            <a:lvl3pPr lvl="2">
               <a:buNone/>
               <a:defRPr/>
             </a:lvl3pPr>
-            <a:lvl4pPr lvl="3" rtl="0">
+            <a:lvl4pPr lvl="3">
               <a:buNone/>
               <a:defRPr/>
             </a:lvl4pPr>
-            <a:lvl5pPr lvl="4" rtl="0">
+            <a:lvl5pPr lvl="4">
               <a:buNone/>
               <a:defRPr/>
             </a:lvl5pPr>
-            <a:lvl6pPr lvl="5" rtl="0">
+            <a:lvl6pPr lvl="5">
               <a:buNone/>
               <a:defRPr/>
             </a:lvl6pPr>
-            <a:lvl7pPr lvl="6" rtl="0">
+            <a:lvl7pPr lvl="6">
               <a:buNone/>
               <a:defRPr/>
             </a:lvl7pPr>
-            <a:lvl8pPr lvl="7" rtl="0">
+            <a:lvl8pPr lvl="7">
               <a:buNone/>
               <a:defRPr/>
             </a:lvl8pPr>
-            <a:lvl9pPr lvl="8" rtl="0">
+            <a:lvl9pPr lvl="8">
               <a:buNone/>
               <a:defRPr/>
             </a:lvl9pPr>
           </a:lstStyle>
           <a:p>
-            <a:pPr marL="0" lvl="0" indent="0" algn="r" rtl="0">
-              <a:spcBef>
-                <a:spcPts val="0"/>
-              </a:spcBef>
-              <a:spcAft>
-                <a:spcPts val="0"/>
-              </a:spcAft>
-              <a:buNone/>
+            <a:pPr marL="0" lvl="0" indent="0" algn="r">
+              <a:spcBef>
+                <a:spcPts val="0"/>
+              </a:spcBef>
+              <a:spcAft>
+                <a:spcPts val="0"/>
+              </a:spcAft>
+              <a:buNone/>
+              <a:defRPr/>
             </a:pPr>
             <a:fld id="{00000000-1234-1234-1234-123412341234}" type="slidenum">
               <a:rPr lang="en-US"/>
+              <a:t/>
             </a:fld>
             <a:endParaRPr lang="en-US"/>
           </a:p>
@@ -4529,7 +4588,7 @@
           <p:cNvSpPr/>
           <p:nvPr/>
         </p:nvSpPr>
-        <p:spPr>
+        <p:spPr bwMode="auto">
           <a:xfrm>
             <a:off x="115900" y="115900"/>
             <a:ext cx="8910600" cy="4897200"/>
@@ -4554,15 +4613,17 @@
           </a:bodyPr>
           <a:lstStyle/>
           <a:p>
-            <a:pPr marL="0" lvl="0" indent="0" algn="ctr" rtl="0">
-              <a:spcBef>
-                <a:spcPts val="0"/>
-              </a:spcBef>
-              <a:spcAft>
-                <a:spcPts val="0"/>
-              </a:spcAft>
-              <a:buNone/>
-            </a:pPr>
+            <a:pPr marL="0" lvl="0" indent="0" algn="ctr">
+              <a:spcBef>
+                <a:spcPts val="0"/>
+              </a:spcBef>
+              <a:spcAft>
+                <a:spcPts val="0"/>
+              </a:spcAft>
+              <a:buNone/>
+              <a:defRPr/>
+            </a:pPr>
+            <a:endParaRPr/>
           </a:p>
         </p:txBody>
       </p:sp>
@@ -4572,7 +4633,7 @@
           <p:cNvSpPr txBox="1"/>
           <p:nvPr/>
         </p:nvSpPr>
-        <p:spPr>
+        <p:spPr bwMode="auto">
           <a:xfrm>
             <a:off x="558000" y="512750"/>
             <a:ext cx="4107300" cy="907200"/>
@@ -4591,14 +4652,15 @@
           </a:bodyPr>
           <a:lstStyle/>
           <a:p>
-            <a:pPr marL="0" lvl="0" indent="0" algn="l" rtl="0">
-              <a:spcBef>
-                <a:spcPts val="0"/>
-              </a:spcBef>
-              <a:spcAft>
-                <a:spcPts val="0"/>
-              </a:spcAft>
-              <a:buNone/>
+            <a:pPr marL="0" lvl="0" indent="0" algn="l">
+              <a:spcBef>
+                <a:spcPts val="0"/>
+              </a:spcBef>
+              <a:spcAft>
+                <a:spcPts val="0"/>
+              </a:spcAft>
+              <a:buNone/>
+              <a:defRPr/>
             </a:pPr>
             <a:r>
               <a:rPr lang="en-US" sz="3600">
@@ -4608,7 +4670,6 @@
                 <a:latin typeface="Nunito ExtraBold"/>
                 <a:ea typeface="Nunito ExtraBold"/>
                 <a:cs typeface="Nunito ExtraBold"/>
-                <a:sym typeface="Nunito ExtraBold"/>
               </a:rPr>
               <a:t>Recursos</a:t>
             </a:r>
@@ -4619,7 +4680,6 @@
               <a:latin typeface="Nunito ExtraBold"/>
               <a:ea typeface="Nunito ExtraBold"/>
               <a:cs typeface="Nunito ExtraBold"/>
-              <a:sym typeface="Nunito ExtraBold"/>
             </a:endParaRPr>
           </a:p>
         </p:txBody>
@@ -4630,7 +4690,7 @@
           <p:cNvSpPr txBox="1"/>
           <p:nvPr/>
         </p:nvSpPr>
-        <p:spPr>
+        <p:spPr bwMode="auto">
           <a:xfrm>
             <a:off x="652000" y="1564763"/>
             <a:ext cx="3651300" cy="623100"/>
@@ -4649,14 +4709,15 @@
           </a:bodyPr>
           <a:lstStyle/>
           <a:p>
-            <a:pPr marL="0" lvl="0" indent="0" algn="l" rtl="0">
-              <a:spcBef>
-                <a:spcPts val="0"/>
-              </a:spcBef>
-              <a:spcAft>
-                <a:spcPts val="0"/>
-              </a:spcAft>
-              <a:buNone/>
+            <a:pPr marL="0" lvl="0" indent="0" algn="l">
+              <a:spcBef>
+                <a:spcPts val="0"/>
+              </a:spcBef>
+              <a:spcAft>
+                <a:spcPts val="0"/>
+              </a:spcAft>
+              <a:buNone/>
+              <a:defRPr/>
             </a:pPr>
             <a:r>
               <a:rPr lang="en-US" sz="1800">
@@ -4666,7 +4727,6 @@
                 <a:latin typeface="Nunito"/>
                 <a:ea typeface="Nunito"/>
                 <a:cs typeface="Nunito"/>
-                <a:sym typeface="Nunito"/>
               </a:rPr>
               <a:t>Fuente cuerpos: Nunito normal</a:t>
             </a:r>
@@ -4677,7 +4737,6 @@
               <a:latin typeface="Nunito"/>
               <a:ea typeface="Nunito"/>
               <a:cs typeface="Nunito"/>
-              <a:sym typeface="Nunito"/>
             </a:endParaRPr>
           </a:p>
         </p:txBody>
@@ -4688,7 +4747,7 @@
           <p:cNvSpPr txBox="1"/>
           <p:nvPr/>
         </p:nvSpPr>
-        <p:spPr>
+        <p:spPr bwMode="auto">
           <a:xfrm>
             <a:off x="652000" y="2122500"/>
             <a:ext cx="3651300" cy="623100"/>
@@ -4707,14 +4766,15 @@
           </a:bodyPr>
           <a:lstStyle/>
           <a:p>
-            <a:pPr marL="0" lvl="0" indent="0" algn="l" rtl="0">
-              <a:spcBef>
-                <a:spcPts val="0"/>
-              </a:spcBef>
-              <a:spcAft>
-                <a:spcPts val="0"/>
-              </a:spcAft>
-              <a:buNone/>
+            <a:pPr marL="0" lvl="0" indent="0" algn="l">
+              <a:spcBef>
+                <a:spcPts val="0"/>
+              </a:spcBef>
+              <a:spcAft>
+                <a:spcPts val="0"/>
+              </a:spcAft>
+              <a:buNone/>
+              <a:defRPr/>
             </a:pPr>
             <a:r>
               <a:rPr lang="en-US" sz="1800">
@@ -4724,7 +4784,6 @@
                 <a:latin typeface="Nunito ExtraBold"/>
                 <a:ea typeface="Nunito ExtraBold"/>
                 <a:cs typeface="Nunito ExtraBold"/>
-                <a:sym typeface="Nunito ExtraBold"/>
               </a:rPr>
               <a:t>Fuente títulos: Nunito extra negrita</a:t>
             </a:r>
@@ -4735,7 +4794,6 @@
               <a:latin typeface="Nunito ExtraBold"/>
               <a:ea typeface="Nunito ExtraBold"/>
               <a:cs typeface="Nunito ExtraBold"/>
-              <a:sym typeface="Nunito ExtraBold"/>
             </a:endParaRPr>
           </a:p>
         </p:txBody>
@@ -4746,7 +4804,7 @@
           <p:cNvSpPr txBox="1"/>
           <p:nvPr/>
         </p:nvSpPr>
-        <p:spPr>
+        <p:spPr bwMode="auto">
           <a:xfrm>
             <a:off x="652000" y="3100450"/>
             <a:ext cx="1186500" cy="536100"/>
@@ -4765,14 +4823,15 @@
           </a:bodyPr>
           <a:lstStyle/>
           <a:p>
-            <a:pPr marL="0" lvl="0" indent="0" algn="l" rtl="0">
-              <a:spcBef>
-                <a:spcPts val="0"/>
-              </a:spcBef>
-              <a:spcAft>
-                <a:spcPts val="0"/>
-              </a:spcAft>
-              <a:buNone/>
+            <a:pPr marL="0" lvl="0" indent="0" algn="l">
+              <a:spcBef>
+                <a:spcPts val="0"/>
+              </a:spcBef>
+              <a:spcAft>
+                <a:spcPts val="0"/>
+              </a:spcAft>
+              <a:buNone/>
+              <a:defRPr/>
             </a:pPr>
             <a:r>
               <a:rPr lang="en-US" sz="1800">
@@ -4782,7 +4841,6 @@
                 <a:latin typeface="Nunito ExtraBold"/>
                 <a:ea typeface="Nunito ExtraBold"/>
                 <a:cs typeface="Nunito ExtraBold"/>
-                <a:sym typeface="Nunito ExtraBold"/>
               </a:rPr>
               <a:t>Colores</a:t>
             </a:r>
@@ -4793,7 +4851,6 @@
               <a:latin typeface="Nunito ExtraBold"/>
               <a:ea typeface="Nunito ExtraBold"/>
               <a:cs typeface="Nunito ExtraBold"/>
-              <a:sym typeface="Nunito ExtraBold"/>
             </a:endParaRPr>
           </a:p>
         </p:txBody>
@@ -4804,7 +4861,7 @@
           <p:cNvSpPr/>
           <p:nvPr/>
         </p:nvSpPr>
-        <p:spPr>
+        <p:spPr bwMode="auto">
           <a:xfrm>
             <a:off x="1984950" y="2897750"/>
             <a:ext cx="768000" cy="724500"/>
@@ -4831,15 +4888,17 @@
           </a:bodyPr>
           <a:lstStyle/>
           <a:p>
-            <a:pPr marL="0" lvl="0" indent="0" algn="ctr" rtl="0">
-              <a:spcBef>
-                <a:spcPts val="0"/>
-              </a:spcBef>
-              <a:spcAft>
-                <a:spcPts val="0"/>
-              </a:spcAft>
-              <a:buNone/>
-            </a:pPr>
+            <a:pPr marL="0" lvl="0" indent="0" algn="ctr">
+              <a:spcBef>
+                <a:spcPts val="0"/>
+              </a:spcBef>
+              <a:spcAft>
+                <a:spcPts val="0"/>
+              </a:spcAft>
+              <a:buNone/>
+              <a:defRPr/>
+            </a:pPr>
+            <a:endParaRPr/>
           </a:p>
         </p:txBody>
       </p:sp>
@@ -4849,7 +4908,7 @@
           <p:cNvSpPr/>
           <p:nvPr/>
         </p:nvSpPr>
-        <p:spPr>
+        <p:spPr bwMode="auto">
           <a:xfrm>
             <a:off x="2899350" y="2897750"/>
             <a:ext cx="768000" cy="724500"/>
@@ -4876,15 +4935,17 @@
           </a:bodyPr>
           <a:lstStyle/>
           <a:p>
-            <a:pPr marL="0" lvl="0" indent="0" algn="ctr" rtl="0">
-              <a:spcBef>
-                <a:spcPts val="0"/>
-              </a:spcBef>
-              <a:spcAft>
-                <a:spcPts val="0"/>
-              </a:spcAft>
-              <a:buNone/>
-            </a:pPr>
+            <a:pPr marL="0" lvl="0" indent="0" algn="ctr">
+              <a:spcBef>
+                <a:spcPts val="0"/>
+              </a:spcBef>
+              <a:spcAft>
+                <a:spcPts val="0"/>
+              </a:spcAft>
+              <a:buNone/>
+              <a:defRPr/>
+            </a:pPr>
+            <a:endParaRPr/>
           </a:p>
         </p:txBody>
       </p:sp>
@@ -4894,7 +4955,7 @@
           <p:cNvSpPr txBox="1"/>
           <p:nvPr/>
         </p:nvSpPr>
-        <p:spPr>
+        <p:spPr bwMode="auto">
           <a:xfrm>
             <a:off x="4911675" y="796875"/>
             <a:ext cx="2303700" cy="536100"/>
@@ -4913,14 +4974,15 @@
           </a:bodyPr>
           <a:lstStyle/>
           <a:p>
-            <a:pPr marL="0" lvl="0" indent="0" algn="l" rtl="0">
-              <a:spcBef>
-                <a:spcPts val="0"/>
-              </a:spcBef>
-              <a:spcAft>
-                <a:spcPts val="0"/>
-              </a:spcAft>
-              <a:buNone/>
+            <a:pPr marL="0" lvl="0" indent="0" algn="l">
+              <a:spcBef>
+                <a:spcPts val="0"/>
+              </a:spcBef>
+              <a:spcAft>
+                <a:spcPts val="0"/>
+              </a:spcAft>
+              <a:buNone/>
+              <a:defRPr/>
             </a:pPr>
             <a:r>
               <a:rPr lang="en-US" sz="2000">
@@ -4930,7 +4992,6 @@
                 <a:latin typeface="Nunito ExtraBold"/>
                 <a:ea typeface="Nunito ExtraBold"/>
                 <a:cs typeface="Nunito ExtraBold"/>
-                <a:sym typeface="Nunito ExtraBold"/>
               </a:rPr>
               <a:t>Gráficos</a:t>
             </a:r>
@@ -4941,7 +5002,6 @@
               <a:latin typeface="Nunito ExtraBold"/>
               <a:ea typeface="Nunito ExtraBold"/>
               <a:cs typeface="Nunito ExtraBold"/>
-              <a:sym typeface="Nunito ExtraBold"/>
             </a:endParaRPr>
           </a:p>
         </p:txBody>
@@ -4949,17 +5009,15 @@
       <p:pic>
         <p:nvPicPr>
           <p:cNvPr id="70" name="Google Shape;70;p9"/>
-          <p:cNvPicPr preferRelativeResize="0"/>
+          <p:cNvPicPr/>
           <p:nvPr/>
         </p:nvPicPr>
-        <p:blipFill rotWithShape="1">
+        <p:blipFill>
           <a:blip r:embed="rId2"/>
-          <a:srcRect l="44196" r="1029" b="1797"/>
-          <a:stretch>
-            <a:fillRect/>
-          </a:stretch>
+          <a:srcRect l="44196" t="0" r="1028" b="1796"/>
+          <a:stretch/>
         </p:blipFill>
-        <p:spPr>
+        <p:spPr bwMode="auto">
           <a:xfrm rot="10800000">
             <a:off x="5004349" y="1296801"/>
             <a:ext cx="1022976" cy="1216099"/>
@@ -4976,19 +5034,17 @@
       <p:pic>
         <p:nvPicPr>
           <p:cNvPr id="71" name="Google Shape;71;p9"/>
-          <p:cNvPicPr preferRelativeResize="0"/>
+          <p:cNvPicPr/>
           <p:nvPr/>
         </p:nvPicPr>
         <p:blipFill>
           <a:blip r:embed="rId3"/>
-          <a:stretch>
-            <a:fillRect/>
-          </a:stretch>
+          <a:stretch/>
         </p:blipFill>
-        <p:spPr>
-          <a:xfrm rot="-5400034" flipH="1">
+        <p:spPr bwMode="auto">
+          <a:xfrm rot="-5400033" flipH="1">
             <a:off x="6299534" y="1421753"/>
-            <a:ext cx="946877" cy="909122"/>
+            <a:ext cx="946876" cy="909122"/>
           </a:xfrm>
           <a:prstGeom prst="rect">
             <a:avLst/>
@@ -5002,16 +5058,14 @@
       <p:pic>
         <p:nvPicPr>
           <p:cNvPr id="72" name="Google Shape;72;p9"/>
-          <p:cNvPicPr preferRelativeResize="0"/>
+          <p:cNvPicPr/>
           <p:nvPr/>
         </p:nvPicPr>
         <p:blipFill>
           <a:blip r:embed="rId4"/>
-          <a:stretch>
-            <a:fillRect/>
-          </a:stretch>
+          <a:stretch/>
         </p:blipFill>
-        <p:spPr>
+        <p:spPr bwMode="auto">
           <a:xfrm>
             <a:off x="5966575" y="2532400"/>
             <a:ext cx="1612804" cy="907200"/>
@@ -5031,7 +5085,7 @@
           <p:cNvSpPr/>
           <p:nvPr/>
         </p:nvSpPr>
-        <p:spPr>
+        <p:spPr bwMode="auto">
           <a:xfrm>
             <a:off x="7356325" y="1636800"/>
             <a:ext cx="384600" cy="536100"/>
@@ -5054,20 +5108,20 @@
           </a:bodyPr>
           <a:lstStyle/>
           <a:p>
-            <a:pPr marL="0" lvl="0" indent="0" algn="ctr" rtl="0">
-              <a:spcBef>
-                <a:spcPts val="0"/>
-              </a:spcBef>
-              <a:spcAft>
-                <a:spcPts val="0"/>
-              </a:spcAft>
-              <a:buNone/>
+            <a:pPr marL="0" lvl="0" indent="0" algn="ctr">
+              <a:spcBef>
+                <a:spcPts val="0"/>
+              </a:spcBef>
+              <a:spcAft>
+                <a:spcPts val="0"/>
+              </a:spcAft>
+              <a:buNone/>
+              <a:defRPr/>
             </a:pPr>
             <a:endParaRPr>
               <a:latin typeface="Lato"/>
               <a:ea typeface="Lato"/>
               <a:cs typeface="Lato"/>
-              <a:sym typeface="Lato"/>
             </a:endParaRPr>
           </a:p>
         </p:txBody>
@@ -5075,17 +5129,15 @@
       <p:pic>
         <p:nvPicPr>
           <p:cNvPr id="74" name="Google Shape;74;p9"/>
-          <p:cNvPicPr preferRelativeResize="0"/>
+          <p:cNvPicPr/>
           <p:nvPr/>
         </p:nvPicPr>
-        <p:blipFill rotWithShape="1">
+        <p:blipFill>
           <a:blip r:embed="rId5"/>
-          <a:srcRect r="42745"/>
-          <a:stretch>
-            <a:fillRect/>
-          </a:stretch>
+          <a:srcRect l="0" t="0" r="42745" b="0"/>
+          <a:stretch/>
         </p:blipFill>
-        <p:spPr>
+        <p:spPr bwMode="auto">
           <a:xfrm>
             <a:off x="5097750" y="3622262"/>
             <a:ext cx="1706240" cy="620875"/>
@@ -5102,17 +5154,15 @@
       <p:pic>
         <p:nvPicPr>
           <p:cNvPr id="75" name="Google Shape;75;p9"/>
-          <p:cNvPicPr preferRelativeResize="0"/>
+          <p:cNvPicPr/>
           <p:nvPr/>
         </p:nvPicPr>
-        <p:blipFill rotWithShape="1">
+        <p:blipFill>
           <a:blip r:embed="rId6"/>
-          <a:srcRect t="22245"/>
-          <a:stretch>
-            <a:fillRect/>
-          </a:stretch>
+          <a:srcRect l="0" t="22245" r="0" b="0"/>
+          <a:stretch/>
         </p:blipFill>
-        <p:spPr>
+        <p:spPr bwMode="auto">
           <a:xfrm>
             <a:off x="7027050" y="3704575"/>
             <a:ext cx="1043149" cy="456250"/>
@@ -5132,7 +5182,7 @@
           <p:cNvSpPr/>
           <p:nvPr/>
         </p:nvSpPr>
-        <p:spPr>
+        <p:spPr bwMode="auto">
           <a:xfrm>
             <a:off x="2971800" y="796875"/>
             <a:ext cx="384600" cy="536100"/>
@@ -5155,20 +5205,20 @@
           </a:bodyPr>
           <a:lstStyle/>
           <a:p>
-            <a:pPr marL="0" lvl="0" indent="0" algn="ctr" rtl="0">
-              <a:spcBef>
-                <a:spcPts val="0"/>
-              </a:spcBef>
-              <a:spcAft>
-                <a:spcPts val="0"/>
-              </a:spcAft>
-              <a:buNone/>
+            <a:pPr marL="0" lvl="0" indent="0" algn="ctr">
+              <a:spcBef>
+                <a:spcPts val="0"/>
+              </a:spcBef>
+              <a:spcAft>
+                <a:spcPts val="0"/>
+              </a:spcAft>
+              <a:buNone/>
+              <a:defRPr/>
             </a:pPr>
             <a:endParaRPr>
               <a:latin typeface="Lato"/>
               <a:ea typeface="Lato"/>
               <a:cs typeface="Lato"/>
-              <a:sym typeface="Lato"/>
             </a:endParaRPr>
           </a:p>
         </p:txBody>
@@ -5182,23 +5232,22 @@
 </file>
 
 <file path=ppt/slideMasters/slideMaster1.xml><?xml version="1.0" encoding="utf-8"?>
-<p:sldMaster xmlns:a="http://schemas.openxmlformats.org/drawingml/2006/main" xmlns:r="http://schemas.openxmlformats.org/officeDocument/2006/relationships" xmlns:p="http://schemas.openxmlformats.org/presentationml/2006/main">
-  <p:cSld>
+<p:sldMaster xmlns:a="http://schemas.openxmlformats.org/drawingml/2006/main" xmlns:r="http://schemas.openxmlformats.org/officeDocument/2006/relationships" xmlns:p="http://schemas.openxmlformats.org/presentationml/2006/main" xmlns:m="http://schemas.openxmlformats.org/officeDocument/2006/math" xmlns:w="http://schemas.openxmlformats.org/wordprocessingml/2006/main" preserve="0">
+  <p:cSld name="">
     <p:bg>
-      <p:bgPr>
+      <p:bgPr shadeToTitle="0">
         <a:solidFill>
           <a:schemeClr val="lt1"/>
         </a:solidFill>
-        <a:effectLst/>
       </p:bgPr>
     </p:bg>
     <p:spTree>
       <p:nvGrpSpPr>
-        <p:cNvPr id="5" name="Shape 5"/>
+        <p:cNvPr id="1" name=""/>
         <p:cNvGrpSpPr/>
         <p:nvPr/>
       </p:nvGrpSpPr>
-      <p:grpSpPr>
+      <p:grpSpPr bwMode="auto">
         <a:xfrm>
           <a:off x="0" y="0"/>
           <a:ext cx="0" cy="0"/>
@@ -5214,7 +5263,7 @@
             <p:ph type="title"/>
           </p:nvPr>
         </p:nvSpPr>
-        <p:spPr>
+        <p:spPr bwMode="auto">
           <a:xfrm>
             <a:off x="311700" y="445025"/>
             <a:ext cx="8520600" cy="572700"/>
@@ -5252,7 +5301,6 @@
                 <a:latin typeface="Nunito ExtraBold"/>
                 <a:ea typeface="Nunito ExtraBold"/>
                 <a:cs typeface="Nunito ExtraBold"/>
-                <a:sym typeface="Nunito ExtraBold"/>
               </a:defRPr>
             </a:lvl1pPr>
             <a:lvl2pPr lvl="1">
@@ -5400,7 +5448,12 @@
               </a:defRPr>
             </a:lvl9pPr>
           </a:lstStyle>
-          <a:p/>
+          <a:p>
+            <a:pPr>
+              <a:defRPr/>
+            </a:pPr>
+            <a:endParaRPr/>
+          </a:p>
         </p:txBody>
       </p:sp>
       <p:sp>
@@ -5411,7 +5464,7 @@
             <p:ph type="body" idx="1"/>
           </p:nvPr>
         </p:nvSpPr>
-        <p:spPr>
+        <p:spPr bwMode="auto">
           <a:xfrm>
             <a:off x="311700" y="1518950"/>
             <a:ext cx="8520600" cy="3416400"/>
@@ -5431,7 +5484,7 @@
           <a:lstStyle>
             <a:lvl1pPr marL="457200" lvl="0" indent="-381000">
               <a:lnSpc>
-                <a:spcPct val="115000"/>
+                <a:spcPct val="114999"/>
               </a:lnSpc>
               <a:spcBef>
                 <a:spcPts val="0"/>
@@ -5452,12 +5505,11 @@
                 <a:latin typeface="Nunito ExtraBold"/>
                 <a:ea typeface="Nunito ExtraBold"/>
                 <a:cs typeface="Nunito ExtraBold"/>
-                <a:sym typeface="Nunito ExtraBold"/>
               </a:defRPr>
             </a:lvl1pPr>
             <a:lvl2pPr marL="914400" lvl="1" indent="-342900">
               <a:lnSpc>
-                <a:spcPct val="115000"/>
+                <a:spcPct val="114999"/>
               </a:lnSpc>
               <a:spcBef>
                 <a:spcPts val="0"/>
@@ -5478,12 +5530,11 @@
                 <a:latin typeface="Nunito"/>
                 <a:ea typeface="Nunito"/>
                 <a:cs typeface="Nunito"/>
-                <a:sym typeface="Nunito"/>
               </a:defRPr>
             </a:lvl2pPr>
             <a:lvl3pPr marL="1371600" lvl="2" indent="-317500">
               <a:lnSpc>
-                <a:spcPct val="115000"/>
+                <a:spcPct val="114999"/>
               </a:lnSpc>
               <a:spcBef>
                 <a:spcPts val="0"/>
@@ -5504,12 +5555,11 @@
                 <a:latin typeface="Nunito"/>
                 <a:ea typeface="Nunito"/>
                 <a:cs typeface="Nunito"/>
-                <a:sym typeface="Nunito"/>
               </a:defRPr>
             </a:lvl3pPr>
             <a:lvl4pPr marL="1828800" lvl="3" indent="-317500">
               <a:lnSpc>
-                <a:spcPct val="115000"/>
+                <a:spcPct val="114999"/>
               </a:lnSpc>
               <a:spcBef>
                 <a:spcPts val="0"/>
@@ -5530,7 +5580,7 @@
             </a:lvl4pPr>
             <a:lvl5pPr marL="2286000" lvl="4" indent="-317500">
               <a:lnSpc>
-                <a:spcPct val="115000"/>
+                <a:spcPct val="114999"/>
               </a:lnSpc>
               <a:spcBef>
                 <a:spcPts val="0"/>
@@ -5551,7 +5601,7 @@
             </a:lvl5pPr>
             <a:lvl6pPr marL="2743200" lvl="5" indent="-317500">
               <a:lnSpc>
-                <a:spcPct val="115000"/>
+                <a:spcPct val="114999"/>
               </a:lnSpc>
               <a:spcBef>
                 <a:spcPts val="0"/>
@@ -5572,7 +5622,7 @@
             </a:lvl6pPr>
             <a:lvl7pPr marL="3200400" lvl="6" indent="-317500">
               <a:lnSpc>
-                <a:spcPct val="115000"/>
+                <a:spcPct val="114999"/>
               </a:lnSpc>
               <a:spcBef>
                 <a:spcPts val="0"/>
@@ -5593,7 +5643,7 @@
             </a:lvl7pPr>
             <a:lvl8pPr marL="3657600" lvl="7" indent="-317500">
               <a:lnSpc>
-                <a:spcPct val="115000"/>
+                <a:spcPct val="114999"/>
               </a:lnSpc>
               <a:spcBef>
                 <a:spcPts val="0"/>
@@ -5614,7 +5664,7 @@
             </a:lvl8pPr>
             <a:lvl9pPr marL="4114800" lvl="8" indent="-317500">
               <a:lnSpc>
-                <a:spcPct val="115000"/>
+                <a:spcPct val="114999"/>
               </a:lnSpc>
               <a:spcBef>
                 <a:spcPts val="0"/>
@@ -5634,7 +5684,12 @@
               </a:defRPr>
             </a:lvl9pPr>
           </a:lstStyle>
-          <a:p/>
+          <a:p>
+            <a:pPr>
+              <a:defRPr/>
+            </a:pPr>
+            <a:endParaRPr/>
+          </a:p>
         </p:txBody>
       </p:sp>
       <p:sp>
@@ -5645,7 +5700,7 @@
             <p:ph type="sldNum" idx="12"/>
           </p:nvPr>
         </p:nvSpPr>
-        <p:spPr>
+        <p:spPr bwMode="auto">
           <a:xfrm>
             <a:off x="8472458" y="4663217"/>
             <a:ext cx="548700" cy="393600"/>
@@ -5737,14 +5792,15 @@
             </a:lvl9pPr>
           </a:lstStyle>
           <a:p>
-            <a:pPr marL="0" lvl="0" indent="0" algn="r" rtl="0">
-              <a:spcBef>
-                <a:spcPts val="0"/>
-              </a:spcBef>
-              <a:spcAft>
-                <a:spcPts val="0"/>
-              </a:spcAft>
-              <a:buNone/>
+            <a:pPr marL="0" lvl="0" indent="0" algn="r">
+              <a:spcBef>
+                <a:spcPts val="0"/>
+              </a:spcBef>
+              <a:spcAft>
+                <a:spcPts val="0"/>
+              </a:spcAft>
+              <a:buNone/>
+              <a:defRPr/>
             </a:pPr>
             <a:r>
               <a:rPr lang="en-US"/>
@@ -5767,10 +5823,10 @@
     <p:sldLayoutId id="2147483655" r:id="rId7"/>
     <p:sldLayoutId id="2147483656" r:id="rId8"/>
   </p:sldLayoutIdLst>
-  <p:hf sldNum="0" hdr="0" ftr="0" dt="0"/>
+  <p:hf dt="0" ftr="0" hdr="0" sldNum="0"/>
   <p:txStyles>
     <p:titleStyle>
-      <a:defPPr marR="0" lvl="0" algn="l" rtl="0">
+      <a:defPPr marR="0" lvl="0" algn="l">
         <a:lnSpc>
           <a:spcPct val="100000"/>
         </a:lnSpc>
@@ -5781,7 +5837,7 @@
           <a:spcPts val="0"/>
         </a:spcAft>
       </a:defPPr>
-      <a:lvl1pPr marR="0" lvl="0" algn="l" rtl="0">
+      <a:lvl1pPr marR="0" lvl="0" algn="l">
         <a:lnSpc>
           <a:spcPct val="100000"/>
         </a:lnSpc>
@@ -5794,18 +5850,17 @@
         <a:buClr>
           <a:srgbClr val="000000"/>
         </a:buClr>
-        <a:buFont typeface="Arial" panose="020B0604020202020204"/>
+        <a:buFont typeface="Arial"/>
         <a:defRPr sz="1400" b="0" i="0" u="none" strike="noStrike" cap="none">
           <a:solidFill>
             <a:srgbClr val="000000"/>
           </a:solidFill>
-          <a:latin typeface="Arial" panose="020B0604020202020204"/>
-          <a:ea typeface="Arial" panose="020B0604020202020204"/>
-          <a:cs typeface="Arial" panose="020B0604020202020204"/>
-          <a:sym typeface="Arial" panose="020B0604020202020204"/>
+          <a:latin typeface="Arial"/>
+          <a:ea typeface="Arial"/>
+          <a:cs typeface="Arial"/>
         </a:defRPr>
       </a:lvl1pPr>
-      <a:lvl2pPr marR="0" lvl="1" algn="l" rtl="0">
+      <a:lvl2pPr marR="0" lvl="1" algn="l">
         <a:lnSpc>
           <a:spcPct val="100000"/>
         </a:lnSpc>
@@ -5818,18 +5873,17 @@
         <a:buClr>
           <a:srgbClr val="000000"/>
         </a:buClr>
-        <a:buFont typeface="Arial" panose="020B0604020202020204"/>
+        <a:buFont typeface="Arial"/>
         <a:defRPr sz="1400" b="0" i="0" u="none" strike="noStrike" cap="none">
           <a:solidFill>
             <a:srgbClr val="000000"/>
           </a:solidFill>
-          <a:latin typeface="Arial" panose="020B0604020202020204"/>
-          <a:ea typeface="Arial" panose="020B0604020202020204"/>
-          <a:cs typeface="Arial" panose="020B0604020202020204"/>
-          <a:sym typeface="Arial" panose="020B0604020202020204"/>
+          <a:latin typeface="Arial"/>
+          <a:ea typeface="Arial"/>
+          <a:cs typeface="Arial"/>
         </a:defRPr>
       </a:lvl2pPr>
-      <a:lvl3pPr marR="0" lvl="2" algn="l" rtl="0">
+      <a:lvl3pPr marR="0" lvl="2" algn="l">
         <a:lnSpc>
           <a:spcPct val="100000"/>
         </a:lnSpc>
@@ -5842,18 +5896,17 @@
         <a:buClr>
           <a:srgbClr val="000000"/>
         </a:buClr>
-        <a:buFont typeface="Arial" panose="020B0604020202020204"/>
+        <a:buFont typeface="Arial"/>
         <a:defRPr sz="1400" b="0" i="0" u="none" strike="noStrike" cap="none">
           <a:solidFill>
             <a:srgbClr val="000000"/>
           </a:solidFill>
-          <a:latin typeface="Arial" panose="020B0604020202020204"/>
-          <a:ea typeface="Arial" panose="020B0604020202020204"/>
-          <a:cs typeface="Arial" panose="020B0604020202020204"/>
-          <a:sym typeface="Arial" panose="020B0604020202020204"/>
+          <a:latin typeface="Arial"/>
+          <a:ea typeface="Arial"/>
+          <a:cs typeface="Arial"/>
         </a:defRPr>
       </a:lvl3pPr>
-      <a:lvl4pPr marR="0" lvl="3" algn="l" rtl="0">
+      <a:lvl4pPr marR="0" lvl="3" algn="l">
         <a:lnSpc>
           <a:spcPct val="100000"/>
         </a:lnSpc>
@@ -5866,18 +5919,17 @@
         <a:buClr>
           <a:srgbClr val="000000"/>
         </a:buClr>
-        <a:buFont typeface="Arial" panose="020B0604020202020204"/>
+        <a:buFont typeface="Arial"/>
         <a:defRPr sz="1400" b="0" i="0" u="none" strike="noStrike" cap="none">
           <a:solidFill>
             <a:srgbClr val="000000"/>
           </a:solidFill>
-          <a:latin typeface="Arial" panose="020B0604020202020204"/>
-          <a:ea typeface="Arial" panose="020B0604020202020204"/>
-          <a:cs typeface="Arial" panose="020B0604020202020204"/>
-          <a:sym typeface="Arial" panose="020B0604020202020204"/>
+          <a:latin typeface="Arial"/>
+          <a:ea typeface="Arial"/>
+          <a:cs typeface="Arial"/>
         </a:defRPr>
       </a:lvl4pPr>
-      <a:lvl5pPr marR="0" lvl="4" algn="l" rtl="0">
+      <a:lvl5pPr marR="0" lvl="4" algn="l">
         <a:lnSpc>
           <a:spcPct val="100000"/>
         </a:lnSpc>
@@ -5890,18 +5942,17 @@
         <a:buClr>
           <a:srgbClr val="000000"/>
         </a:buClr>
-        <a:buFont typeface="Arial" panose="020B0604020202020204"/>
+        <a:buFont typeface="Arial"/>
         <a:defRPr sz="1400" b="0" i="0" u="none" strike="noStrike" cap="none">
           <a:solidFill>
             <a:srgbClr val="000000"/>
           </a:solidFill>
-          <a:latin typeface="Arial" panose="020B0604020202020204"/>
-          <a:ea typeface="Arial" panose="020B0604020202020204"/>
-          <a:cs typeface="Arial" panose="020B0604020202020204"/>
-          <a:sym typeface="Arial" panose="020B0604020202020204"/>
+          <a:latin typeface="Arial"/>
+          <a:ea typeface="Arial"/>
+          <a:cs typeface="Arial"/>
         </a:defRPr>
       </a:lvl5pPr>
-      <a:lvl6pPr marR="0" lvl="5" algn="l" rtl="0">
+      <a:lvl6pPr marR="0" lvl="5" algn="l">
         <a:lnSpc>
           <a:spcPct val="100000"/>
         </a:lnSpc>
@@ -5914,18 +5965,17 @@
         <a:buClr>
           <a:srgbClr val="000000"/>
         </a:buClr>
-        <a:buFont typeface="Arial" panose="020B0604020202020204"/>
+        <a:buFont typeface="Arial"/>
         <a:defRPr sz="1400" b="0" i="0" u="none" strike="noStrike" cap="none">
           <a:solidFill>
             <a:srgbClr val="000000"/>
           </a:solidFill>
-          <a:latin typeface="Arial" panose="020B0604020202020204"/>
-          <a:ea typeface="Arial" panose="020B0604020202020204"/>
-          <a:cs typeface="Arial" panose="020B0604020202020204"/>
-          <a:sym typeface="Arial" panose="020B0604020202020204"/>
+          <a:latin typeface="Arial"/>
+          <a:ea typeface="Arial"/>
+          <a:cs typeface="Arial"/>
         </a:defRPr>
       </a:lvl6pPr>
-      <a:lvl7pPr marR="0" lvl="6" algn="l" rtl="0">
+      <a:lvl7pPr marR="0" lvl="6" algn="l">
         <a:lnSpc>
           <a:spcPct val="100000"/>
         </a:lnSpc>
@@ -5938,18 +5988,17 @@
         <a:buClr>
           <a:srgbClr val="000000"/>
         </a:buClr>
-        <a:buFont typeface="Arial" panose="020B0604020202020204"/>
+        <a:buFont typeface="Arial"/>
         <a:defRPr sz="1400" b="0" i="0" u="none" strike="noStrike" cap="none">
           <a:solidFill>
             <a:srgbClr val="000000"/>
           </a:solidFill>
-          <a:latin typeface="Arial" panose="020B0604020202020204"/>
-          <a:ea typeface="Arial" panose="020B0604020202020204"/>
-          <a:cs typeface="Arial" panose="020B0604020202020204"/>
-          <a:sym typeface="Arial" panose="020B0604020202020204"/>
+          <a:latin typeface="Arial"/>
+          <a:ea typeface="Arial"/>
+          <a:cs typeface="Arial"/>
         </a:defRPr>
       </a:lvl7pPr>
-      <a:lvl8pPr marR="0" lvl="7" algn="l" rtl="0">
+      <a:lvl8pPr marR="0" lvl="7" algn="l">
         <a:lnSpc>
           <a:spcPct val="100000"/>
         </a:lnSpc>
@@ -5962,18 +6011,17 @@
         <a:buClr>
           <a:srgbClr val="000000"/>
         </a:buClr>
-        <a:buFont typeface="Arial" panose="020B0604020202020204"/>
+        <a:buFont typeface="Arial"/>
         <a:defRPr sz="1400" b="0" i="0" u="none" strike="noStrike" cap="none">
           <a:solidFill>
             <a:srgbClr val="000000"/>
           </a:solidFill>
-          <a:latin typeface="Arial" panose="020B0604020202020204"/>
-          <a:ea typeface="Arial" panose="020B0604020202020204"/>
-          <a:cs typeface="Arial" panose="020B0604020202020204"/>
-          <a:sym typeface="Arial" panose="020B0604020202020204"/>
+          <a:latin typeface="Arial"/>
+          <a:ea typeface="Arial"/>
+          <a:cs typeface="Arial"/>
         </a:defRPr>
       </a:lvl8pPr>
-      <a:lvl9pPr marR="0" lvl="8" algn="l" rtl="0">
+      <a:lvl9pPr marR="0" lvl="8" algn="l">
         <a:lnSpc>
           <a:spcPct val="100000"/>
         </a:lnSpc>
@@ -5986,20 +6034,19 @@
         <a:buClr>
           <a:srgbClr val="000000"/>
         </a:buClr>
-        <a:buFont typeface="Arial" panose="020B0604020202020204"/>
+        <a:buFont typeface="Arial"/>
         <a:defRPr sz="1400" b="0" i="0" u="none" strike="noStrike" cap="none">
           <a:solidFill>
             <a:srgbClr val="000000"/>
           </a:solidFill>
-          <a:latin typeface="Arial" panose="020B0604020202020204"/>
-          <a:ea typeface="Arial" panose="020B0604020202020204"/>
-          <a:cs typeface="Arial" panose="020B0604020202020204"/>
-          <a:sym typeface="Arial" panose="020B0604020202020204"/>
+          <a:latin typeface="Arial"/>
+          <a:ea typeface="Arial"/>
+          <a:cs typeface="Arial"/>
         </a:defRPr>
       </a:lvl9pPr>
     </p:titleStyle>
     <p:bodyStyle>
-      <a:defPPr marR="0" lvl="0" algn="l" rtl="0">
+      <a:defPPr marR="0" lvl="0" algn="l">
         <a:lnSpc>
           <a:spcPct val="100000"/>
         </a:lnSpc>
@@ -6010,7 +6057,7 @@
           <a:spcPts val="0"/>
         </a:spcAft>
       </a:defPPr>
-      <a:lvl1pPr marR="0" lvl="0" algn="l" rtl="0">
+      <a:lvl1pPr marR="0" lvl="0" algn="l">
         <a:lnSpc>
           <a:spcPct val="100000"/>
         </a:lnSpc>
@@ -6023,18 +6070,17 @@
         <a:buClr>
           <a:srgbClr val="000000"/>
         </a:buClr>
-        <a:buFont typeface="Arial" panose="020B0604020202020204"/>
+        <a:buFont typeface="Arial"/>
         <a:defRPr sz="1400" b="0" i="0" u="none" strike="noStrike" cap="none">
           <a:solidFill>
             <a:srgbClr val="000000"/>
           </a:solidFill>
-          <a:latin typeface="Arial" panose="020B0604020202020204"/>
-          <a:ea typeface="Arial" panose="020B0604020202020204"/>
-          <a:cs typeface="Arial" panose="020B0604020202020204"/>
-          <a:sym typeface="Arial" panose="020B0604020202020204"/>
+          <a:latin typeface="Arial"/>
+          <a:ea typeface="Arial"/>
+          <a:cs typeface="Arial"/>
         </a:defRPr>
       </a:lvl1pPr>
-      <a:lvl2pPr marR="0" lvl="1" algn="l" rtl="0">
+      <a:lvl2pPr marR="0" lvl="1" algn="l">
         <a:lnSpc>
           <a:spcPct val="100000"/>
         </a:lnSpc>
@@ -6047,18 +6093,17 @@
         <a:buClr>
           <a:srgbClr val="000000"/>
         </a:buClr>
-        <a:buFont typeface="Arial" panose="020B0604020202020204"/>
+        <a:buFont typeface="Arial"/>
         <a:defRPr sz="1400" b="0" i="0" u="none" strike="noStrike" cap="none">
           <a:solidFill>
             <a:srgbClr val="000000"/>
           </a:solidFill>
-          <a:latin typeface="Arial" panose="020B0604020202020204"/>
-          <a:ea typeface="Arial" panose="020B0604020202020204"/>
-          <a:cs typeface="Arial" panose="020B0604020202020204"/>
-          <a:sym typeface="Arial" panose="020B0604020202020204"/>
+          <a:latin typeface="Arial"/>
+          <a:ea typeface="Arial"/>
+          <a:cs typeface="Arial"/>
         </a:defRPr>
       </a:lvl2pPr>
-      <a:lvl3pPr marR="0" lvl="2" algn="l" rtl="0">
+      <a:lvl3pPr marR="0" lvl="2" algn="l">
         <a:lnSpc>
           <a:spcPct val="100000"/>
         </a:lnSpc>
@@ -6071,18 +6116,17 @@
         <a:buClr>
           <a:srgbClr val="000000"/>
         </a:buClr>
-        <a:buFont typeface="Arial" panose="020B0604020202020204"/>
+        <a:buFont typeface="Arial"/>
         <a:defRPr sz="1400" b="0" i="0" u="none" strike="noStrike" cap="none">
           <a:solidFill>
             <a:srgbClr val="000000"/>
           </a:solidFill>
-          <a:latin typeface="Arial" panose="020B0604020202020204"/>
-          <a:ea typeface="Arial" panose="020B0604020202020204"/>
-          <a:cs typeface="Arial" panose="020B0604020202020204"/>
-          <a:sym typeface="Arial" panose="020B0604020202020204"/>
+          <a:latin typeface="Arial"/>
+          <a:ea typeface="Arial"/>
+          <a:cs typeface="Arial"/>
         </a:defRPr>
       </a:lvl3pPr>
-      <a:lvl4pPr marR="0" lvl="3" algn="l" rtl="0">
+      <a:lvl4pPr marR="0" lvl="3" algn="l">
         <a:lnSpc>
           <a:spcPct val="100000"/>
         </a:lnSpc>
@@ -6095,18 +6139,17 @@
         <a:buClr>
           <a:srgbClr val="000000"/>
         </a:buClr>
-        <a:buFont typeface="Arial" panose="020B0604020202020204"/>
+        <a:buFont typeface="Arial"/>
         <a:defRPr sz="1400" b="0" i="0" u="none" strike="noStrike" cap="none">
           <a:solidFill>
             <a:srgbClr val="000000"/>
           </a:solidFill>
-          <a:latin typeface="Arial" panose="020B0604020202020204"/>
-          <a:ea typeface="Arial" panose="020B0604020202020204"/>
-          <a:cs typeface="Arial" panose="020B0604020202020204"/>
-          <a:sym typeface="Arial" panose="020B0604020202020204"/>
+          <a:latin typeface="Arial"/>
+          <a:ea typeface="Arial"/>
+          <a:cs typeface="Arial"/>
         </a:defRPr>
       </a:lvl4pPr>
-      <a:lvl5pPr marR="0" lvl="4" algn="l" rtl="0">
+      <a:lvl5pPr marR="0" lvl="4" algn="l">
         <a:lnSpc>
           <a:spcPct val="100000"/>
         </a:lnSpc>
@@ -6119,18 +6162,17 @@
         <a:buClr>
           <a:srgbClr val="000000"/>
         </a:buClr>
-        <a:buFont typeface="Arial" panose="020B0604020202020204"/>
+        <a:buFont typeface="Arial"/>
         <a:defRPr sz="1400" b="0" i="0" u="none" strike="noStrike" cap="none">
           <a:solidFill>
             <a:srgbClr val="000000"/>
           </a:solidFill>
-          <a:latin typeface="Arial" panose="020B0604020202020204"/>
-          <a:ea typeface="Arial" panose="020B0604020202020204"/>
-          <a:cs typeface="Arial" panose="020B0604020202020204"/>
-          <a:sym typeface="Arial" panose="020B0604020202020204"/>
+          <a:latin typeface="Arial"/>
+          <a:ea typeface="Arial"/>
+          <a:cs typeface="Arial"/>
         </a:defRPr>
       </a:lvl5pPr>
-      <a:lvl6pPr marR="0" lvl="5" algn="l" rtl="0">
+      <a:lvl6pPr marR="0" lvl="5" algn="l">
         <a:lnSpc>
           <a:spcPct val="100000"/>
         </a:lnSpc>
@@ -6143,18 +6185,17 @@
         <a:buClr>
           <a:srgbClr val="000000"/>
         </a:buClr>
-        <a:buFont typeface="Arial" panose="020B0604020202020204"/>
+        <a:buFont typeface="Arial"/>
         <a:defRPr sz="1400" b="0" i="0" u="none" strike="noStrike" cap="none">
           <a:solidFill>
             <a:srgbClr val="000000"/>
           </a:solidFill>
-          <a:latin typeface="Arial" panose="020B0604020202020204"/>
-          <a:ea typeface="Arial" panose="020B0604020202020204"/>
-          <a:cs typeface="Arial" panose="020B0604020202020204"/>
-          <a:sym typeface="Arial" panose="020B0604020202020204"/>
+          <a:latin typeface="Arial"/>
+          <a:ea typeface="Arial"/>
+          <a:cs typeface="Arial"/>
         </a:defRPr>
       </a:lvl6pPr>
-      <a:lvl7pPr marR="0" lvl="6" algn="l" rtl="0">
+      <a:lvl7pPr marR="0" lvl="6" algn="l">
         <a:lnSpc>
           <a:spcPct val="100000"/>
         </a:lnSpc>
@@ -6167,18 +6208,17 @@
         <a:buClr>
           <a:srgbClr val="000000"/>
         </a:buClr>
-        <a:buFont typeface="Arial" panose="020B0604020202020204"/>
+        <a:buFont typeface="Arial"/>
         <a:defRPr sz="1400" b="0" i="0" u="none" strike="noStrike" cap="none">
           <a:solidFill>
             <a:srgbClr val="000000"/>
           </a:solidFill>
-          <a:latin typeface="Arial" panose="020B0604020202020204"/>
-          <a:ea typeface="Arial" panose="020B0604020202020204"/>
-          <a:cs typeface="Arial" panose="020B0604020202020204"/>
-          <a:sym typeface="Arial" panose="020B0604020202020204"/>
+          <a:latin typeface="Arial"/>
+          <a:ea typeface="Arial"/>
+          <a:cs typeface="Arial"/>
         </a:defRPr>
       </a:lvl7pPr>
-      <a:lvl8pPr marR="0" lvl="7" algn="l" rtl="0">
+      <a:lvl8pPr marR="0" lvl="7" algn="l">
         <a:lnSpc>
           <a:spcPct val="100000"/>
         </a:lnSpc>
@@ -6191,18 +6231,17 @@
         <a:buClr>
           <a:srgbClr val="000000"/>
         </a:buClr>
-        <a:buFont typeface="Arial" panose="020B0604020202020204"/>
+        <a:buFont typeface="Arial"/>
         <a:defRPr sz="1400" b="0" i="0" u="none" strike="noStrike" cap="none">
           <a:solidFill>
             <a:srgbClr val="000000"/>
           </a:solidFill>
-          <a:latin typeface="Arial" panose="020B0604020202020204"/>
-          <a:ea typeface="Arial" panose="020B0604020202020204"/>
-          <a:cs typeface="Arial" panose="020B0604020202020204"/>
-          <a:sym typeface="Arial" panose="020B0604020202020204"/>
+          <a:latin typeface="Arial"/>
+          <a:ea typeface="Arial"/>
+          <a:cs typeface="Arial"/>
         </a:defRPr>
       </a:lvl8pPr>
-      <a:lvl9pPr marR="0" lvl="8" algn="l" rtl="0">
+      <a:lvl9pPr marR="0" lvl="8" algn="l">
         <a:lnSpc>
           <a:spcPct val="100000"/>
         </a:lnSpc>
@@ -6215,20 +6254,19 @@
         <a:buClr>
           <a:srgbClr val="000000"/>
         </a:buClr>
-        <a:buFont typeface="Arial" panose="020B0604020202020204"/>
+        <a:buFont typeface="Arial"/>
         <a:defRPr sz="1400" b="0" i="0" u="none" strike="noStrike" cap="none">
           <a:solidFill>
             <a:srgbClr val="000000"/>
           </a:solidFill>
-          <a:latin typeface="Arial" panose="020B0604020202020204"/>
-          <a:ea typeface="Arial" panose="020B0604020202020204"/>
-          <a:cs typeface="Arial" panose="020B0604020202020204"/>
-          <a:sym typeface="Arial" panose="020B0604020202020204"/>
+          <a:latin typeface="Arial"/>
+          <a:ea typeface="Arial"/>
+          <a:cs typeface="Arial"/>
         </a:defRPr>
       </a:lvl9pPr>
     </p:bodyStyle>
     <p:otherStyle>
-      <a:defPPr marR="0" lvl="0" algn="l" rtl="0">
+      <a:defPPr marR="0" lvl="0" algn="l">
         <a:lnSpc>
           <a:spcPct val="100000"/>
         </a:lnSpc>
@@ -6239,7 +6277,7 @@
           <a:spcPts val="0"/>
         </a:spcAft>
       </a:defPPr>
-      <a:lvl1pPr marR="0" lvl="0" algn="l" rtl="0">
+      <a:lvl1pPr marR="0" lvl="0" algn="l">
         <a:lnSpc>
           <a:spcPct val="100000"/>
         </a:lnSpc>
@@ -6252,18 +6290,17 @@
         <a:buClr>
           <a:srgbClr val="000000"/>
         </a:buClr>
-        <a:buFont typeface="Arial" panose="020B0604020202020204"/>
+        <a:buFont typeface="Arial"/>
         <a:defRPr sz="1400" b="0" i="0" u="none" strike="noStrike" cap="none">
           <a:solidFill>
             <a:srgbClr val="000000"/>
           </a:solidFill>
-          <a:latin typeface="Arial" panose="020B0604020202020204"/>
-          <a:ea typeface="Arial" panose="020B0604020202020204"/>
-          <a:cs typeface="Arial" panose="020B0604020202020204"/>
-          <a:sym typeface="Arial" panose="020B0604020202020204"/>
+          <a:latin typeface="Arial"/>
+          <a:ea typeface="Arial"/>
+          <a:cs typeface="Arial"/>
         </a:defRPr>
       </a:lvl1pPr>
-      <a:lvl2pPr marR="0" lvl="1" algn="l" rtl="0">
+      <a:lvl2pPr marR="0" lvl="1" algn="l">
         <a:lnSpc>
           <a:spcPct val="100000"/>
         </a:lnSpc>
@@ -6276,18 +6313,17 @@
         <a:buClr>
           <a:srgbClr val="000000"/>
         </a:buClr>
-        <a:buFont typeface="Arial" panose="020B0604020202020204"/>
+        <a:buFont typeface="Arial"/>
         <a:defRPr sz="1400" b="0" i="0" u="none" strike="noStrike" cap="none">
           <a:solidFill>
             <a:srgbClr val="000000"/>
           </a:solidFill>
-          <a:latin typeface="Arial" panose="020B0604020202020204"/>
-          <a:ea typeface="Arial" panose="020B0604020202020204"/>
-          <a:cs typeface="Arial" panose="020B0604020202020204"/>
-          <a:sym typeface="Arial" panose="020B0604020202020204"/>
+          <a:latin typeface="Arial"/>
+          <a:ea typeface="Arial"/>
+          <a:cs typeface="Arial"/>
         </a:defRPr>
       </a:lvl2pPr>
-      <a:lvl3pPr marR="0" lvl="2" algn="l" rtl="0">
+      <a:lvl3pPr marR="0" lvl="2" algn="l">
         <a:lnSpc>
           <a:spcPct val="100000"/>
         </a:lnSpc>
@@ -6300,18 +6336,17 @@
         <a:buClr>
           <a:srgbClr val="000000"/>
         </a:buClr>
-        <a:buFont typeface="Arial" panose="020B0604020202020204"/>
+        <a:buFont typeface="Arial"/>
         <a:defRPr sz="1400" b="0" i="0" u="none" strike="noStrike" cap="none">
           <a:solidFill>
             <a:srgbClr val="000000"/>
           </a:solidFill>
-          <a:latin typeface="Arial" panose="020B0604020202020204"/>
-          <a:ea typeface="Arial" panose="020B0604020202020204"/>
-          <a:cs typeface="Arial" panose="020B0604020202020204"/>
-          <a:sym typeface="Arial" panose="020B0604020202020204"/>
+          <a:latin typeface="Arial"/>
+          <a:ea typeface="Arial"/>
+          <a:cs typeface="Arial"/>
         </a:defRPr>
       </a:lvl3pPr>
-      <a:lvl4pPr marR="0" lvl="3" algn="l" rtl="0">
+      <a:lvl4pPr marR="0" lvl="3" algn="l">
         <a:lnSpc>
           <a:spcPct val="100000"/>
         </a:lnSpc>
@@ -6324,18 +6359,17 @@
         <a:buClr>
           <a:srgbClr val="000000"/>
         </a:buClr>
-        <a:buFont typeface="Arial" panose="020B0604020202020204"/>
+        <a:buFont typeface="Arial"/>
         <a:defRPr sz="1400" b="0" i="0" u="none" strike="noStrike" cap="none">
           <a:solidFill>
             <a:srgbClr val="000000"/>
           </a:solidFill>
-          <a:latin typeface="Arial" panose="020B0604020202020204"/>
-          <a:ea typeface="Arial" panose="020B0604020202020204"/>
-          <a:cs typeface="Arial" panose="020B0604020202020204"/>
-          <a:sym typeface="Arial" panose="020B0604020202020204"/>
+          <a:latin typeface="Arial"/>
+          <a:ea typeface="Arial"/>
+          <a:cs typeface="Arial"/>
         </a:defRPr>
       </a:lvl4pPr>
-      <a:lvl5pPr marR="0" lvl="4" algn="l" rtl="0">
+      <a:lvl5pPr marR="0" lvl="4" algn="l">
         <a:lnSpc>
           <a:spcPct val="100000"/>
         </a:lnSpc>
@@ -6348,18 +6382,17 @@
         <a:buClr>
           <a:srgbClr val="000000"/>
         </a:buClr>
-        <a:buFont typeface="Arial" panose="020B0604020202020204"/>
+        <a:buFont typeface="Arial"/>
         <a:defRPr sz="1400" b="0" i="0" u="none" strike="noStrike" cap="none">
           <a:solidFill>
             <a:srgbClr val="000000"/>
           </a:solidFill>
-          <a:latin typeface="Arial" panose="020B0604020202020204"/>
-          <a:ea typeface="Arial" panose="020B0604020202020204"/>
-          <a:cs typeface="Arial" panose="020B0604020202020204"/>
-          <a:sym typeface="Arial" panose="020B0604020202020204"/>
+          <a:latin typeface="Arial"/>
+          <a:ea typeface="Arial"/>
+          <a:cs typeface="Arial"/>
         </a:defRPr>
       </a:lvl5pPr>
-      <a:lvl6pPr marR="0" lvl="5" algn="l" rtl="0">
+      <a:lvl6pPr marR="0" lvl="5" algn="l">
         <a:lnSpc>
           <a:spcPct val="100000"/>
         </a:lnSpc>
@@ -6372,18 +6405,17 @@
         <a:buClr>
           <a:srgbClr val="000000"/>
         </a:buClr>
-        <a:buFont typeface="Arial" panose="020B0604020202020204"/>
+        <a:buFont typeface="Arial"/>
         <a:defRPr sz="1400" b="0" i="0" u="none" strike="noStrike" cap="none">
           <a:solidFill>
             <a:srgbClr val="000000"/>
           </a:solidFill>
-          <a:latin typeface="Arial" panose="020B0604020202020204"/>
-          <a:ea typeface="Arial" panose="020B0604020202020204"/>
-          <a:cs typeface="Arial" panose="020B0604020202020204"/>
-          <a:sym typeface="Arial" panose="020B0604020202020204"/>
+          <a:latin typeface="Arial"/>
+          <a:ea typeface="Arial"/>
+          <a:cs typeface="Arial"/>
         </a:defRPr>
       </a:lvl6pPr>
-      <a:lvl7pPr marR="0" lvl="6" algn="l" rtl="0">
+      <a:lvl7pPr marR="0" lvl="6" algn="l">
         <a:lnSpc>
           <a:spcPct val="100000"/>
         </a:lnSpc>
@@ -6396,18 +6428,17 @@
         <a:buClr>
           <a:srgbClr val="000000"/>
         </a:buClr>
-        <a:buFont typeface="Arial" panose="020B0604020202020204"/>
+        <a:buFont typeface="Arial"/>
         <a:defRPr sz="1400" b="0" i="0" u="none" strike="noStrike" cap="none">
           <a:solidFill>
             <a:srgbClr val="000000"/>
           </a:solidFill>
-          <a:latin typeface="Arial" panose="020B0604020202020204"/>
-          <a:ea typeface="Arial" panose="020B0604020202020204"/>
-          <a:cs typeface="Arial" panose="020B0604020202020204"/>
-          <a:sym typeface="Arial" panose="020B0604020202020204"/>
+          <a:latin typeface="Arial"/>
+          <a:ea typeface="Arial"/>
+          <a:cs typeface="Arial"/>
         </a:defRPr>
       </a:lvl7pPr>
-      <a:lvl8pPr marR="0" lvl="7" algn="l" rtl="0">
+      <a:lvl8pPr marR="0" lvl="7" algn="l">
         <a:lnSpc>
           <a:spcPct val="100000"/>
         </a:lnSpc>
@@ -6420,18 +6451,17 @@
         <a:buClr>
           <a:srgbClr val="000000"/>
         </a:buClr>
-        <a:buFont typeface="Arial" panose="020B0604020202020204"/>
+        <a:buFont typeface="Arial"/>
         <a:defRPr sz="1400" b="0" i="0" u="none" strike="noStrike" cap="none">
           <a:solidFill>
             <a:srgbClr val="000000"/>
           </a:solidFill>
-          <a:latin typeface="Arial" panose="020B0604020202020204"/>
-          <a:ea typeface="Arial" panose="020B0604020202020204"/>
-          <a:cs typeface="Arial" panose="020B0604020202020204"/>
-          <a:sym typeface="Arial" panose="020B0604020202020204"/>
+          <a:latin typeface="Arial"/>
+          <a:ea typeface="Arial"/>
+          <a:cs typeface="Arial"/>
         </a:defRPr>
       </a:lvl8pPr>
-      <a:lvl9pPr marR="0" lvl="8" algn="l" rtl="0">
+      <a:lvl9pPr marR="0" lvl="8" algn="l">
         <a:lnSpc>
           <a:spcPct val="100000"/>
         </a:lnSpc>
@@ -6444,15 +6474,14 @@
         <a:buClr>
           <a:srgbClr val="000000"/>
         </a:buClr>
-        <a:buFont typeface="Arial" panose="020B0604020202020204"/>
+        <a:buFont typeface="Arial"/>
         <a:defRPr sz="1400" b="0" i="0" u="none" strike="noStrike" cap="none">
           <a:solidFill>
             <a:srgbClr val="000000"/>
           </a:solidFill>
-          <a:latin typeface="Arial" panose="020B0604020202020204"/>
-          <a:ea typeface="Arial" panose="020B0604020202020204"/>
-          <a:cs typeface="Arial" panose="020B0604020202020204"/>
-          <a:sym typeface="Arial" panose="020B0604020202020204"/>
+          <a:latin typeface="Arial"/>
+          <a:ea typeface="Arial"/>
+          <a:cs typeface="Arial"/>
         </a:defRPr>
       </a:lvl9pPr>
     </p:otherStyle>
@@ -6461,23 +6490,22 @@
 </file>
 
 <file path=ppt/slides/slide1.xml><?xml version="1.0" encoding="utf-8"?>
-<p:sld xmlns:a="http://schemas.openxmlformats.org/drawingml/2006/main" xmlns:r="http://schemas.openxmlformats.org/officeDocument/2006/relationships" xmlns:p="http://schemas.openxmlformats.org/presentationml/2006/main">
-  <p:cSld>
+<p:sld xmlns:a="http://schemas.openxmlformats.org/drawingml/2006/main" xmlns:r="http://schemas.openxmlformats.org/officeDocument/2006/relationships" xmlns:p="http://schemas.openxmlformats.org/presentationml/2006/main" xmlns:m="http://schemas.openxmlformats.org/officeDocument/2006/math" xmlns:w="http://schemas.openxmlformats.org/wordprocessingml/2006/main" showMasterPhAnim="0" show="1">
+  <p:cSld name="">
     <p:bg>
-      <p:bgPr>
+      <p:bgPr shadeToTitle="0">
         <a:solidFill>
           <a:srgbClr val="F8F8F8"/>
         </a:solidFill>
-        <a:effectLst/>
       </p:bgPr>
     </p:bg>
     <p:spTree>
       <p:nvGrpSpPr>
-        <p:cNvPr id="80" name="Shape 80"/>
+        <p:cNvPr id="1" name=""/>
         <p:cNvGrpSpPr/>
         <p:nvPr/>
       </p:nvGrpSpPr>
-      <p:grpSpPr>
+      <p:grpSpPr bwMode="auto">
         <a:xfrm>
           <a:off x="0" y="0"/>
           <a:ext cx="0" cy="0"/>
@@ -6491,7 +6519,7 @@
           <p:cNvSpPr/>
           <p:nvPr/>
         </p:nvSpPr>
-        <p:spPr>
+        <p:spPr bwMode="auto">
           <a:xfrm>
             <a:off x="87750" y="87000"/>
             <a:ext cx="8968500" cy="4969500"/>
@@ -6516,7 +6544,7 @@
           </a:bodyPr>
           <a:lstStyle/>
           <a:p>
-            <a:pPr marL="0" marR="0" lvl="0" indent="0" algn="ctr" rtl="0">
+            <a:pPr marL="0" marR="0" lvl="0" indent="0" algn="ctr">
               <a:lnSpc>
                 <a:spcPct val="100000"/>
               </a:lnSpc>
@@ -6530,17 +6558,17 @@
                 <a:srgbClr val="000000"/>
               </a:buClr>
               <a:buSzPts val="1400"/>
-              <a:buFont typeface="Arial" panose="020B0604020202020204"/>
-              <a:buNone/>
+              <a:buFont typeface="Arial"/>
+              <a:buNone/>
+              <a:defRPr/>
             </a:pPr>
             <a:endParaRPr sz="1400" b="0" i="0" u="none" strike="noStrike" cap="none">
               <a:solidFill>
                 <a:srgbClr val="000000"/>
               </a:solidFill>
-              <a:latin typeface="Arial" panose="020B0604020202020204"/>
-              <a:ea typeface="Arial" panose="020B0604020202020204"/>
-              <a:cs typeface="Arial" panose="020B0604020202020204"/>
-              <a:sym typeface="Arial" panose="020B0604020202020204"/>
+              <a:latin typeface="Arial"/>
+              <a:ea typeface="Arial"/>
+              <a:cs typeface="Arial"/>
             </a:endParaRPr>
           </a:p>
         </p:txBody>
@@ -6548,17 +6576,15 @@
       <p:pic>
         <p:nvPicPr>
           <p:cNvPr id="82" name="Google Shape;82;p10"/>
-          <p:cNvPicPr preferRelativeResize="0"/>
+          <p:cNvPicPr/>
           <p:nvPr/>
         </p:nvPicPr>
-        <p:blipFill rotWithShape="1">
-          <a:blip r:embed="rId1"/>
-          <a:srcRect t="22245"/>
-          <a:stretch>
-            <a:fillRect/>
-          </a:stretch>
+        <p:blipFill>
+          <a:blip r:embed="rId3"/>
+          <a:srcRect l="0" t="22245" r="0" b="0"/>
+          <a:stretch/>
         </p:blipFill>
-        <p:spPr>
+        <p:spPr bwMode="auto">
           <a:xfrm>
             <a:off x="7591175" y="4411900"/>
             <a:ext cx="1043149" cy="456250"/>
@@ -6578,7 +6604,7 @@
           <p:cNvSpPr txBox="1"/>
           <p:nvPr/>
         </p:nvSpPr>
-        <p:spPr>
+        <p:spPr bwMode="auto">
           <a:xfrm>
             <a:off x="1421250" y="1441650"/>
             <a:ext cx="6301500" cy="1130100"/>
@@ -6597,7 +6623,7 @@
           </a:bodyPr>
           <a:lstStyle/>
           <a:p>
-            <a:pPr marL="0" lvl="0" indent="0" algn="ctr" rtl="0">
+            <a:pPr marL="0" lvl="0" indent="0" algn="ctr">
               <a:spcBef>
                 <a:spcPts val="0"/>
               </a:spcBef>
@@ -6608,8 +6634,9 @@
                 <a:schemeClr val="dk1"/>
               </a:buClr>
               <a:buSzPts val="4000"/>
-              <a:buFont typeface="Arial" panose="020B0604020202020204"/>
-              <a:buNone/>
+              <a:buFont typeface="Arial"/>
+              <a:buNone/>
+              <a:defRPr/>
             </a:pPr>
             <a:r>
               <a:rPr lang="en-US" sz="4000">
@@ -6619,7 +6646,6 @@
                 <a:latin typeface="Nunito ExtraBold"/>
                 <a:ea typeface="Nunito ExtraBold"/>
                 <a:cs typeface="Nunito ExtraBold"/>
-                <a:sym typeface="Nunito ExtraBold"/>
               </a:rPr>
               <a:t>Java-Tech Accenture:</a:t>
             </a:r>
@@ -6630,11 +6656,10 @@
               <a:latin typeface="Nunito ExtraBold"/>
               <a:ea typeface="Nunito ExtraBold"/>
               <a:cs typeface="Nunito ExtraBold"/>
-              <a:sym typeface="Nunito ExtraBold"/>
             </a:endParaRPr>
           </a:p>
           <a:p>
-            <a:pPr marL="0" lvl="0" indent="0" algn="ctr" rtl="0">
+            <a:pPr marL="0" lvl="0" indent="0" algn="ctr">
               <a:spcBef>
                 <a:spcPts val="0"/>
               </a:spcBef>
@@ -6645,8 +6670,9 @@
                 <a:schemeClr val="dk1"/>
               </a:buClr>
               <a:buSzPts val="4000"/>
-              <a:buFont typeface="Arial" panose="020B0604020202020204"/>
-              <a:buNone/>
+              <a:buFont typeface="Arial"/>
+              <a:buNone/>
+              <a:defRPr/>
             </a:pPr>
             <a:r>
               <a:rPr lang="en-US" sz="3000">
@@ -6656,7 +6682,6 @@
                 <a:latin typeface="Nunito ExtraBold"/>
                 <a:ea typeface="Nunito ExtraBold"/>
                 <a:cs typeface="Nunito ExtraBold"/>
-                <a:sym typeface="Nunito ExtraBold"/>
               </a:rPr>
               <a:t>Docker</a:t>
             </a:r>
@@ -6667,11 +6692,10 @@
               <a:latin typeface="Nunito ExtraBold"/>
               <a:ea typeface="Nunito ExtraBold"/>
               <a:cs typeface="Nunito ExtraBold"/>
-              <a:sym typeface="Nunito ExtraBold"/>
             </a:endParaRPr>
           </a:p>
           <a:p>
-            <a:pPr marL="0" marR="0" lvl="0" indent="0" algn="ctr" rtl="0">
+            <a:pPr marL="0" marR="0" lvl="0" indent="0" algn="ctr">
               <a:lnSpc>
                 <a:spcPct val="100000"/>
               </a:lnSpc>
@@ -6685,8 +6709,9 @@
                 <a:srgbClr val="000000"/>
               </a:buClr>
               <a:buSzPts val="4000"/>
-              <a:buFont typeface="Arial" panose="020B0604020202020204"/>
-              <a:buNone/>
+              <a:buFont typeface="Arial"/>
+              <a:buNone/>
+              <a:defRPr/>
             </a:pPr>
             <a:endParaRPr sz="4000">
               <a:solidFill>
@@ -6695,7 +6720,6 @@
               <a:latin typeface="Nunito ExtraBold"/>
               <a:ea typeface="Nunito ExtraBold"/>
               <a:cs typeface="Nunito ExtraBold"/>
-              <a:sym typeface="Nunito ExtraBold"/>
             </a:endParaRPr>
           </a:p>
         </p:txBody>
@@ -6703,18 +6727,15 @@
       <p:pic>
         <p:nvPicPr>
           <p:cNvPr id="84" name="Google Shape;84;p10"/>
-          <p:cNvPicPr preferRelativeResize="0"/>
+          <p:cNvPicPr/>
           <p:nvPr/>
         </p:nvPicPr>
-        <p:blipFill rotWithShape="1">
-          <a:blip r:embed="rId2"/>
-          <a:srcRect/>
-          <a:stretch>
-            <a:fillRect/>
-          </a:stretch>
+        <p:blipFill>
+          <a:blip r:embed="rId4"/>
+          <a:stretch/>
         </p:blipFill>
-        <p:spPr>
-          <a:xfrm rot="1524476">
+        <p:spPr bwMode="auto">
+          <a:xfrm rot="1524475">
             <a:off x="-427154" y="1587771"/>
             <a:ext cx="3584522" cy="3441603"/>
           </a:xfrm>
@@ -6733,7 +6754,7 @@
           <p:cNvSpPr/>
           <p:nvPr/>
         </p:nvSpPr>
-        <p:spPr>
+        <p:spPr bwMode="auto">
           <a:xfrm>
             <a:off x="213350" y="738900"/>
             <a:ext cx="384600" cy="536100"/>
@@ -6756,7 +6777,7 @@
           </a:bodyPr>
           <a:lstStyle/>
           <a:p>
-            <a:pPr marL="0" marR="0" lvl="0" indent="0" algn="ctr" rtl="0">
+            <a:pPr marL="0" marR="0" lvl="0" indent="0" algn="ctr">
               <a:lnSpc>
                 <a:spcPct val="100000"/>
               </a:lnSpc>
@@ -6770,8 +6791,9 @@
                 <a:srgbClr val="000000"/>
               </a:buClr>
               <a:buSzPts val="1400"/>
-              <a:buFont typeface="Arial" panose="020B0604020202020204"/>
-              <a:buNone/>
+              <a:buFont typeface="Arial"/>
+              <a:buNone/>
+              <a:defRPr/>
             </a:pPr>
             <a:endParaRPr sz="1400" b="0" i="0" u="none" strike="noStrike" cap="none">
               <a:solidFill>
@@ -6780,7 +6802,6 @@
               <a:latin typeface="Lato"/>
               <a:ea typeface="Lato"/>
               <a:cs typeface="Lato"/>
-              <a:sym typeface="Lato"/>
             </a:endParaRPr>
           </a:p>
         </p:txBody>
@@ -6791,7 +6812,7 @@
           <p:cNvSpPr/>
           <p:nvPr/>
         </p:nvSpPr>
-        <p:spPr>
+        <p:spPr bwMode="auto">
           <a:xfrm>
             <a:off x="597950" y="4078825"/>
             <a:ext cx="384600" cy="536100"/>
@@ -6814,7 +6835,7 @@
           </a:bodyPr>
           <a:lstStyle/>
           <a:p>
-            <a:pPr marL="0" marR="0" lvl="0" indent="0" algn="ctr" rtl="0">
+            <a:pPr marL="0" marR="0" lvl="0" indent="0" algn="ctr">
               <a:lnSpc>
                 <a:spcPct val="100000"/>
               </a:lnSpc>
@@ -6828,8 +6849,9 @@
                 <a:srgbClr val="000000"/>
               </a:buClr>
               <a:buSzPts val="1400"/>
-              <a:buFont typeface="Arial" panose="020B0604020202020204"/>
-              <a:buNone/>
+              <a:buFont typeface="Arial"/>
+              <a:buNone/>
+              <a:defRPr/>
             </a:pPr>
             <a:endParaRPr sz="1400" b="0" i="0" u="none" strike="noStrike" cap="none">
               <a:solidFill>
@@ -6838,7 +6860,6 @@
               <a:latin typeface="Lato"/>
               <a:ea typeface="Lato"/>
               <a:cs typeface="Lato"/>
-              <a:sym typeface="Lato"/>
             </a:endParaRPr>
           </a:p>
         </p:txBody>
@@ -6846,17 +6867,15 @@
       <p:pic>
         <p:nvPicPr>
           <p:cNvPr id="87" name="Google Shape;87;p10"/>
-          <p:cNvPicPr preferRelativeResize="0"/>
+          <p:cNvPicPr/>
           <p:nvPr/>
         </p:nvPicPr>
-        <p:blipFill rotWithShape="1">
-          <a:blip r:embed="rId3"/>
-          <a:srcRect l="44196" r="1029" b="1797"/>
-          <a:stretch>
-            <a:fillRect/>
-          </a:stretch>
+        <p:blipFill>
+          <a:blip r:embed="rId5"/>
+          <a:srcRect l="44196" t="0" r="1028" b="1796"/>
+          <a:stretch/>
         </p:blipFill>
-        <p:spPr>
+        <p:spPr bwMode="auto">
           <a:xfrm rot="10800000">
             <a:off x="7081500" y="0"/>
             <a:ext cx="2062500" cy="2451900"/>
@@ -6876,7 +6895,7 @@
           <p:cNvSpPr/>
           <p:nvPr/>
         </p:nvSpPr>
-        <p:spPr>
+        <p:spPr bwMode="auto">
           <a:xfrm>
             <a:off x="7721975" y="1529225"/>
             <a:ext cx="384600" cy="536100"/>
@@ -6899,7 +6918,7 @@
           </a:bodyPr>
           <a:lstStyle/>
           <a:p>
-            <a:pPr marL="0" marR="0" lvl="0" indent="0" algn="ctr" rtl="0">
+            <a:pPr marL="0" marR="0" lvl="0" indent="0" algn="ctr">
               <a:lnSpc>
                 <a:spcPct val="100000"/>
               </a:lnSpc>
@@ -6913,8 +6932,9 @@
                 <a:srgbClr val="000000"/>
               </a:buClr>
               <a:buSzPts val="1400"/>
-              <a:buFont typeface="Arial" panose="020B0604020202020204"/>
-              <a:buNone/>
+              <a:buFont typeface="Arial"/>
+              <a:buNone/>
+              <a:defRPr/>
             </a:pPr>
             <a:endParaRPr sz="1400" b="0" i="0" u="none" strike="noStrike" cap="none">
               <a:solidFill>
@@ -6923,7 +6943,6 @@
               <a:latin typeface="Lato"/>
               <a:ea typeface="Lato"/>
               <a:cs typeface="Lato"/>
-              <a:sym typeface="Lato"/>
             </a:endParaRPr>
           </a:p>
         </p:txBody>
@@ -6931,17 +6950,15 @@
       <p:pic>
         <p:nvPicPr>
           <p:cNvPr id="89" name="Google Shape;89;p10"/>
-          <p:cNvPicPr preferRelativeResize="0"/>
+          <p:cNvPicPr/>
           <p:nvPr/>
         </p:nvPicPr>
-        <p:blipFill rotWithShape="1">
-          <a:blip r:embed="rId4"/>
-          <a:srcRect r="42745"/>
-          <a:stretch>
-            <a:fillRect/>
-          </a:stretch>
+        <p:blipFill>
+          <a:blip r:embed="rId6"/>
+          <a:srcRect l="0" t="0" r="42745" b="0"/>
+          <a:stretch/>
         </p:blipFill>
-        <p:spPr>
+        <p:spPr bwMode="auto">
           <a:xfrm>
             <a:off x="5751900" y="4329587"/>
             <a:ext cx="1706240" cy="620875"/>
@@ -6960,27 +6977,34 @@
   <p:clrMapOvr>
     <a:masterClrMapping/>
   </p:clrMapOvr>
+  <mc:AlternateContent xmlns:mc="http://schemas.openxmlformats.org/markup-compatibility/2006">
+    <mc:Choice xmlns:p159="http://schemas.microsoft.com/office/powerpoint/2015/09/main" xmlns:p14="http://schemas.microsoft.com/office/powerpoint/2010/main" Requires="p159">
+      <p:transition p14:dur="2000" advClick="1"/>
+    </mc:Choice>
+    <mc:Fallback>
+      <p:transition advClick="1"/>
+    </mc:Fallback>
+  </mc:AlternateContent>
 </p:sld>
 </file>
 
-<file path=ppt/slides/slide2.xml><?xml version="1.0" encoding="utf-8"?>
-<p:sld xmlns:a="http://schemas.openxmlformats.org/drawingml/2006/main" xmlns:r="http://schemas.openxmlformats.org/officeDocument/2006/relationships" xmlns:p="http://schemas.openxmlformats.org/presentationml/2006/main">
-  <p:cSld>
+<file path=ppt/slides/slide10.xml><?xml version="1.0" encoding="utf-8"?>
+<p:sld xmlns:a="http://schemas.openxmlformats.org/drawingml/2006/main" xmlns:r="http://schemas.openxmlformats.org/officeDocument/2006/relationships" xmlns:p="http://schemas.openxmlformats.org/presentationml/2006/main" xmlns:m="http://schemas.openxmlformats.org/officeDocument/2006/math" xmlns:w="http://schemas.openxmlformats.org/wordprocessingml/2006/main" showMasterPhAnim="0" show="1">
+  <p:cSld name="">
     <p:bg>
-      <p:bgPr>
+      <p:bgPr shadeToTitle="0">
         <a:solidFill>
           <a:srgbClr val="F8F8F8"/>
         </a:solidFill>
-        <a:effectLst/>
       </p:bgPr>
     </p:bg>
     <p:spTree>
       <p:nvGrpSpPr>
-        <p:cNvPr id="93" name="Shape 93"/>
+        <p:cNvPr id="1" name=""/>
         <p:cNvGrpSpPr/>
         <p:nvPr/>
       </p:nvGrpSpPr>
-      <p:grpSpPr>
+      <p:grpSpPr bwMode="auto">
         <a:xfrm>
           <a:off x="0" y="0"/>
           <a:ext cx="0" cy="0"/>
@@ -6988,16 +7012,122 @@
           <a:chExt cx="0" cy="0"/>
         </a:xfrm>
       </p:grpSpPr>
-      <p:sp>
-        <p:nvSpPr>
-          <p:cNvPr id="94" name="Google Shape;94;p11"/>
+      <p:pic>
+        <p:nvPicPr>
+          <p:cNvPr id="747" name="Google Shape;747;p81"/>
+          <p:cNvPicPr/>
+          <p:nvPr/>
+        </p:nvPicPr>
+        <p:blipFill>
+          <a:blip r:embed="rId3"/>
+          <a:stretch/>
+        </p:blipFill>
+        <p:spPr bwMode="auto">
+          <a:xfrm>
+            <a:off x="0" y="0"/>
+            <a:ext cx="9144001" cy="5143500"/>
+          </a:xfrm>
+          <a:prstGeom prst="rect">
+            <a:avLst/>
+          </a:prstGeom>
+          <a:noFill/>
+          <a:ln>
+            <a:noFill/>
+          </a:ln>
+        </p:spPr>
+      </p:pic>
+      <p:sp>
+        <p:nvSpPr>
+          <p:cNvPr id="748" name="Google Shape;748;p81"/>
+          <p:cNvSpPr/>
+          <p:nvPr/>
+        </p:nvSpPr>
+        <p:spPr bwMode="auto">
+          <a:xfrm rot="10800000">
+            <a:off x="3984408" y="3013632"/>
+            <a:ext cx="5159592" cy="2129868"/>
+          </a:xfrm>
+          <a:prstGeom prst="flowChartDocument">
+            <a:avLst/>
+          </a:prstGeom>
+          <a:solidFill>
+            <a:srgbClr val="F8F8F8"/>
+          </a:solidFill>
+          <a:ln>
+            <a:noFill/>
+          </a:ln>
+        </p:spPr>
+        <p:txBody>
+          <a:bodyPr spcFirstLastPara="1" wrap="square" lIns="91425" tIns="91425" rIns="91425" bIns="91425" anchor="ctr" anchorCtr="0">
+            <a:noAutofit/>
+          </a:bodyPr>
+          <a:lstStyle/>
+          <a:p>
+            <a:pPr marL="0" lvl="0" indent="0" algn="ctr">
+              <a:spcBef>
+                <a:spcPts val="0"/>
+              </a:spcBef>
+              <a:spcAft>
+                <a:spcPts val="0"/>
+              </a:spcAft>
+              <a:buNone/>
+              <a:defRPr/>
+            </a:pPr>
+            <a:endParaRPr/>
+          </a:p>
+        </p:txBody>
+      </p:sp>
+      <p:sp>
+        <p:nvSpPr>
+          <p:cNvPr id="749" name="Google Shape;749;p81"/>
+          <p:cNvSpPr/>
+          <p:nvPr/>
+        </p:nvSpPr>
+        <p:spPr bwMode="auto">
+          <a:xfrm rot="10800000" flipH="1">
+            <a:off x="-28975" y="3013632"/>
+            <a:ext cx="4027860" cy="2129868"/>
+          </a:xfrm>
+          <a:prstGeom prst="flowChartDocument">
+            <a:avLst/>
+          </a:prstGeom>
+          <a:solidFill>
+            <a:srgbClr val="F8F8F8"/>
+          </a:solidFill>
+          <a:ln>
+            <a:noFill/>
+          </a:ln>
+        </p:spPr>
+        <p:txBody>
+          <a:bodyPr spcFirstLastPara="1" wrap="square" lIns="91425" tIns="91425" rIns="91425" bIns="91425" anchor="ctr" anchorCtr="0">
+            <a:noAutofit/>
+          </a:bodyPr>
+          <a:lstStyle/>
+          <a:p>
+            <a:pPr marL="0" lvl="0" indent="0" algn="ctr">
+              <a:spcBef>
+                <a:spcPts val="0"/>
+              </a:spcBef>
+              <a:spcAft>
+                <a:spcPts val="0"/>
+              </a:spcAft>
+              <a:buNone/>
+              <a:defRPr/>
+            </a:pPr>
+            <a:endParaRPr/>
+          </a:p>
+        </p:txBody>
+      </p:sp>
+      <p:sp>
+        <p:nvSpPr>
+          <p:cNvPr id="750" name="Google Shape;750;p81"/>
           <p:cNvSpPr txBox="1"/>
           <p:nvPr/>
         </p:nvSpPr>
-        <p:spPr>
-          <a:xfrm>
-            <a:off x="666475" y="649200"/>
-            <a:ext cx="4714500" cy="715500"/>
+        <p:spPr bwMode="auto">
+          <a:xfrm>
+            <a:off x="637500" y="3868500"/>
+            <a:ext cx="7791000" cy="709799"/>
           </a:xfrm>
           <a:prstGeom prst="rect">
             <a:avLst/>
@@ -7013,14 +7143,159 @@
           </a:bodyPr>
           <a:lstStyle/>
           <a:p>
-            <a:pPr marL="0" lvl="0" indent="0" algn="ctr" rtl="0">
-              <a:spcBef>
-                <a:spcPts val="0"/>
-              </a:spcBef>
-              <a:spcAft>
-                <a:spcPts val="0"/>
-              </a:spcAft>
-              <a:buNone/>
+            <a:pPr marL="0" lvl="0" indent="0" algn="l">
+              <a:spcBef>
+                <a:spcPts val="0"/>
+              </a:spcBef>
+              <a:spcAft>
+                <a:spcPts val="0"/>
+              </a:spcAft>
+              <a:buNone/>
+              <a:defRPr/>
+            </a:pPr>
+            <a:r>
+              <a:rPr lang="en-US" sz="3600">
+                <a:solidFill>
+                  <a:srgbClr val="5F21B6"/>
+                </a:solidFill>
+                <a:latin typeface="Nunito Black"/>
+                <a:ea typeface="Nunito Black"/>
+                <a:cs typeface="Nunito Black"/>
+              </a:rPr>
+              <a:t>¡Gracias!</a:t>
+            </a:r>
+            <a:endParaRPr sz="3600">
+              <a:solidFill>
+                <a:srgbClr val="5F21B6"/>
+              </a:solidFill>
+              <a:latin typeface="Nunito Black"/>
+              <a:ea typeface="Nunito Black"/>
+              <a:cs typeface="Nunito Black"/>
+            </a:endParaRPr>
+          </a:p>
+        </p:txBody>
+      </p:sp>
+      <p:sp>
+        <p:nvSpPr>
+          <p:cNvPr id="751" name="Google Shape;751;p81"/>
+          <p:cNvSpPr/>
+          <p:nvPr/>
+        </p:nvSpPr>
+        <p:spPr bwMode="auto">
+          <a:xfrm>
+            <a:off x="252900" y="3267450"/>
+            <a:ext cx="384600" cy="536100"/>
+          </a:xfrm>
+          <a:prstGeom prst="star4">
+            <a:avLst>
+              <a:gd name="adj" fmla="val 12497"/>
+            </a:avLst>
+          </a:prstGeom>
+          <a:solidFill>
+            <a:srgbClr val="5001BB"/>
+          </a:solidFill>
+          <a:ln>
+            <a:noFill/>
+          </a:ln>
+        </p:spPr>
+        <p:txBody>
+          <a:bodyPr spcFirstLastPara="1" wrap="square" lIns="91425" tIns="91425" rIns="91425" bIns="91425" anchor="ctr" anchorCtr="0">
+            <a:noAutofit/>
+          </a:bodyPr>
+          <a:lstStyle/>
+          <a:p>
+            <a:pPr marL="0" lvl="0" indent="0" algn="ctr">
+              <a:spcBef>
+                <a:spcPts val="0"/>
+              </a:spcBef>
+              <a:spcAft>
+                <a:spcPts val="0"/>
+              </a:spcAft>
+              <a:buNone/>
+              <a:defRPr/>
+            </a:pPr>
+            <a:endParaRPr>
+              <a:latin typeface="Lato"/>
+              <a:ea typeface="Lato"/>
+              <a:cs typeface="Lato"/>
+            </a:endParaRPr>
+          </a:p>
+        </p:txBody>
+      </p:sp>
+    </p:spTree>
+  </p:cSld>
+  <p:clrMapOvr>
+    <a:masterClrMapping/>
+  </p:clrMapOvr>
+  <mc:AlternateContent xmlns:mc="http://schemas.openxmlformats.org/markup-compatibility/2006">
+    <mc:Choice xmlns:p159="http://schemas.microsoft.com/office/powerpoint/2015/09/main" xmlns:p14="http://schemas.microsoft.com/office/powerpoint/2010/main" Requires="p159">
+      <p:transition p14:dur="2000" advClick="1"/>
+    </mc:Choice>
+    <mc:Fallback>
+      <p:transition advClick="1"/>
+    </mc:Fallback>
+  </mc:AlternateContent>
+</p:sld>
+</file>
+
+<file path=ppt/slides/slide2.xml><?xml version="1.0" encoding="utf-8"?>
+<p:sld xmlns:a="http://schemas.openxmlformats.org/drawingml/2006/main" xmlns:r="http://schemas.openxmlformats.org/officeDocument/2006/relationships" xmlns:p="http://schemas.openxmlformats.org/presentationml/2006/main" xmlns:m="http://schemas.openxmlformats.org/officeDocument/2006/math" xmlns:w="http://schemas.openxmlformats.org/wordprocessingml/2006/main" showMasterPhAnim="0" show="1">
+  <p:cSld name="">
+    <p:bg>
+      <p:bgPr shadeToTitle="0">
+        <a:solidFill>
+          <a:srgbClr val="F8F8F8"/>
+        </a:solidFill>
+      </p:bgPr>
+    </p:bg>
+    <p:spTree>
+      <p:nvGrpSpPr>
+        <p:cNvPr id="1" name=""/>
+        <p:cNvGrpSpPr/>
+        <p:nvPr/>
+      </p:nvGrpSpPr>
+      <p:grpSpPr bwMode="auto">
+        <a:xfrm>
+          <a:off x="0" y="0"/>
+          <a:ext cx="0" cy="0"/>
+          <a:chOff x="0" y="0"/>
+          <a:chExt cx="0" cy="0"/>
+        </a:xfrm>
+      </p:grpSpPr>
+      <p:sp>
+        <p:nvSpPr>
+          <p:cNvPr id="94" name="Google Shape;94;p11"/>
+          <p:cNvSpPr txBox="1"/>
+          <p:nvPr/>
+        </p:nvSpPr>
+        <p:spPr bwMode="auto">
+          <a:xfrm>
+            <a:off x="666475" y="649200"/>
+            <a:ext cx="4714500" cy="715500"/>
+          </a:xfrm>
+          <a:prstGeom prst="rect">
+            <a:avLst/>
+          </a:prstGeom>
+          <a:noFill/>
+          <a:ln>
+            <a:noFill/>
+          </a:ln>
+        </p:spPr>
+        <p:txBody>
+          <a:bodyPr spcFirstLastPara="1" wrap="square" lIns="91425" tIns="91425" rIns="91425" bIns="91425" anchor="t" anchorCtr="0">
+            <a:noAutofit/>
+          </a:bodyPr>
+          <a:lstStyle/>
+          <a:p>
+            <a:pPr marL="0" lvl="0" indent="0" algn="ctr">
+              <a:spcBef>
+                <a:spcPts val="0"/>
+              </a:spcBef>
+              <a:spcAft>
+                <a:spcPts val="0"/>
+              </a:spcAft>
+              <a:buNone/>
+              <a:defRPr/>
             </a:pPr>
             <a:r>
               <a:rPr lang="en-US" sz="3600">
@@ -7030,7 +7305,6 @@
                 <a:latin typeface="Nunito ExtraBold"/>
                 <a:ea typeface="Nunito ExtraBold"/>
                 <a:cs typeface="Nunito ExtraBold"/>
-                <a:sym typeface="Nunito ExtraBold"/>
               </a:rPr>
               <a:t>AGENDA</a:t>
             </a:r>
@@ -7041,7 +7315,6 @@
               <a:latin typeface="Nunito ExtraBold"/>
               <a:ea typeface="Nunito ExtraBold"/>
               <a:cs typeface="Nunito ExtraBold"/>
-              <a:sym typeface="Nunito ExtraBold"/>
             </a:endParaRPr>
           </a:p>
         </p:txBody>
@@ -7052,7 +7325,7 @@
           <p:cNvSpPr/>
           <p:nvPr/>
         </p:nvSpPr>
-        <p:spPr>
+        <p:spPr bwMode="auto">
           <a:xfrm>
             <a:off x="289550" y="891300"/>
             <a:ext cx="293700" cy="384000"/>
@@ -7075,20 +7348,20 @@
           </a:bodyPr>
           <a:lstStyle/>
           <a:p>
-            <a:pPr marL="0" lvl="0" indent="0" algn="ctr" rtl="0">
-              <a:spcBef>
-                <a:spcPts val="0"/>
-              </a:spcBef>
-              <a:spcAft>
-                <a:spcPts val="0"/>
-              </a:spcAft>
-              <a:buNone/>
+            <a:pPr marL="0" lvl="0" indent="0" algn="ctr">
+              <a:spcBef>
+                <a:spcPts val="0"/>
+              </a:spcBef>
+              <a:spcAft>
+                <a:spcPts val="0"/>
+              </a:spcAft>
+              <a:buNone/>
+              <a:defRPr/>
             </a:pPr>
             <a:endParaRPr>
               <a:latin typeface="Lato"/>
               <a:ea typeface="Lato"/>
               <a:cs typeface="Lato"/>
-              <a:sym typeface="Lato"/>
             </a:endParaRPr>
           </a:p>
         </p:txBody>
@@ -7099,7 +7372,7 @@
           <p:cNvSpPr/>
           <p:nvPr/>
         </p:nvSpPr>
-        <p:spPr>
+        <p:spPr bwMode="auto">
           <a:xfrm>
             <a:off x="758725" y="4383100"/>
             <a:ext cx="293700" cy="384000"/>
@@ -7122,20 +7395,20 @@
           </a:bodyPr>
           <a:lstStyle/>
           <a:p>
-            <a:pPr marL="0" lvl="0" indent="0" algn="ctr" rtl="0">
-              <a:spcBef>
-                <a:spcPts val="0"/>
-              </a:spcBef>
-              <a:spcAft>
-                <a:spcPts val="0"/>
-              </a:spcAft>
-              <a:buNone/>
+            <a:pPr marL="0" lvl="0" indent="0" algn="ctr">
+              <a:spcBef>
+                <a:spcPts val="0"/>
+              </a:spcBef>
+              <a:spcAft>
+                <a:spcPts val="0"/>
+              </a:spcAft>
+              <a:buNone/>
+              <a:defRPr/>
             </a:pPr>
             <a:endParaRPr>
               <a:latin typeface="Lato"/>
               <a:ea typeface="Lato"/>
               <a:cs typeface="Lato"/>
-              <a:sym typeface="Lato"/>
             </a:endParaRPr>
           </a:p>
         </p:txBody>
@@ -7143,17 +7416,15 @@
       <p:pic>
         <p:nvPicPr>
           <p:cNvPr id="97" name="Google Shape;97;p11"/>
-          <p:cNvPicPr preferRelativeResize="0"/>
+          <p:cNvPicPr/>
           <p:nvPr/>
         </p:nvPicPr>
-        <p:blipFill rotWithShape="1">
-          <a:blip r:embed="rId1"/>
-          <a:srcRect l="44196" r="1029" b="1797"/>
-          <a:stretch>
-            <a:fillRect/>
-          </a:stretch>
+        <p:blipFill>
+          <a:blip r:embed="rId3"/>
+          <a:srcRect l="44196" t="0" r="1028" b="1796"/>
+          <a:stretch/>
         </p:blipFill>
-        <p:spPr>
+        <p:spPr bwMode="auto">
           <a:xfrm rot="10800000">
             <a:off x="7081500" y="0"/>
             <a:ext cx="2062500" cy="2451900"/>
@@ -7173,7 +7444,7 @@
           <p:cNvSpPr txBox="1"/>
           <p:nvPr/>
         </p:nvSpPr>
-        <p:spPr>
+        <p:spPr bwMode="auto">
           <a:xfrm>
             <a:off x="1695075" y="1586275"/>
             <a:ext cx="478200" cy="456300"/>
@@ -7198,14 +7469,15 @@
           </a:bodyPr>
           <a:lstStyle/>
           <a:p>
-            <a:pPr marL="0" lvl="0" indent="0" algn="ctr" rtl="0">
-              <a:spcBef>
-                <a:spcPts val="0"/>
-              </a:spcBef>
-              <a:spcAft>
-                <a:spcPts val="0"/>
-              </a:spcAft>
-              <a:buNone/>
+            <a:pPr marL="0" lvl="0" indent="0" algn="ctr">
+              <a:spcBef>
+                <a:spcPts val="0"/>
+              </a:spcBef>
+              <a:spcAft>
+                <a:spcPts val="0"/>
+              </a:spcAft>
+              <a:buNone/>
+              <a:defRPr/>
             </a:pPr>
             <a:r>
               <a:rPr lang="en-US" sz="1800">
@@ -7215,7 +7487,6 @@
                 <a:latin typeface="Nunito Black"/>
                 <a:ea typeface="Nunito Black"/>
                 <a:cs typeface="Nunito Black"/>
-                <a:sym typeface="Nunito Black"/>
               </a:rPr>
               <a:t>1</a:t>
             </a:r>
@@ -7226,7 +7497,6 @@
               <a:latin typeface="Nunito Black"/>
               <a:ea typeface="Nunito Black"/>
               <a:cs typeface="Nunito Black"/>
-              <a:sym typeface="Nunito Black"/>
             </a:endParaRPr>
           </a:p>
         </p:txBody>
@@ -7237,7 +7507,7 @@
           <p:cNvSpPr txBox="1"/>
           <p:nvPr/>
         </p:nvSpPr>
-        <p:spPr>
+        <p:spPr bwMode="auto">
           <a:xfrm>
             <a:off x="2279875" y="1622425"/>
             <a:ext cx="4801500" cy="384000"/>
@@ -7256,14 +7526,15 @@
           </a:bodyPr>
           <a:lstStyle/>
           <a:p>
-            <a:pPr marL="0" lvl="0" indent="0" algn="l" rtl="0">
-              <a:spcBef>
-                <a:spcPts val="0"/>
-              </a:spcBef>
-              <a:spcAft>
-                <a:spcPts val="0"/>
-              </a:spcAft>
-              <a:buNone/>
+            <a:pPr marL="0" lvl="0" indent="0" algn="l">
+              <a:spcBef>
+                <a:spcPts val="0"/>
+              </a:spcBef>
+              <a:spcAft>
+                <a:spcPts val="0"/>
+              </a:spcAft>
+              <a:buNone/>
+              <a:defRPr/>
             </a:pPr>
             <a:r>
               <a:rPr lang="en-US" sz="2000" b="1">
@@ -7273,7 +7544,6 @@
                 <a:latin typeface="Nunito"/>
                 <a:ea typeface="Nunito"/>
                 <a:cs typeface="Nunito"/>
-                <a:sym typeface="Nunito"/>
               </a:rPr>
               <a:t>Introducci</a:t>
             </a:r>
@@ -7285,7 +7555,6 @@
                 <a:latin typeface="Nunito"/>
                 <a:ea typeface="Nunito"/>
                 <a:cs typeface="Nunito"/>
-                <a:sym typeface="Nunito"/>
               </a:rPr>
               <a:t>ón a Linux</a:t>
             </a:r>
@@ -7296,7 +7565,6 @@
               <a:latin typeface="Nunito"/>
               <a:ea typeface="Nunito"/>
               <a:cs typeface="Nunito"/>
-              <a:sym typeface="Nunito"/>
             </a:endParaRPr>
           </a:p>
         </p:txBody>
@@ -7307,7 +7575,7 @@
           <p:cNvSpPr txBox="1"/>
           <p:nvPr/>
         </p:nvSpPr>
-        <p:spPr>
+        <p:spPr bwMode="auto">
           <a:xfrm>
             <a:off x="1695075" y="2426450"/>
             <a:ext cx="478200" cy="456300"/>
@@ -7332,14 +7600,15 @@
           </a:bodyPr>
           <a:lstStyle/>
           <a:p>
-            <a:pPr marL="0" lvl="0" indent="0" algn="ctr" rtl="0">
-              <a:spcBef>
-                <a:spcPts val="0"/>
-              </a:spcBef>
-              <a:spcAft>
-                <a:spcPts val="0"/>
-              </a:spcAft>
-              <a:buNone/>
+            <a:pPr marL="0" lvl="0" indent="0" algn="ctr">
+              <a:spcBef>
+                <a:spcPts val="0"/>
+              </a:spcBef>
+              <a:spcAft>
+                <a:spcPts val="0"/>
+              </a:spcAft>
+              <a:buNone/>
+              <a:defRPr/>
             </a:pPr>
             <a:r>
               <a:rPr lang="en-US" sz="1800">
@@ -7349,7 +7618,6 @@
                 <a:latin typeface="Nunito Black"/>
                 <a:ea typeface="Nunito Black"/>
                 <a:cs typeface="Nunito Black"/>
-                <a:sym typeface="Nunito Black"/>
               </a:rPr>
               <a:t>2</a:t>
             </a:r>
@@ -7360,7 +7628,6 @@
               <a:latin typeface="Nunito Black"/>
               <a:ea typeface="Nunito Black"/>
               <a:cs typeface="Nunito Black"/>
-              <a:sym typeface="Nunito Black"/>
             </a:endParaRPr>
           </a:p>
         </p:txBody>
@@ -7371,7 +7638,7 @@
           <p:cNvSpPr txBox="1"/>
           <p:nvPr/>
         </p:nvSpPr>
-        <p:spPr>
+        <p:spPr bwMode="auto">
           <a:xfrm>
             <a:off x="1695075" y="3266638"/>
             <a:ext cx="478200" cy="456300"/>
@@ -7396,14 +7663,15 @@
           </a:bodyPr>
           <a:lstStyle/>
           <a:p>
-            <a:pPr marL="0" lvl="0" indent="0" algn="ctr" rtl="0">
-              <a:spcBef>
-                <a:spcPts val="0"/>
-              </a:spcBef>
-              <a:spcAft>
-                <a:spcPts val="0"/>
-              </a:spcAft>
-              <a:buNone/>
+            <a:pPr marL="0" lvl="0" indent="0" algn="ctr">
+              <a:spcBef>
+                <a:spcPts val="0"/>
+              </a:spcBef>
+              <a:spcAft>
+                <a:spcPts val="0"/>
+              </a:spcAft>
+              <a:buNone/>
+              <a:defRPr/>
             </a:pPr>
             <a:r>
               <a:rPr lang="en-US" sz="1800">
@@ -7413,7 +7681,6 @@
                 <a:latin typeface="Nunito Black"/>
                 <a:ea typeface="Nunito Black"/>
                 <a:cs typeface="Nunito Black"/>
-                <a:sym typeface="Nunito Black"/>
               </a:rPr>
               <a:t>3</a:t>
             </a:r>
@@ -7424,7 +7691,6 @@
               <a:latin typeface="Nunito Black"/>
               <a:ea typeface="Nunito Black"/>
               <a:cs typeface="Nunito Black"/>
-              <a:sym typeface="Nunito Black"/>
             </a:endParaRPr>
           </a:p>
         </p:txBody>
@@ -7435,7 +7701,7 @@
           <p:cNvSpPr txBox="1"/>
           <p:nvPr/>
         </p:nvSpPr>
-        <p:spPr>
+        <p:spPr bwMode="auto">
           <a:xfrm>
             <a:off x="2279650" y="3291840"/>
             <a:ext cx="3872865" cy="384175"/>
@@ -7454,14 +7720,15 @@
           </a:bodyPr>
           <a:lstStyle/>
           <a:p>
-            <a:pPr marL="0" lvl="0" indent="0" algn="l" rtl="0">
-              <a:spcBef>
-                <a:spcPts val="0"/>
-              </a:spcBef>
-              <a:spcAft>
-                <a:spcPts val="0"/>
-              </a:spcAft>
-              <a:buNone/>
+            <a:pPr marL="0" lvl="0" indent="0" algn="l">
+              <a:spcBef>
+                <a:spcPts val="0"/>
+              </a:spcBef>
+              <a:spcAft>
+                <a:spcPts val="0"/>
+              </a:spcAft>
+              <a:buNone/>
+              <a:defRPr/>
             </a:pPr>
             <a:r>
               <a:rPr lang="en-US" sz="2000" b="1">
@@ -7471,7 +7738,6 @@
                 <a:latin typeface="Nunito"/>
                 <a:ea typeface="Nunito"/>
                 <a:cs typeface="Nunito"/>
-                <a:sym typeface="Nunito"/>
               </a:rPr>
               <a:t>Práctica Dockerización </a:t>
             </a:r>
@@ -7482,7 +7748,6 @@
               <a:latin typeface="Nunito"/>
               <a:ea typeface="Nunito"/>
               <a:cs typeface="Nunito"/>
-              <a:sym typeface="Nunito"/>
             </a:endParaRPr>
           </a:p>
         </p:txBody>
@@ -7493,7 +7758,7 @@
           <p:cNvSpPr txBox="1"/>
           <p:nvPr/>
         </p:nvSpPr>
-        <p:spPr>
+        <p:spPr bwMode="auto">
           <a:xfrm>
             <a:off x="2279875" y="2488175"/>
             <a:ext cx="3101100" cy="384000"/>
@@ -7512,7 +7777,7 @@
           </a:bodyPr>
           <a:lstStyle/>
           <a:p>
-            <a:pPr marL="0" lvl="0" indent="0" algn="l" rtl="0">
+            <a:pPr marL="0" lvl="0" indent="0" algn="l">
               <a:spcBef>
                 <a:spcPts val="0"/>
               </a:spcBef>
@@ -7523,8 +7788,9 @@
                 <a:schemeClr val="dk1"/>
               </a:buClr>
               <a:buSzPts val="1100"/>
-              <a:buFont typeface="Arial" panose="020B0604020202020204"/>
-              <a:buNone/>
+              <a:buFont typeface="Arial"/>
+              <a:buNone/>
+              <a:defRPr/>
             </a:pPr>
             <a:r>
               <a:rPr lang="en-US" sz="2000" b="1">
@@ -7534,7 +7800,6 @@
                 <a:latin typeface="Nunito"/>
                 <a:ea typeface="Nunito"/>
                 <a:cs typeface="Nunito"/>
-                <a:sym typeface="Nunito"/>
               </a:rPr>
               <a:t>Contenedores Docker</a:t>
             </a:r>
@@ -7545,7 +7810,6 @@
               <a:latin typeface="Nunito"/>
               <a:ea typeface="Nunito"/>
               <a:cs typeface="Nunito"/>
-              <a:sym typeface="Nunito"/>
             </a:endParaRPr>
           </a:p>
         </p:txBody>
@@ -7555,27 +7819,34 @@
   <p:clrMapOvr>
     <a:masterClrMapping/>
   </p:clrMapOvr>
+  <mc:AlternateContent xmlns:mc="http://schemas.openxmlformats.org/markup-compatibility/2006">
+    <mc:Choice xmlns:p159="http://schemas.microsoft.com/office/powerpoint/2015/09/main" xmlns:p14="http://schemas.microsoft.com/office/powerpoint/2010/main" Requires="p159">
+      <p:transition p14:dur="2000" advClick="1"/>
+    </mc:Choice>
+    <mc:Fallback>
+      <p:transition advClick="1"/>
+    </mc:Fallback>
+  </mc:AlternateContent>
 </p:sld>
 </file>
 
 <file path=ppt/slides/slide3.xml><?xml version="1.0" encoding="utf-8"?>
-<p:sld xmlns:a="http://schemas.openxmlformats.org/drawingml/2006/main" xmlns:r="http://schemas.openxmlformats.org/officeDocument/2006/relationships" xmlns:p="http://schemas.openxmlformats.org/presentationml/2006/main">
-  <p:cSld>
+<p:sld xmlns:a="http://schemas.openxmlformats.org/drawingml/2006/main" xmlns:r="http://schemas.openxmlformats.org/officeDocument/2006/relationships" xmlns:p="http://schemas.openxmlformats.org/presentationml/2006/main" xmlns:m="http://schemas.openxmlformats.org/officeDocument/2006/math" xmlns:w="http://schemas.openxmlformats.org/wordprocessingml/2006/main" showMasterPhAnim="0" show="1">
+  <p:cSld name="">
     <p:bg>
-      <p:bgPr>
+      <p:bgPr shadeToTitle="0">
         <a:solidFill>
           <a:srgbClr val="F8F8F8"/>
         </a:solidFill>
-        <a:effectLst/>
       </p:bgPr>
     </p:bg>
     <p:spTree>
       <p:nvGrpSpPr>
-        <p:cNvPr id="109" name="Shape 109"/>
+        <p:cNvPr id="1" name=""/>
         <p:cNvGrpSpPr/>
         <p:nvPr/>
       </p:nvGrpSpPr>
-      <p:grpSpPr>
+      <p:grpSpPr bwMode="auto">
         <a:xfrm>
           <a:off x="0" y="0"/>
           <a:ext cx="0" cy="0"/>
@@ -7586,16 +7857,14 @@
       <p:pic>
         <p:nvPicPr>
           <p:cNvPr id="110" name="Google Shape;110;p12"/>
-          <p:cNvPicPr preferRelativeResize="0"/>
+          <p:cNvPicPr/>
           <p:nvPr/>
         </p:nvPicPr>
         <p:blipFill>
-          <a:blip r:embed="rId1"/>
-          <a:stretch>
-            <a:fillRect/>
-          </a:stretch>
+          <a:blip r:embed="rId3"/>
+          <a:stretch/>
         </p:blipFill>
-        <p:spPr>
+        <p:spPr bwMode="auto">
           <a:xfrm>
             <a:off x="0" y="0"/>
             <a:ext cx="9144001" cy="5143500"/>
@@ -7615,7 +7884,7 @@
           <p:cNvSpPr/>
           <p:nvPr/>
         </p:nvSpPr>
-        <p:spPr>
+        <p:spPr bwMode="auto">
           <a:xfrm>
             <a:off x="856500" y="0"/>
             <a:ext cx="8287500" cy="5143500"/>
@@ -7636,29 +7905,34 @@
           </a:bodyPr>
           <a:lstStyle/>
           <a:p>
-            <a:pPr marL="0" lvl="0" indent="0" algn="ctr" rtl="0">
-              <a:spcBef>
-                <a:spcPts val="0"/>
-              </a:spcBef>
-              <a:spcAft>
-                <a:spcPts val="0"/>
-              </a:spcAft>
-              <a:buNone/>
-            </a:pPr>
-          </a:p>
-          <a:p>
-            <a:pPr marL="0" lvl="0" indent="0" algn="ctr" rtl="0">
-              <a:spcBef>
-                <a:spcPts val="0"/>
-              </a:spcBef>
-              <a:spcAft>
-                <a:spcPts val="0"/>
-              </a:spcAft>
-              <a:buNone/>
+            <a:pPr marL="0" lvl="0" indent="0" algn="ctr">
+              <a:spcBef>
+                <a:spcPts val="0"/>
+              </a:spcBef>
+              <a:spcAft>
+                <a:spcPts val="0"/>
+              </a:spcAft>
+              <a:buNone/>
+              <a:defRPr/>
+            </a:pPr>
+            <a:endParaRPr/>
+          </a:p>
+          <a:p>
+            <a:pPr marL="0" lvl="0" indent="0" algn="ctr">
+              <a:spcBef>
+                <a:spcPts val="0"/>
+              </a:spcBef>
+              <a:spcAft>
+                <a:spcPts val="0"/>
+              </a:spcAft>
+              <a:buNone/>
+              <a:defRPr/>
             </a:pPr>
             <a:r>
+              <a:rPr/>
               <a:t>https://github.com/n-p-hub/claseDocker2024</a:t>
             </a:r>
+            <a:endParaRPr/>
           </a:p>
         </p:txBody>
       </p:sp>
@@ -7668,7 +7942,7 @@
           <p:cNvSpPr txBox="1"/>
           <p:nvPr/>
         </p:nvSpPr>
-        <p:spPr>
+        <p:spPr bwMode="auto">
           <a:xfrm>
             <a:off x="1502150" y="776000"/>
             <a:ext cx="6192000" cy="431100"/>
@@ -7687,7 +7961,7 @@
           </a:bodyPr>
           <a:lstStyle/>
           <a:p>
-            <a:pPr marL="0" marR="0" lvl="0" indent="0" algn="l" rtl="0">
+            <a:pPr marL="0" marR="0" lvl="0" indent="0" algn="l">
               <a:lnSpc>
                 <a:spcPct val="100000"/>
               </a:lnSpc>
@@ -7698,6 +7972,7 @@
                 <a:spcPts val="0"/>
               </a:spcAft>
               <a:buNone/>
+              <a:defRPr/>
             </a:pPr>
             <a:endParaRPr sz="1600" b="1">
               <a:solidFill>
@@ -7706,7 +7981,6 @@
               <a:latin typeface="Nunito"/>
               <a:ea typeface="Nunito"/>
               <a:cs typeface="Nunito"/>
-              <a:sym typeface="Nunito"/>
             </a:endParaRPr>
           </a:p>
         </p:txBody>
@@ -7717,9 +7991,9 @@
           <p:cNvSpPr txBox="1"/>
           <p:nvPr/>
         </p:nvSpPr>
-        <p:spPr>
-          <a:xfrm>
-            <a:off x="903300" y="145025"/>
+        <p:spPr bwMode="auto">
+          <a:xfrm>
+            <a:off x="903299" y="145024"/>
             <a:ext cx="8240700" cy="796800"/>
           </a:xfrm>
           <a:prstGeom prst="rect">
@@ -7736,14 +8010,15 @@
           </a:bodyPr>
           <a:lstStyle/>
           <a:p>
-            <a:pPr marL="0" lvl="0" indent="0" algn="ctr" rtl="0">
-              <a:spcBef>
-                <a:spcPts val="0"/>
-              </a:spcBef>
-              <a:spcAft>
-                <a:spcPts val="0"/>
-              </a:spcAft>
-              <a:buNone/>
+            <a:pPr marL="0" lvl="0" indent="0" algn="ctr">
+              <a:spcBef>
+                <a:spcPts val="0"/>
+              </a:spcBef>
+              <a:spcAft>
+                <a:spcPts val="0"/>
+              </a:spcAft>
+              <a:buNone/>
+              <a:defRPr/>
             </a:pPr>
             <a:r>
               <a:rPr lang="en-US" sz="2400">
@@ -7753,7 +8028,6 @@
                 <a:latin typeface="Nunito ExtraBold"/>
                 <a:ea typeface="Nunito ExtraBold"/>
                 <a:cs typeface="Nunito ExtraBold"/>
-                <a:sym typeface="Nunito ExtraBold"/>
               </a:rPr>
               <a:t>Repositorio de Referencia</a:t>
             </a:r>
@@ -7764,7 +8038,6 @@
               <a:latin typeface="Nunito ExtraBold"/>
               <a:ea typeface="Nunito ExtraBold"/>
               <a:cs typeface="Nunito ExtraBold"/>
-              <a:sym typeface="Nunito ExtraBold"/>
             </a:endParaRPr>
           </a:p>
         </p:txBody>
@@ -7778,12 +8051,10 @@
           <p:nvPr/>
         </p:nvPicPr>
         <p:blipFill>
-          <a:blip r:embed="rId2"/>
-          <a:stretch>
-            <a:fillRect/>
-          </a:stretch>
+          <a:blip r:embed="rId4"/>
+          <a:stretch/>
         </p:blipFill>
-        <p:spPr>
+        <p:spPr bwMode="auto">
           <a:xfrm>
             <a:off x="4490720" y="1360170"/>
             <a:ext cx="1066800" cy="1066800"/>
@@ -7798,27 +8069,34 @@
   <p:clrMapOvr>
     <a:masterClrMapping/>
   </p:clrMapOvr>
+  <mc:AlternateContent xmlns:mc="http://schemas.openxmlformats.org/markup-compatibility/2006">
+    <mc:Choice xmlns:p159="http://schemas.microsoft.com/office/powerpoint/2015/09/main" xmlns:p14="http://schemas.microsoft.com/office/powerpoint/2010/main" Requires="p159">
+      <p:transition p14:dur="2000" advClick="1"/>
+    </mc:Choice>
+    <mc:Fallback>
+      <p:transition advClick="1"/>
+    </mc:Fallback>
+  </mc:AlternateContent>
 </p:sld>
 </file>
 
 <file path=ppt/slides/slide4.xml><?xml version="1.0" encoding="utf-8"?>
-<p:sld xmlns:a="http://schemas.openxmlformats.org/drawingml/2006/main" xmlns:r="http://schemas.openxmlformats.org/officeDocument/2006/relationships" xmlns:p="http://schemas.openxmlformats.org/presentationml/2006/main">
-  <p:cSld>
+<p:sld xmlns:a="http://schemas.openxmlformats.org/drawingml/2006/main" xmlns:r="http://schemas.openxmlformats.org/officeDocument/2006/relationships" xmlns:p="http://schemas.openxmlformats.org/presentationml/2006/main" xmlns:m="http://schemas.openxmlformats.org/officeDocument/2006/math" xmlns:w="http://schemas.openxmlformats.org/wordprocessingml/2006/main" showMasterPhAnim="0" show="1">
+  <p:cSld name="">
     <p:bg>
-      <p:bgPr>
+      <p:bgPr shadeToTitle="0">
         <a:solidFill>
           <a:srgbClr val="F8F8F8"/>
         </a:solidFill>
-        <a:effectLst/>
       </p:bgPr>
     </p:bg>
     <p:spTree>
       <p:nvGrpSpPr>
-        <p:cNvPr id="117" name="Shape 117"/>
+        <p:cNvPr id="1" name=""/>
         <p:cNvGrpSpPr/>
         <p:nvPr/>
       </p:nvGrpSpPr>
-      <p:grpSpPr>
+      <p:grpSpPr bwMode="auto">
         <a:xfrm>
           <a:off x="0" y="0"/>
           <a:ext cx="0" cy="0"/>
@@ -7829,16 +8107,14 @@
       <p:pic>
         <p:nvPicPr>
           <p:cNvPr id="118" name="Google Shape;118;p13"/>
-          <p:cNvPicPr preferRelativeResize="0"/>
+          <p:cNvPicPr/>
           <p:nvPr/>
         </p:nvPicPr>
         <p:blipFill>
-          <a:blip r:embed="rId1"/>
-          <a:stretch>
-            <a:fillRect/>
-          </a:stretch>
+          <a:blip r:embed="rId3"/>
+          <a:stretch/>
         </p:blipFill>
-        <p:spPr>
+        <p:spPr bwMode="auto">
           <a:xfrm>
             <a:off x="0" y="0"/>
             <a:ext cx="9144001" cy="5143500"/>
@@ -7858,7 +8134,7 @@
           <p:cNvSpPr/>
           <p:nvPr/>
         </p:nvSpPr>
-        <p:spPr>
+        <p:spPr bwMode="auto">
           <a:xfrm>
             <a:off x="856500" y="0"/>
             <a:ext cx="8287500" cy="5143500"/>
@@ -7879,15 +8155,17 @@
           </a:bodyPr>
           <a:lstStyle/>
           <a:p>
-            <a:pPr marL="0" lvl="0" indent="0" algn="ctr" rtl="0">
-              <a:spcBef>
-                <a:spcPts val="0"/>
-              </a:spcBef>
-              <a:spcAft>
-                <a:spcPts val="0"/>
-              </a:spcAft>
-              <a:buNone/>
-            </a:pPr>
+            <a:pPr marL="0" lvl="0" indent="0" algn="ctr">
+              <a:spcBef>
+                <a:spcPts val="0"/>
+              </a:spcBef>
+              <a:spcAft>
+                <a:spcPts val="0"/>
+              </a:spcAft>
+              <a:buNone/>
+              <a:defRPr/>
+            </a:pPr>
+            <a:endParaRPr/>
           </a:p>
         </p:txBody>
       </p:sp>
@@ -7897,7 +8175,7 @@
           <p:cNvSpPr txBox="1"/>
           <p:nvPr/>
         </p:nvSpPr>
-        <p:spPr>
+        <p:spPr bwMode="auto">
           <a:xfrm>
             <a:off x="1502150" y="776000"/>
             <a:ext cx="6192000" cy="431100"/>
@@ -7916,7 +8194,7 @@
           </a:bodyPr>
           <a:lstStyle/>
           <a:p>
-            <a:pPr marL="0" marR="0" lvl="0" indent="0" algn="l" rtl="0">
+            <a:pPr marL="0" marR="0" lvl="0" indent="0" algn="l">
               <a:lnSpc>
                 <a:spcPct val="100000"/>
               </a:lnSpc>
@@ -7927,6 +8205,7 @@
                 <a:spcPts val="0"/>
               </a:spcAft>
               <a:buNone/>
+              <a:defRPr/>
             </a:pPr>
             <a:endParaRPr sz="1600" b="1">
               <a:solidFill>
@@ -7935,7 +8214,6 @@
               <a:latin typeface="Nunito"/>
               <a:ea typeface="Nunito"/>
               <a:cs typeface="Nunito"/>
-              <a:sym typeface="Nunito"/>
             </a:endParaRPr>
           </a:p>
         </p:txBody>
@@ -7946,9 +8224,9 @@
           <p:cNvSpPr txBox="1"/>
           <p:nvPr/>
         </p:nvSpPr>
-        <p:spPr>
-          <a:xfrm>
-            <a:off x="903300" y="145025"/>
+        <p:spPr bwMode="auto">
+          <a:xfrm>
+            <a:off x="903299" y="145024"/>
             <a:ext cx="8240700" cy="796800"/>
           </a:xfrm>
           <a:prstGeom prst="rect">
@@ -7965,14 +8243,15 @@
           </a:bodyPr>
           <a:lstStyle/>
           <a:p>
-            <a:pPr marL="0" lvl="0" indent="0" algn="ctr" rtl="0">
-              <a:spcBef>
-                <a:spcPts val="0"/>
-              </a:spcBef>
-              <a:spcAft>
-                <a:spcPts val="0"/>
-              </a:spcAft>
-              <a:buNone/>
+            <a:pPr marL="0" lvl="0" indent="0" algn="ctr">
+              <a:spcBef>
+                <a:spcPts val="0"/>
+              </a:spcBef>
+              <a:spcAft>
+                <a:spcPts val="0"/>
+              </a:spcAft>
+              <a:buNone/>
+              <a:defRPr/>
             </a:pPr>
             <a:r>
               <a:rPr lang="en-US" sz="2400">
@@ -7982,7 +8261,6 @@
                 <a:latin typeface="Nunito ExtraBold"/>
                 <a:ea typeface="Nunito ExtraBold"/>
                 <a:cs typeface="Nunito ExtraBold"/>
-                <a:sym typeface="Nunito ExtraBold"/>
               </a:rPr>
               <a:t>VMs vs Docker</a:t>
             </a:r>
@@ -7993,7 +8271,6 @@
               <a:latin typeface="Nunito ExtraBold"/>
               <a:ea typeface="Nunito ExtraBold"/>
               <a:cs typeface="Nunito ExtraBold"/>
-              <a:sym typeface="Nunito ExtraBold"/>
             </a:endParaRPr>
           </a:p>
         </p:txBody>
@@ -8007,12 +8284,10 @@
           <p:nvPr/>
         </p:nvPicPr>
         <p:blipFill>
-          <a:blip r:embed="rId2"/>
-          <a:stretch>
-            <a:fillRect/>
-          </a:stretch>
+          <a:blip r:embed="rId4"/>
+          <a:stretch/>
         </p:blipFill>
-        <p:spPr>
+        <p:spPr bwMode="auto">
           <a:xfrm>
             <a:off x="1189990" y="1207135"/>
             <a:ext cx="7620000" cy="3114675"/>
@@ -8027,27 +8302,34 @@
   <p:clrMapOvr>
     <a:masterClrMapping/>
   </p:clrMapOvr>
+  <mc:AlternateContent xmlns:mc="http://schemas.openxmlformats.org/markup-compatibility/2006">
+    <mc:Choice xmlns:p159="http://schemas.microsoft.com/office/powerpoint/2015/09/main" xmlns:p14="http://schemas.microsoft.com/office/powerpoint/2010/main" Requires="p159">
+      <p:transition p14:dur="2000" advClick="1"/>
+    </mc:Choice>
+    <mc:Fallback>
+      <p:transition advClick="1"/>
+    </mc:Fallback>
+  </mc:AlternateContent>
 </p:sld>
 </file>
 
 <file path=ppt/slides/slide5.xml><?xml version="1.0" encoding="utf-8"?>
-<p:sld xmlns:a="http://schemas.openxmlformats.org/drawingml/2006/main" xmlns:r="http://schemas.openxmlformats.org/officeDocument/2006/relationships" xmlns:p="http://schemas.openxmlformats.org/presentationml/2006/main">
-  <p:cSld>
+<p:sld xmlns:a="http://schemas.openxmlformats.org/drawingml/2006/main" xmlns:r="http://schemas.openxmlformats.org/officeDocument/2006/relationships" xmlns:p="http://schemas.openxmlformats.org/presentationml/2006/main" xmlns:m="http://schemas.openxmlformats.org/officeDocument/2006/math" xmlns:w="http://schemas.openxmlformats.org/wordprocessingml/2006/main" showMasterPhAnim="0" show="1">
+  <p:cSld name="">
     <p:bg>
-      <p:bgPr>
+      <p:bgPr shadeToTitle="0">
         <a:solidFill>
           <a:srgbClr val="F8F8F8"/>
         </a:solidFill>
-        <a:effectLst/>
       </p:bgPr>
     </p:bg>
     <p:spTree>
       <p:nvGrpSpPr>
-        <p:cNvPr id="117" name="Shape 117"/>
+        <p:cNvPr id="1" name=""/>
         <p:cNvGrpSpPr/>
         <p:nvPr/>
       </p:nvGrpSpPr>
-      <p:grpSpPr>
+      <p:grpSpPr bwMode="auto">
         <a:xfrm>
           <a:off x="0" y="0"/>
           <a:ext cx="0" cy="0"/>
@@ -8058,16 +8340,14 @@
       <p:pic>
         <p:nvPicPr>
           <p:cNvPr id="118" name="Google Shape;118;p13"/>
-          <p:cNvPicPr preferRelativeResize="0"/>
+          <p:cNvPicPr/>
           <p:nvPr/>
         </p:nvPicPr>
         <p:blipFill>
-          <a:blip r:embed="rId1"/>
-          <a:stretch>
-            <a:fillRect/>
-          </a:stretch>
+          <a:blip r:embed="rId3"/>
+          <a:stretch/>
         </p:blipFill>
-        <p:spPr>
+        <p:spPr bwMode="auto">
           <a:xfrm>
             <a:off x="0" y="0"/>
             <a:ext cx="9144001" cy="5143500"/>
@@ -8087,7 +8367,7 @@
           <p:cNvSpPr/>
           <p:nvPr/>
         </p:nvSpPr>
-        <p:spPr>
+        <p:spPr bwMode="auto">
           <a:xfrm>
             <a:off x="856500" y="0"/>
             <a:ext cx="8287500" cy="5143500"/>
@@ -8108,15 +8388,17 @@
           </a:bodyPr>
           <a:lstStyle/>
           <a:p>
-            <a:pPr marL="0" lvl="0" indent="0" algn="ctr" rtl="0">
-              <a:spcBef>
-                <a:spcPts val="0"/>
-              </a:spcBef>
-              <a:spcAft>
-                <a:spcPts val="0"/>
-              </a:spcAft>
-              <a:buNone/>
-            </a:pPr>
+            <a:pPr marL="0" lvl="0" indent="0" algn="ctr">
+              <a:spcBef>
+                <a:spcPts val="0"/>
+              </a:spcBef>
+              <a:spcAft>
+                <a:spcPts val="0"/>
+              </a:spcAft>
+              <a:buNone/>
+              <a:defRPr/>
+            </a:pPr>
+            <a:endParaRPr/>
           </a:p>
         </p:txBody>
       </p:sp>
@@ -8126,7 +8408,7 @@
           <p:cNvSpPr txBox="1"/>
           <p:nvPr/>
         </p:nvSpPr>
-        <p:spPr>
+        <p:spPr bwMode="auto">
           <a:xfrm>
             <a:off x="1502150" y="776000"/>
             <a:ext cx="6192000" cy="431100"/>
@@ -8145,7 +8427,7 @@
           </a:bodyPr>
           <a:lstStyle/>
           <a:p>
-            <a:pPr marL="0" marR="0" lvl="0" indent="0" algn="l" rtl="0">
+            <a:pPr marL="0" marR="0" lvl="0" indent="0" algn="l">
               <a:lnSpc>
                 <a:spcPct val="100000"/>
               </a:lnSpc>
@@ -8156,6 +8438,7 @@
                 <a:spcPts val="0"/>
               </a:spcAft>
               <a:buNone/>
+              <a:defRPr/>
             </a:pPr>
             <a:endParaRPr sz="1600" b="1">
               <a:solidFill>
@@ -8164,7 +8447,6 @@
               <a:latin typeface="Nunito"/>
               <a:ea typeface="Nunito"/>
               <a:cs typeface="Nunito"/>
-              <a:sym typeface="Nunito"/>
             </a:endParaRPr>
           </a:p>
         </p:txBody>
@@ -8175,9 +8457,9 @@
           <p:cNvSpPr txBox="1"/>
           <p:nvPr/>
         </p:nvSpPr>
-        <p:spPr>
-          <a:xfrm>
-            <a:off x="903300" y="145025"/>
+        <p:spPr bwMode="auto">
+          <a:xfrm>
+            <a:off x="903299" y="145024"/>
             <a:ext cx="8240700" cy="796800"/>
           </a:xfrm>
           <a:prstGeom prst="rect">
@@ -8194,14 +8476,15 @@
           </a:bodyPr>
           <a:lstStyle/>
           <a:p>
-            <a:pPr marL="0" lvl="0" indent="0" algn="ctr" rtl="0">
-              <a:spcBef>
-                <a:spcPts val="0"/>
-              </a:spcBef>
-              <a:spcAft>
-                <a:spcPts val="0"/>
-              </a:spcAft>
-              <a:buNone/>
+            <a:pPr marL="0" lvl="0" indent="0" algn="ctr">
+              <a:spcBef>
+                <a:spcPts val="0"/>
+              </a:spcBef>
+              <a:spcAft>
+                <a:spcPts val="0"/>
+              </a:spcAft>
+              <a:buNone/>
+              <a:defRPr/>
             </a:pPr>
             <a:r>
               <a:rPr lang="en-US" sz="2400">
@@ -8211,7 +8494,6 @@
                 <a:latin typeface="Nunito ExtraBold"/>
                 <a:ea typeface="Nunito ExtraBold"/>
                 <a:cs typeface="Nunito ExtraBold"/>
-                <a:sym typeface="Nunito ExtraBold"/>
               </a:rPr>
               <a:t>Registry - Image - Container</a:t>
             </a:r>
@@ -8222,7 +8504,6 @@
               <a:latin typeface="Nunito ExtraBold"/>
               <a:ea typeface="Nunito ExtraBold"/>
               <a:cs typeface="Nunito ExtraBold"/>
-              <a:sym typeface="Nunito ExtraBold"/>
             </a:endParaRPr>
           </a:p>
         </p:txBody>
@@ -8236,12 +8517,10 @@
           <p:nvPr/>
         </p:nvPicPr>
         <p:blipFill>
-          <a:blip r:embed="rId2"/>
-          <a:stretch>
-            <a:fillRect/>
-          </a:stretch>
+          <a:blip r:embed="rId4"/>
+          <a:stretch/>
         </p:blipFill>
-        <p:spPr>
+        <p:spPr bwMode="auto">
           <a:xfrm>
             <a:off x="2510155" y="775970"/>
             <a:ext cx="5027930" cy="4267835"/>
@@ -8256,27 +8535,260 @@
   <p:clrMapOvr>
     <a:masterClrMapping/>
   </p:clrMapOvr>
+  <mc:AlternateContent xmlns:mc="http://schemas.openxmlformats.org/markup-compatibility/2006">
+    <mc:Choice xmlns:p159="http://schemas.microsoft.com/office/powerpoint/2015/09/main" xmlns:p14="http://schemas.microsoft.com/office/powerpoint/2010/main" Requires="p159">
+      <p:transition p14:dur="2000" advClick="1"/>
+    </mc:Choice>
+    <mc:Fallback>
+      <p:transition advClick="1"/>
+    </mc:Fallback>
+  </mc:AlternateContent>
 </p:sld>
 </file>
 
 <file path=ppt/slides/slide6.xml><?xml version="1.0" encoding="utf-8"?>
-<p:sld xmlns:a="http://schemas.openxmlformats.org/drawingml/2006/main" xmlns:r="http://schemas.openxmlformats.org/officeDocument/2006/relationships" xmlns:p="http://schemas.openxmlformats.org/presentationml/2006/main">
-  <p:cSld>
+<p:sld xmlns:a="http://schemas.openxmlformats.org/drawingml/2006/main" xmlns:r="http://schemas.openxmlformats.org/officeDocument/2006/relationships" xmlns:p="http://schemas.openxmlformats.org/presentationml/2006/main" xmlns:m="http://schemas.openxmlformats.org/officeDocument/2006/math" xmlns:w="http://schemas.openxmlformats.org/wordprocessingml/2006/main" showMasterPhAnim="0" show="1">
+  <p:cSld name="">
+    <p:spTree>
+      <p:nvGrpSpPr>
+        <p:cNvPr id="1" name=""/>
+        <p:cNvGrpSpPr/>
+        <p:nvPr/>
+      </p:nvGrpSpPr>
+      <p:grpSpPr bwMode="auto">
+        <a:xfrm>
+          <a:off x="0" y="0"/>
+          <a:ext cx="0" cy="0"/>
+          <a:chOff x="0" y="0"/>
+          <a:chExt cx="0" cy="0"/>
+        </a:xfrm>
+      </p:grpSpPr>
+      <p:pic>
+        <p:nvPicPr>
+          <p:cNvPr id="1635247967" name="Google Shape;118;p13"/>
+          <p:cNvPicPr/>
+          <p:nvPr/>
+        </p:nvPicPr>
+        <p:blipFill>
+          <a:blip r:embed="rId3"/>
+          <a:stretch/>
+        </p:blipFill>
+        <p:spPr bwMode="auto">
+          <a:xfrm>
+            <a:off x="0" y="0"/>
+            <a:ext cx="9144000" cy="5143500"/>
+          </a:xfrm>
+          <a:prstGeom prst="rect">
+            <a:avLst/>
+          </a:prstGeom>
+          <a:noFill/>
+          <a:ln>
+            <a:noFill/>
+          </a:ln>
+        </p:spPr>
+      </p:pic>
+      <p:sp>
+        <p:nvSpPr>
+          <p:cNvPr id="1218088340" name="Google Shape;119;p13"/>
+          <p:cNvSpPr/>
+          <p:nvPr/>
+        </p:nvSpPr>
+        <p:spPr bwMode="auto">
+          <a:xfrm>
+            <a:off x="856499" y="0"/>
+            <a:ext cx="8287499" cy="5143500"/>
+          </a:xfrm>
+          <a:prstGeom prst="rect">
+            <a:avLst/>
+          </a:prstGeom>
+          <a:solidFill>
+            <a:schemeClr val="lt2"/>
+          </a:solidFill>
+          <a:ln>
+            <a:noFill/>
+          </a:ln>
+        </p:spPr>
+        <p:txBody>
+          <a:bodyPr spcFirstLastPara="1" wrap="square" lIns="91424" tIns="91424" rIns="91424" bIns="91424" anchor="ctr" anchorCtr="0">
+            <a:noAutofit/>
+          </a:bodyPr>
+          <a:lstStyle/>
+          <a:p>
+            <a:pPr marL="0" lvl="0" indent="0" algn="ctr">
+              <a:spcBef>
+                <a:spcPts val="0"/>
+              </a:spcBef>
+              <a:spcAft>
+                <a:spcPts val="0"/>
+              </a:spcAft>
+              <a:buNone/>
+              <a:defRPr/>
+            </a:pPr>
+            <a:endParaRPr/>
+          </a:p>
+        </p:txBody>
+      </p:sp>
+      <p:sp>
+        <p:nvSpPr>
+          <p:cNvPr id="682903634" name="Google Shape;120;p13"/>
+          <p:cNvSpPr txBox="1"/>
+          <p:nvPr/>
+        </p:nvSpPr>
+        <p:spPr bwMode="auto">
+          <a:xfrm>
+            <a:off x="1502149" y="775999"/>
+            <a:ext cx="6192000" cy="431100"/>
+          </a:xfrm>
+          <a:prstGeom prst="rect">
+            <a:avLst/>
+          </a:prstGeom>
+          <a:noFill/>
+          <a:ln>
+            <a:noFill/>
+          </a:ln>
+        </p:spPr>
+        <p:txBody>
+          <a:bodyPr spcFirstLastPara="1" wrap="square" lIns="91424" tIns="91424" rIns="91424" bIns="91424" anchor="t" anchorCtr="0">
+            <a:spAutoFit/>
+          </a:bodyPr>
+          <a:lstStyle/>
+          <a:p>
+            <a:pPr marL="0" marR="0" lvl="0" indent="0" algn="l">
+              <a:lnSpc>
+                <a:spcPct val="100000"/>
+              </a:lnSpc>
+              <a:spcBef>
+                <a:spcPts val="0"/>
+              </a:spcBef>
+              <a:spcAft>
+                <a:spcPts val="0"/>
+              </a:spcAft>
+              <a:buNone/>
+              <a:defRPr/>
+            </a:pPr>
+            <a:endParaRPr sz="1600" b="1">
+              <a:solidFill>
+                <a:schemeClr val="accent2"/>
+              </a:solidFill>
+              <a:latin typeface="Nunito"/>
+              <a:ea typeface="Nunito"/>
+              <a:cs typeface="Nunito"/>
+            </a:endParaRPr>
+          </a:p>
+        </p:txBody>
+      </p:sp>
+      <p:sp>
+        <p:nvSpPr>
+          <p:cNvPr id="1169291571" name="Google Shape;121;p13"/>
+          <p:cNvSpPr txBox="1"/>
+          <p:nvPr/>
+        </p:nvSpPr>
+        <p:spPr bwMode="auto">
+          <a:xfrm>
+            <a:off x="903298" y="145023"/>
+            <a:ext cx="8240699" cy="796799"/>
+          </a:xfrm>
+          <a:prstGeom prst="rect">
+            <a:avLst/>
+          </a:prstGeom>
+          <a:noFill/>
+          <a:ln>
+            <a:noFill/>
+          </a:ln>
+        </p:spPr>
+        <p:txBody>
+          <a:bodyPr spcFirstLastPara="1" wrap="square" lIns="91424" tIns="91424" rIns="91424" bIns="91424" anchor="t" anchorCtr="0">
+            <a:noAutofit/>
+          </a:bodyPr>
+          <a:lstStyle/>
+          <a:p>
+            <a:pPr marL="0" lvl="0" indent="0" algn="ctr">
+              <a:spcBef>
+                <a:spcPts val="0"/>
+              </a:spcBef>
+              <a:spcAft>
+                <a:spcPts val="0"/>
+              </a:spcAft>
+              <a:buNone/>
+              <a:defRPr/>
+            </a:pPr>
+            <a:r>
+              <a:rPr lang="en-US" sz="2400">
+                <a:solidFill>
+                  <a:srgbClr val="5001BB"/>
+                </a:solidFill>
+                <a:latin typeface="Nunito ExtraBold"/>
+                <a:ea typeface="Nunito ExtraBold"/>
+                <a:cs typeface="Nunito ExtraBold"/>
+              </a:rPr>
+              <a:t>Docker Networks</a:t>
+            </a:r>
+            <a:endParaRPr sz="2400">
+              <a:solidFill>
+                <a:srgbClr val="5001BB"/>
+              </a:solidFill>
+              <a:latin typeface="Nunito ExtraBold"/>
+              <a:ea typeface="Nunito ExtraBold"/>
+              <a:cs typeface="Nunito ExtraBold"/>
+            </a:endParaRPr>
+          </a:p>
+        </p:txBody>
+      </p:sp>
+      <p:pic>
+        <p:nvPicPr>
+          <p:cNvPr id="804273604" name=""/>
+          <p:cNvPicPr>
+            <a:picLocks noChangeAspect="1"/>
+          </p:cNvPicPr>
+          <p:nvPr/>
+        </p:nvPicPr>
+        <p:blipFill>
+          <a:blip r:embed="rId4"/>
+          <a:stretch/>
+        </p:blipFill>
+        <p:spPr bwMode="auto">
+          <a:xfrm flipH="0" flipV="0">
+            <a:off x="1580277" y="991549"/>
+            <a:ext cx="6886741" cy="3436470"/>
+          </a:xfrm>
+          <a:prstGeom prst="rect">
+            <a:avLst/>
+          </a:prstGeom>
+        </p:spPr>
+      </p:pic>
+    </p:spTree>
+  </p:cSld>
+  <p:clrMapOvr>
+    <a:masterClrMapping/>
+  </p:clrMapOvr>
+  <mc:AlternateContent xmlns:mc="http://schemas.openxmlformats.org/markup-compatibility/2006">
+    <mc:Choice xmlns:p159="http://schemas.microsoft.com/office/powerpoint/2015/09/main" xmlns:p14="http://schemas.microsoft.com/office/powerpoint/2010/main" Requires="p159">
+      <p:transition p14:dur="2000" advClick="1"/>
+    </mc:Choice>
+    <mc:Fallback>
+      <p:transition advClick="1"/>
+    </mc:Fallback>
+  </mc:AlternateContent>
+</p:sld>
+</file>
+
+<file path=ppt/slides/slide7.xml><?xml version="1.0" encoding="utf-8"?>
+<p:sld xmlns:a="http://schemas.openxmlformats.org/drawingml/2006/main" xmlns:r="http://schemas.openxmlformats.org/officeDocument/2006/relationships" xmlns:p="http://schemas.openxmlformats.org/presentationml/2006/main" xmlns:m="http://schemas.openxmlformats.org/officeDocument/2006/math" xmlns:w="http://schemas.openxmlformats.org/wordprocessingml/2006/main" showMasterPhAnim="0" show="1">
+  <p:cSld name="">
     <p:bg>
-      <p:bgPr>
+      <p:bgPr shadeToTitle="0">
         <a:solidFill>
           <a:srgbClr val="F8F8F8"/>
         </a:solidFill>
-        <a:effectLst/>
       </p:bgPr>
     </p:bg>
     <p:spTree>
       <p:nvGrpSpPr>
-        <p:cNvPr id="728" name="Shape 728"/>
+        <p:cNvPr id="1" name=""/>
         <p:cNvGrpSpPr/>
         <p:nvPr/>
       </p:nvGrpSpPr>
-      <p:grpSpPr>
+      <p:grpSpPr bwMode="auto">
         <a:xfrm>
           <a:off x="0" y="0"/>
           <a:ext cx="0" cy="0"/>
@@ -8287,16 +8799,14 @@
       <p:pic>
         <p:nvPicPr>
           <p:cNvPr id="729" name="Google Shape;729;p79"/>
-          <p:cNvPicPr preferRelativeResize="0"/>
+          <p:cNvPicPr/>
           <p:nvPr/>
         </p:nvPicPr>
         <p:blipFill>
-          <a:blip r:embed="rId1"/>
-          <a:stretch>
-            <a:fillRect/>
-          </a:stretch>
+          <a:blip r:embed="rId3"/>
+          <a:stretch/>
         </p:blipFill>
-        <p:spPr>
+        <p:spPr bwMode="auto">
           <a:xfrm>
             <a:off x="0" y="0"/>
             <a:ext cx="9144001" cy="5143500"/>
@@ -8316,7 +8826,7 @@
           <p:cNvSpPr/>
           <p:nvPr/>
         </p:nvSpPr>
-        <p:spPr>
+        <p:spPr bwMode="auto">
           <a:xfrm>
             <a:off x="856500" y="0"/>
             <a:ext cx="8287500" cy="5143500"/>
@@ -8337,20 +8847,20 @@
           </a:bodyPr>
           <a:lstStyle/>
           <a:p>
-            <a:pPr marL="457200" lvl="0" indent="0" algn="just" rtl="0">
-              <a:spcBef>
-                <a:spcPts val="0"/>
-              </a:spcBef>
-              <a:spcAft>
-                <a:spcPts val="0"/>
-              </a:spcAft>
-              <a:buNone/>
+            <a:pPr marL="457200" lvl="0" indent="0" algn="just">
+              <a:spcBef>
+                <a:spcPts val="0"/>
+              </a:spcBef>
+              <a:spcAft>
+                <a:spcPts val="0"/>
+              </a:spcAft>
+              <a:buNone/>
+              <a:defRPr/>
             </a:pPr>
             <a:endParaRPr sz="1900">
               <a:latin typeface="Nunito Medium"/>
               <a:ea typeface="Nunito Medium"/>
               <a:cs typeface="Nunito Medium"/>
-              <a:sym typeface="Nunito Medium"/>
             </a:endParaRPr>
           </a:p>
         </p:txBody>
@@ -8361,7 +8871,7 @@
           <p:cNvSpPr txBox="1"/>
           <p:nvPr/>
         </p:nvSpPr>
-        <p:spPr>
+        <p:spPr bwMode="auto">
           <a:xfrm>
             <a:off x="1502150" y="776000"/>
             <a:ext cx="6192000" cy="431100"/>
@@ -8380,7 +8890,7 @@
           </a:bodyPr>
           <a:lstStyle/>
           <a:p>
-            <a:pPr marL="0" marR="0" lvl="0" indent="0" algn="l" rtl="0">
+            <a:pPr marL="0" marR="0" lvl="0" indent="0" algn="l">
               <a:lnSpc>
                 <a:spcPct val="100000"/>
               </a:lnSpc>
@@ -8391,6 +8901,7 @@
                 <a:spcPts val="0"/>
               </a:spcAft>
               <a:buNone/>
+              <a:defRPr/>
             </a:pPr>
             <a:endParaRPr sz="1600" b="1">
               <a:solidFill>
@@ -8399,7 +8910,6 @@
               <a:latin typeface="Nunito"/>
               <a:ea typeface="Nunito"/>
               <a:cs typeface="Nunito"/>
-              <a:sym typeface="Nunito"/>
             </a:endParaRPr>
           </a:p>
         </p:txBody>
@@ -8410,9 +8920,9 @@
           <p:cNvSpPr txBox="1"/>
           <p:nvPr/>
         </p:nvSpPr>
-        <p:spPr>
-          <a:xfrm>
-            <a:off x="903300" y="145025"/>
+        <p:spPr bwMode="auto">
+          <a:xfrm>
+            <a:off x="903299" y="145024"/>
             <a:ext cx="8240700" cy="796800"/>
           </a:xfrm>
           <a:prstGeom prst="rect">
@@ -8429,14 +8939,15 @@
           </a:bodyPr>
           <a:lstStyle/>
           <a:p>
-            <a:pPr marL="0" lvl="0" indent="0" algn="ctr" rtl="0">
-              <a:spcBef>
-                <a:spcPts val="0"/>
-              </a:spcBef>
-              <a:spcAft>
-                <a:spcPts val="0"/>
-              </a:spcAft>
-              <a:buNone/>
+            <a:pPr marL="0" lvl="0" indent="0" algn="ctr">
+              <a:spcBef>
+                <a:spcPts val="0"/>
+              </a:spcBef>
+              <a:spcAft>
+                <a:spcPts val="0"/>
+              </a:spcAft>
+              <a:buNone/>
+              <a:defRPr/>
             </a:pPr>
             <a:r>
               <a:rPr lang="en-US" sz="2400">
@@ -8446,7 +8957,6 @@
                 <a:latin typeface="Nunito ExtraBold"/>
                 <a:ea typeface="Nunito ExtraBold"/>
                 <a:cs typeface="Nunito ExtraBold"/>
-                <a:sym typeface="Nunito ExtraBold"/>
               </a:rPr>
               <a:t>Práctica Dockerización</a:t>
             </a:r>
@@ -8457,7 +8967,6 @@
               <a:latin typeface="Nunito ExtraBold"/>
               <a:ea typeface="Nunito ExtraBold"/>
               <a:cs typeface="Nunito ExtraBold"/>
-              <a:sym typeface="Nunito ExtraBold"/>
             </a:endParaRPr>
           </a:p>
         </p:txBody>
@@ -8468,10 +8977,10 @@
           <p:cNvSpPr txBox="1"/>
           <p:nvPr/>
         </p:nvSpPr>
-        <p:spPr>
+        <p:spPr bwMode="auto">
           <a:xfrm>
             <a:off x="1054350" y="868050"/>
-            <a:ext cx="7938600" cy="3336290"/>
+            <a:ext cx="7941479" cy="3307410"/>
           </a:xfrm>
           <a:prstGeom prst="rect">
             <a:avLst/>
@@ -8487,14 +8996,15 @@
           </a:bodyPr>
           <a:lstStyle/>
           <a:p>
-            <a:pPr marL="457200" lvl="0" indent="0" algn="just" rtl="0">
-              <a:spcBef>
-                <a:spcPts val="0"/>
-              </a:spcBef>
-              <a:spcAft>
-                <a:spcPts val="0"/>
-              </a:spcAft>
-              <a:buNone/>
+            <a:pPr marL="457200" lvl="0" indent="0" algn="just">
+              <a:spcBef>
+                <a:spcPts val="0"/>
+              </a:spcBef>
+              <a:spcAft>
+                <a:spcPts val="0"/>
+              </a:spcAft>
+              <a:buNone/>
+              <a:defRPr/>
             </a:pPr>
             <a:r>
               <a:rPr lang="en-US" sz="1800">
@@ -8504,7 +9014,6 @@
                 <a:latin typeface="Nunito"/>
                 <a:ea typeface="Nunito"/>
                 <a:cs typeface="Nunito"/>
-                <a:sym typeface="Nunito"/>
               </a:rPr>
               <a:t>Dockerizar una aplicación creada en Spring Boot subiendo la imagen al registry de Github.</a:t>
             </a:r>
@@ -8515,18 +9024,18 @@
               <a:latin typeface="Nunito"/>
               <a:ea typeface="Nunito"/>
               <a:cs typeface="Nunito"/>
-              <a:sym typeface="Nunito"/>
             </a:endParaRPr>
           </a:p>
           <a:p>
-            <a:pPr marL="457200" lvl="0" indent="0" algn="just" rtl="0">
-              <a:spcBef>
-                <a:spcPts val="0"/>
-              </a:spcBef>
-              <a:spcAft>
-                <a:spcPts val="0"/>
-              </a:spcAft>
-              <a:buNone/>
+            <a:pPr marL="457200" lvl="0" indent="0" algn="just">
+              <a:spcBef>
+                <a:spcPts val="0"/>
+              </a:spcBef>
+              <a:spcAft>
+                <a:spcPts val="0"/>
+              </a:spcAft>
+              <a:buNone/>
+              <a:defRPr/>
             </a:pPr>
             <a:endParaRPr lang="en-US" sz="1800">
               <a:solidFill>
@@ -8535,18 +9044,18 @@
               <a:latin typeface="Nunito"/>
               <a:ea typeface="Nunito"/>
               <a:cs typeface="Nunito"/>
-              <a:sym typeface="Nunito"/>
             </a:endParaRPr>
           </a:p>
           <a:p>
-            <a:pPr marL="457200" lvl="0" indent="0" algn="just" rtl="0">
-              <a:spcBef>
-                <a:spcPts val="0"/>
-              </a:spcBef>
-              <a:spcAft>
-                <a:spcPts val="0"/>
-              </a:spcAft>
-              <a:buNone/>
+            <a:pPr marL="457200" lvl="0" indent="0" algn="just">
+              <a:spcBef>
+                <a:spcPts val="0"/>
+              </a:spcBef>
+              <a:spcAft>
+                <a:spcPts val="0"/>
+              </a:spcAft>
+              <a:buNone/>
+              <a:defRPr/>
             </a:pPr>
             <a:r>
               <a:rPr lang="en-US" sz="1800">
@@ -8556,7 +9065,6 @@
                 <a:latin typeface="Nunito"/>
                 <a:ea typeface="Nunito"/>
                 <a:cs typeface="Nunito"/>
-                <a:sym typeface="Nunito"/>
               </a:rPr>
               <a:t>Utilizar de variables de entorno para la configuración de los parámetros de conezión a la base de datos.</a:t>
             </a:r>
@@ -8567,18 +9075,18 @@
               <a:latin typeface="Nunito"/>
               <a:ea typeface="Nunito"/>
               <a:cs typeface="Nunito"/>
-              <a:sym typeface="Nunito"/>
             </a:endParaRPr>
           </a:p>
           <a:p>
-            <a:pPr marL="457200" lvl="0" indent="0" algn="just" rtl="0">
-              <a:spcBef>
-                <a:spcPts val="0"/>
-              </a:spcBef>
-              <a:spcAft>
-                <a:spcPts val="0"/>
-              </a:spcAft>
-              <a:buNone/>
+            <a:pPr marL="457200" lvl="0" indent="0" algn="just">
+              <a:spcBef>
+                <a:spcPts val="0"/>
+              </a:spcBef>
+              <a:spcAft>
+                <a:spcPts val="0"/>
+              </a:spcAft>
+              <a:buNone/>
+              <a:defRPr/>
             </a:pPr>
             <a:endParaRPr lang="en-US" sz="1800">
               <a:solidFill>
@@ -8587,18 +9095,18 @@
               <a:latin typeface="Nunito"/>
               <a:ea typeface="Nunito"/>
               <a:cs typeface="Nunito"/>
-              <a:sym typeface="Nunito"/>
             </a:endParaRPr>
           </a:p>
           <a:p>
-            <a:pPr marL="457200" lvl="0" indent="0" algn="just" rtl="0">
-              <a:spcBef>
-                <a:spcPts val="0"/>
-              </a:spcBef>
-              <a:spcAft>
-                <a:spcPts val="0"/>
-              </a:spcAft>
-              <a:buNone/>
+            <a:pPr marL="457200" lvl="0" indent="0" algn="just">
+              <a:spcBef>
+                <a:spcPts val="0"/>
+              </a:spcBef>
+              <a:spcAft>
+                <a:spcPts val="0"/>
+              </a:spcAft>
+              <a:buNone/>
+              <a:defRPr/>
             </a:pPr>
             <a:r>
               <a:rPr lang="en-US" sz="1800">
@@ -8608,9 +9116,8 @@
                 <a:latin typeface="Nunito"/>
                 <a:ea typeface="Nunito"/>
                 <a:cs typeface="Nunito"/>
-                <a:sym typeface="Nunito"/>
               </a:rPr>
-              <a:t>Crear un archivo docker compose incluyendo la aplicación Spring Boot, la base de datos Mysql y de ser requerido el broker RabbitMQ.</a:t>
+              <a:t>Crear un archivo docker compose incluyendo la aplicación Spring Boot, la base de datos MariaDB y de ser requerido el broker RabbitMQ.</a:t>
             </a:r>
             <a:endParaRPr sz="1800">
               <a:solidFill>
@@ -8619,11 +9126,10 @@
               <a:latin typeface="Nunito"/>
               <a:ea typeface="Nunito"/>
               <a:cs typeface="Nunito"/>
-              <a:sym typeface="Nunito"/>
             </a:endParaRPr>
           </a:p>
           <a:p>
-            <a:pPr marL="457200" lvl="0" indent="0" algn="just" rtl="0">
+            <a:pPr marL="457200" lvl="0" indent="0" algn="just">
               <a:lnSpc>
                 <a:spcPct val="150000"/>
               </a:lnSpc>
@@ -8634,6 +9140,7 @@
                 <a:spcPts val="0"/>
               </a:spcAft>
               <a:buNone/>
+              <a:defRPr/>
             </a:pPr>
             <a:endParaRPr sz="1800">
               <a:solidFill>
@@ -8642,11 +9149,10 @@
               <a:latin typeface="Nunito"/>
               <a:ea typeface="Nunito"/>
               <a:cs typeface="Nunito"/>
-              <a:sym typeface="Nunito"/>
             </a:endParaRPr>
           </a:p>
           <a:p>
-            <a:pPr marL="457200" lvl="0" indent="0" algn="l" rtl="0">
+            <a:pPr marL="457200" lvl="0" indent="0" algn="l">
               <a:lnSpc>
                 <a:spcPct val="150000"/>
               </a:lnSpc>
@@ -8657,6 +9163,7 @@
                 <a:spcPts val="0"/>
               </a:spcAft>
               <a:buNone/>
+              <a:defRPr/>
             </a:pPr>
             <a:endParaRPr sz="1600">
               <a:solidFill>
@@ -8665,7 +9172,6 @@
               <a:latin typeface="Nunito"/>
               <a:ea typeface="Nunito"/>
               <a:cs typeface="Nunito"/>
-              <a:sym typeface="Nunito"/>
             </a:endParaRPr>
           </a:p>
         </p:txBody>
@@ -8675,27 +9181,34 @@
   <p:clrMapOvr>
     <a:masterClrMapping/>
   </p:clrMapOvr>
+  <mc:AlternateContent xmlns:mc="http://schemas.openxmlformats.org/markup-compatibility/2006">
+    <mc:Choice xmlns:p159="http://schemas.microsoft.com/office/powerpoint/2015/09/main" xmlns:p14="http://schemas.microsoft.com/office/powerpoint/2010/main" Requires="p159">
+      <p:transition p14:dur="2000" advClick="1"/>
+    </mc:Choice>
+    <mc:Fallback>
+      <p:transition advClick="1"/>
+    </mc:Fallback>
+  </mc:AlternateContent>
 </p:sld>
 </file>
 
-<file path=ppt/slides/slide7.xml><?xml version="1.0" encoding="utf-8"?>
-<p:sld xmlns:a="http://schemas.openxmlformats.org/drawingml/2006/main" xmlns:r="http://schemas.openxmlformats.org/officeDocument/2006/relationships" xmlns:p="http://schemas.openxmlformats.org/presentationml/2006/main">
-  <p:cSld>
+<file path=ppt/slides/slide8.xml><?xml version="1.0" encoding="utf-8"?>
+<p:sld xmlns:a="http://schemas.openxmlformats.org/drawingml/2006/main" xmlns:r="http://schemas.openxmlformats.org/officeDocument/2006/relationships" xmlns:p="http://schemas.openxmlformats.org/presentationml/2006/main" xmlns:m="http://schemas.openxmlformats.org/officeDocument/2006/math" xmlns:w="http://schemas.openxmlformats.org/wordprocessingml/2006/main" showMasterPhAnim="0" show="1">
+  <p:cSld name="">
     <p:bg>
-      <p:bgPr>
+      <p:bgPr shadeToTitle="0">
         <a:solidFill>
           <a:srgbClr val="F8F8F8"/>
         </a:solidFill>
-        <a:effectLst/>
       </p:bgPr>
     </p:bg>
     <p:spTree>
       <p:nvGrpSpPr>
-        <p:cNvPr id="728" name="Shape 728"/>
+        <p:cNvPr id="1" name=""/>
         <p:cNvGrpSpPr/>
         <p:nvPr/>
       </p:nvGrpSpPr>
-      <p:grpSpPr>
+      <p:grpSpPr bwMode="auto">
         <a:xfrm>
           <a:off x="0" y="0"/>
           <a:ext cx="0" cy="0"/>
@@ -8706,16 +9219,14 @@
       <p:pic>
         <p:nvPicPr>
           <p:cNvPr id="729" name="Google Shape;729;p79"/>
-          <p:cNvPicPr preferRelativeResize="0"/>
+          <p:cNvPicPr/>
           <p:nvPr/>
         </p:nvPicPr>
         <p:blipFill>
-          <a:blip r:embed="rId1"/>
-          <a:stretch>
-            <a:fillRect/>
-          </a:stretch>
+          <a:blip r:embed="rId3"/>
+          <a:stretch/>
         </p:blipFill>
-        <p:spPr>
+        <p:spPr bwMode="auto">
           <a:xfrm>
             <a:off x="0" y="0"/>
             <a:ext cx="9144001" cy="5143500"/>
@@ -8735,7 +9246,7 @@
           <p:cNvSpPr/>
           <p:nvPr/>
         </p:nvSpPr>
-        <p:spPr>
+        <p:spPr bwMode="auto">
           <a:xfrm>
             <a:off x="856500" y="0"/>
             <a:ext cx="8287500" cy="5143500"/>
@@ -8756,20 +9267,20 @@
           </a:bodyPr>
           <a:lstStyle/>
           <a:p>
-            <a:pPr marL="457200" lvl="0" indent="0" algn="just" rtl="0">
-              <a:spcBef>
-                <a:spcPts val="0"/>
-              </a:spcBef>
-              <a:spcAft>
-                <a:spcPts val="0"/>
-              </a:spcAft>
-              <a:buNone/>
+            <a:pPr marL="457200" lvl="0" indent="0" algn="just">
+              <a:spcBef>
+                <a:spcPts val="0"/>
+              </a:spcBef>
+              <a:spcAft>
+                <a:spcPts val="0"/>
+              </a:spcAft>
+              <a:buNone/>
+              <a:defRPr/>
             </a:pPr>
             <a:endParaRPr sz="1900">
               <a:latin typeface="Nunito Medium"/>
               <a:ea typeface="Nunito Medium"/>
               <a:cs typeface="Nunito Medium"/>
-              <a:sym typeface="Nunito Medium"/>
             </a:endParaRPr>
           </a:p>
         </p:txBody>
@@ -8780,7 +9291,7 @@
           <p:cNvSpPr txBox="1"/>
           <p:nvPr/>
         </p:nvSpPr>
-        <p:spPr>
+        <p:spPr bwMode="auto">
           <a:xfrm>
             <a:off x="1502150" y="776000"/>
             <a:ext cx="6192000" cy="431100"/>
@@ -8799,7 +9310,7 @@
           </a:bodyPr>
           <a:lstStyle/>
           <a:p>
-            <a:pPr marL="0" marR="0" lvl="0" indent="0" algn="l" rtl="0">
+            <a:pPr marL="0" marR="0" lvl="0" indent="0" algn="l">
               <a:lnSpc>
                 <a:spcPct val="100000"/>
               </a:lnSpc>
@@ -8810,6 +9321,7 @@
                 <a:spcPts val="0"/>
               </a:spcAft>
               <a:buNone/>
+              <a:defRPr/>
             </a:pPr>
             <a:endParaRPr sz="1600" b="1">
               <a:solidFill>
@@ -8818,7 +9330,6 @@
               <a:latin typeface="Nunito"/>
               <a:ea typeface="Nunito"/>
               <a:cs typeface="Nunito"/>
-              <a:sym typeface="Nunito"/>
             </a:endParaRPr>
           </a:p>
         </p:txBody>
@@ -8829,9 +9340,9 @@
           <p:cNvSpPr txBox="1"/>
           <p:nvPr/>
         </p:nvSpPr>
-        <p:spPr>
-          <a:xfrm>
-            <a:off x="903300" y="145025"/>
+        <p:spPr bwMode="auto">
+          <a:xfrm>
+            <a:off x="903299" y="145024"/>
             <a:ext cx="8240700" cy="796800"/>
           </a:xfrm>
           <a:prstGeom prst="rect">
@@ -8848,14 +9359,15 @@
           </a:bodyPr>
           <a:lstStyle/>
           <a:p>
-            <a:pPr marL="0" lvl="0" indent="0" algn="ctr" rtl="0">
-              <a:spcBef>
-                <a:spcPts val="0"/>
-              </a:spcBef>
-              <a:spcAft>
-                <a:spcPts val="0"/>
-              </a:spcAft>
-              <a:buNone/>
+            <a:pPr marL="0" lvl="0" indent="0" algn="ctr">
+              <a:spcBef>
+                <a:spcPts val="0"/>
+              </a:spcBef>
+              <a:spcAft>
+                <a:spcPts val="0"/>
+              </a:spcAft>
+              <a:buNone/>
+              <a:defRPr/>
             </a:pPr>
             <a:r>
               <a:rPr lang="en-US" sz="2400">
@@ -8865,7 +9377,6 @@
                 <a:latin typeface="Nunito ExtraBold"/>
                 <a:ea typeface="Nunito ExtraBold"/>
                 <a:cs typeface="Nunito ExtraBold"/>
-                <a:sym typeface="Nunito ExtraBold"/>
               </a:rPr>
               <a:t>Práctica Dockerización (Adicional)</a:t>
             </a:r>
@@ -8876,7 +9387,6 @@
               <a:latin typeface="Nunito ExtraBold"/>
               <a:ea typeface="Nunito ExtraBold"/>
               <a:cs typeface="Nunito ExtraBold"/>
-              <a:sym typeface="Nunito ExtraBold"/>
             </a:endParaRPr>
           </a:p>
         </p:txBody>
@@ -8887,7 +9397,7 @@
           <p:cNvSpPr txBox="1"/>
           <p:nvPr/>
         </p:nvSpPr>
-        <p:spPr>
+        <p:spPr bwMode="auto">
           <a:xfrm>
             <a:off x="1054350" y="868050"/>
             <a:ext cx="7938600" cy="2781935"/>
@@ -8906,14 +9416,15 @@
           </a:bodyPr>
           <a:lstStyle/>
           <a:p>
-            <a:pPr marL="457200" lvl="0" indent="0" algn="just" rtl="0">
-              <a:spcBef>
-                <a:spcPts val="0"/>
-              </a:spcBef>
-              <a:spcAft>
-                <a:spcPts val="0"/>
-              </a:spcAft>
-              <a:buNone/>
+            <a:pPr marL="457200" lvl="0" indent="0" algn="just">
+              <a:spcBef>
+                <a:spcPts val="0"/>
+              </a:spcBef>
+              <a:spcAft>
+                <a:spcPts val="0"/>
+              </a:spcAft>
+              <a:buNone/>
+              <a:defRPr/>
             </a:pPr>
             <a:r>
               <a:rPr lang="en-US" sz="1800">
@@ -8923,7 +9434,6 @@
                 <a:latin typeface="Nunito"/>
                 <a:ea typeface="Nunito"/>
                 <a:cs typeface="Nunito"/>
-                <a:sym typeface="Nunito"/>
               </a:rPr>
               <a:t>Crear un script en Github Actions el cual realice automáticamente el docker build del Dockerfile creado en la práctica anterior y lo suba al registry de Github.</a:t>
             </a:r>
@@ -8934,18 +9444,18 @@
               <a:latin typeface="Nunito"/>
               <a:ea typeface="Nunito"/>
               <a:cs typeface="Nunito"/>
-              <a:sym typeface="Nunito"/>
             </a:endParaRPr>
           </a:p>
           <a:p>
-            <a:pPr marL="457200" lvl="0" indent="0" algn="just" rtl="0">
-              <a:spcBef>
-                <a:spcPts val="0"/>
-              </a:spcBef>
-              <a:spcAft>
-                <a:spcPts val="0"/>
-              </a:spcAft>
-              <a:buNone/>
+            <a:pPr marL="457200" lvl="0" indent="0" algn="just">
+              <a:spcBef>
+                <a:spcPts val="0"/>
+              </a:spcBef>
+              <a:spcAft>
+                <a:spcPts val="0"/>
+              </a:spcAft>
+              <a:buNone/>
+              <a:defRPr/>
             </a:pPr>
             <a:endParaRPr lang="en-US" sz="1800">
               <a:solidFill>
@@ -8954,18 +9464,18 @@
               <a:latin typeface="Nunito"/>
               <a:ea typeface="Nunito"/>
               <a:cs typeface="Nunito"/>
-              <a:sym typeface="Nunito"/>
             </a:endParaRPr>
           </a:p>
           <a:p>
-            <a:pPr marL="457200" lvl="0" indent="0" algn="just" rtl="0">
-              <a:spcBef>
-                <a:spcPts val="0"/>
-              </a:spcBef>
-              <a:spcAft>
-                <a:spcPts val="0"/>
-              </a:spcAft>
-              <a:buNone/>
+            <a:pPr marL="457200" lvl="0" indent="0" algn="just">
+              <a:spcBef>
+                <a:spcPts val="0"/>
+              </a:spcBef>
+              <a:spcAft>
+                <a:spcPts val="0"/>
+              </a:spcAft>
+              <a:buNone/>
+              <a:defRPr/>
             </a:pPr>
             <a:r>
               <a:rPr lang="en-US" sz="1800">
@@ -8975,7 +9485,6 @@
                 <a:latin typeface="Nunito"/>
                 <a:ea typeface="Nunito"/>
                 <a:cs typeface="Nunito"/>
-                <a:sym typeface="Nunito"/>
               </a:rPr>
               <a:t>Este script solo se debe ejecutar cuando se haga un merge a la rama main/master.</a:t>
             </a:r>
@@ -8986,11 +9495,10 @@
               <a:latin typeface="Nunito"/>
               <a:ea typeface="Nunito"/>
               <a:cs typeface="Nunito"/>
-              <a:sym typeface="Nunito"/>
             </a:endParaRPr>
           </a:p>
           <a:p>
-            <a:pPr marL="457200" lvl="0" indent="0" algn="just" rtl="0">
+            <a:pPr marL="457200" lvl="0" indent="0" algn="just">
               <a:lnSpc>
                 <a:spcPct val="150000"/>
               </a:lnSpc>
@@ -9001,6 +9509,7 @@
                 <a:spcPts val="0"/>
               </a:spcAft>
               <a:buNone/>
+              <a:defRPr/>
             </a:pPr>
             <a:endParaRPr sz="1800">
               <a:solidFill>
@@ -9009,11 +9518,10 @@
               <a:latin typeface="Nunito"/>
               <a:ea typeface="Nunito"/>
               <a:cs typeface="Nunito"/>
-              <a:sym typeface="Nunito"/>
             </a:endParaRPr>
           </a:p>
           <a:p>
-            <a:pPr marL="457200" lvl="0" indent="0" algn="l" rtl="0">
+            <a:pPr marL="457200" lvl="0" indent="0" algn="l">
               <a:lnSpc>
                 <a:spcPct val="150000"/>
               </a:lnSpc>
@@ -9024,6 +9532,7 @@
                 <a:spcPts val="0"/>
               </a:spcAft>
               <a:buNone/>
+              <a:defRPr/>
             </a:pPr>
             <a:endParaRPr sz="1600">
               <a:solidFill>
@@ -9032,7 +9541,6 @@
               <a:latin typeface="Nunito"/>
               <a:ea typeface="Nunito"/>
               <a:cs typeface="Nunito"/>
-              <a:sym typeface="Nunito"/>
             </a:endParaRPr>
           </a:p>
         </p:txBody>
@@ -9042,27 +9550,34 @@
   <p:clrMapOvr>
     <a:masterClrMapping/>
   </p:clrMapOvr>
+  <mc:AlternateContent xmlns:mc="http://schemas.openxmlformats.org/markup-compatibility/2006">
+    <mc:Choice xmlns:p159="http://schemas.microsoft.com/office/powerpoint/2015/09/main" xmlns:p14="http://schemas.microsoft.com/office/powerpoint/2010/main" Requires="p159">
+      <p:transition p14:dur="2000" advClick="1"/>
+    </mc:Choice>
+    <mc:Fallback>
+      <p:transition advClick="1"/>
+    </mc:Fallback>
+  </mc:AlternateContent>
 </p:sld>
 </file>
 
-<file path=ppt/slides/slide8.xml><?xml version="1.0" encoding="utf-8"?>
-<p:sld xmlns:a="http://schemas.openxmlformats.org/drawingml/2006/main" xmlns:r="http://schemas.openxmlformats.org/officeDocument/2006/relationships" xmlns:p="http://schemas.openxmlformats.org/presentationml/2006/main">
-  <p:cSld>
+<file path=ppt/slides/slide9.xml><?xml version="1.0" encoding="utf-8"?>
+<p:sld xmlns:a="http://schemas.openxmlformats.org/drawingml/2006/main" xmlns:r="http://schemas.openxmlformats.org/officeDocument/2006/relationships" xmlns:p="http://schemas.openxmlformats.org/presentationml/2006/main" xmlns:m="http://schemas.openxmlformats.org/officeDocument/2006/math" xmlns:w="http://schemas.openxmlformats.org/wordprocessingml/2006/main" showMasterPhAnim="0" show="1">
+  <p:cSld name="">
     <p:bg>
-      <p:bgPr>
+      <p:bgPr shadeToTitle="0">
         <a:solidFill>
           <a:srgbClr val="F8F8F8"/>
         </a:solidFill>
-        <a:effectLst/>
       </p:bgPr>
     </p:bg>
     <p:spTree>
       <p:nvGrpSpPr>
-        <p:cNvPr id="737" name="Shape 737"/>
+        <p:cNvPr id="1" name=""/>
         <p:cNvGrpSpPr/>
         <p:nvPr/>
       </p:nvGrpSpPr>
-      <p:grpSpPr>
+      <p:grpSpPr bwMode="auto">
         <a:xfrm>
           <a:off x="0" y="0"/>
           <a:ext cx="0" cy="0"/>
@@ -9073,16 +9588,14 @@
       <p:pic>
         <p:nvPicPr>
           <p:cNvPr id="738" name="Google Shape;738;p80"/>
-          <p:cNvPicPr preferRelativeResize="0"/>
+          <p:cNvPicPr/>
           <p:nvPr/>
         </p:nvPicPr>
         <p:blipFill>
-          <a:blip r:embed="rId1"/>
-          <a:stretch>
-            <a:fillRect/>
-          </a:stretch>
+          <a:blip r:embed="rId3"/>
+          <a:stretch/>
         </p:blipFill>
-        <p:spPr>
+        <p:spPr bwMode="auto">
           <a:xfrm>
             <a:off x="0" y="0"/>
             <a:ext cx="9144001" cy="5143500"/>
@@ -9102,7 +9615,7 @@
           <p:cNvSpPr/>
           <p:nvPr/>
         </p:nvSpPr>
-        <p:spPr>
+        <p:spPr bwMode="auto">
           <a:xfrm rot="10800000">
             <a:off x="3984408" y="3013632"/>
             <a:ext cx="5159592" cy="2129868"/>
@@ -9123,15 +9636,17 @@
           </a:bodyPr>
           <a:lstStyle/>
           <a:p>
-            <a:pPr marL="0" lvl="0" indent="0" algn="ctr" rtl="0">
-              <a:spcBef>
-                <a:spcPts val="0"/>
-              </a:spcBef>
-              <a:spcAft>
-                <a:spcPts val="0"/>
-              </a:spcAft>
-              <a:buNone/>
-            </a:pPr>
+            <a:pPr marL="0" lvl="0" indent="0" algn="ctr">
+              <a:spcBef>
+                <a:spcPts val="0"/>
+              </a:spcBef>
+              <a:spcAft>
+                <a:spcPts val="0"/>
+              </a:spcAft>
+              <a:buNone/>
+              <a:defRPr/>
+            </a:pPr>
+            <a:endParaRPr/>
           </a:p>
         </p:txBody>
       </p:sp>
@@ -9141,7 +9656,7 @@
           <p:cNvSpPr/>
           <p:nvPr/>
         </p:nvSpPr>
-        <p:spPr>
+        <p:spPr bwMode="auto">
           <a:xfrm rot="10800000" flipH="1">
             <a:off x="-28975" y="3013632"/>
             <a:ext cx="4027860" cy="2129868"/>
@@ -9162,15 +9677,17 @@
           </a:bodyPr>
           <a:lstStyle/>
           <a:p>
-            <a:pPr marL="0" lvl="0" indent="0" algn="ctr" rtl="0">
-              <a:spcBef>
-                <a:spcPts val="0"/>
-              </a:spcBef>
-              <a:spcAft>
-                <a:spcPts val="0"/>
-              </a:spcAft>
-              <a:buNone/>
-            </a:pPr>
+            <a:pPr marL="0" lvl="0" indent="0" algn="ctr">
+              <a:spcBef>
+                <a:spcPts val="0"/>
+              </a:spcBef>
+              <a:spcAft>
+                <a:spcPts val="0"/>
+              </a:spcAft>
+              <a:buNone/>
+              <a:defRPr/>
+            </a:pPr>
+            <a:endParaRPr/>
           </a:p>
         </p:txBody>
       </p:sp>
@@ -9180,10 +9697,10 @@
           <p:cNvSpPr txBox="1"/>
           <p:nvPr/>
         </p:nvSpPr>
-        <p:spPr>
+        <p:spPr bwMode="auto">
           <a:xfrm>
             <a:off x="637500" y="3868500"/>
-            <a:ext cx="7791000" cy="709800"/>
+            <a:ext cx="7791000" cy="709799"/>
           </a:xfrm>
           <a:prstGeom prst="rect">
             <a:avLst/>
@@ -9199,14 +9716,15 @@
           </a:bodyPr>
           <a:lstStyle/>
           <a:p>
-            <a:pPr marL="0" lvl="0" indent="0" algn="l" rtl="0">
-              <a:spcBef>
-                <a:spcPts val="0"/>
-              </a:spcBef>
-              <a:spcAft>
-                <a:spcPts val="0"/>
-              </a:spcAft>
-              <a:buNone/>
+            <a:pPr marL="0" lvl="0" indent="0" algn="l">
+              <a:spcBef>
+                <a:spcPts val="0"/>
+              </a:spcBef>
+              <a:spcAft>
+                <a:spcPts val="0"/>
+              </a:spcAft>
+              <a:buNone/>
+              <a:defRPr/>
             </a:pPr>
             <a:r>
               <a:rPr lang="en-US" sz="3600">
@@ -9216,7 +9734,6 @@
                 <a:latin typeface="Nunito Black"/>
                 <a:ea typeface="Nunito Black"/>
                 <a:cs typeface="Nunito Black"/>
-                <a:sym typeface="Nunito Black"/>
               </a:rPr>
               <a:t>¿Preguntas?</a:t>
             </a:r>
@@ -9227,7 +9744,6 @@
               <a:latin typeface="Nunito Black"/>
               <a:ea typeface="Nunito Black"/>
               <a:cs typeface="Nunito Black"/>
-              <a:sym typeface="Nunito Black"/>
             </a:endParaRPr>
           </a:p>
         </p:txBody>
@@ -9238,7 +9754,7 @@
           <p:cNvSpPr/>
           <p:nvPr/>
         </p:nvSpPr>
-        <p:spPr>
+        <p:spPr bwMode="auto">
           <a:xfrm>
             <a:off x="252900" y="3267450"/>
             <a:ext cx="384600" cy="536100"/>
@@ -9261,20 +9777,20 @@
           </a:bodyPr>
           <a:lstStyle/>
           <a:p>
-            <a:pPr marL="0" lvl="0" indent="0" algn="ctr" rtl="0">
-              <a:spcBef>
-                <a:spcPts val="0"/>
-              </a:spcBef>
-              <a:spcAft>
-                <a:spcPts val="0"/>
-              </a:spcAft>
-              <a:buNone/>
+            <a:pPr marL="0" lvl="0" indent="0" algn="ctr">
+              <a:spcBef>
+                <a:spcPts val="0"/>
+              </a:spcBef>
+              <a:spcAft>
+                <a:spcPts val="0"/>
+              </a:spcAft>
+              <a:buNone/>
+              <a:defRPr/>
             </a:pPr>
             <a:endParaRPr>
               <a:latin typeface="Lato"/>
               <a:ea typeface="Lato"/>
               <a:cs typeface="Lato"/>
-              <a:sym typeface="Lato"/>
             </a:endParaRPr>
           </a:p>
         </p:txBody>
@@ -9284,253 +9800,19 @@
   <p:clrMapOvr>
     <a:masterClrMapping/>
   </p:clrMapOvr>
-</p:sld>
-</file>
-
-<file path=ppt/slides/slide9.xml><?xml version="1.0" encoding="utf-8"?>
-<p:sld xmlns:a="http://schemas.openxmlformats.org/drawingml/2006/main" xmlns:r="http://schemas.openxmlformats.org/officeDocument/2006/relationships" xmlns:p="http://schemas.openxmlformats.org/presentationml/2006/main">
-  <p:cSld>
-    <p:bg>
-      <p:bgPr>
-        <a:solidFill>
-          <a:srgbClr val="F8F8F8"/>
-        </a:solidFill>
-        <a:effectLst/>
-      </p:bgPr>
-    </p:bg>
-    <p:spTree>
-      <p:nvGrpSpPr>
-        <p:cNvPr id="746" name="Shape 746"/>
-        <p:cNvGrpSpPr/>
-        <p:nvPr/>
-      </p:nvGrpSpPr>
-      <p:grpSpPr>
-        <a:xfrm>
-          <a:off x="0" y="0"/>
-          <a:ext cx="0" cy="0"/>
-          <a:chOff x="0" y="0"/>
-          <a:chExt cx="0" cy="0"/>
-        </a:xfrm>
-      </p:grpSpPr>
-      <p:pic>
-        <p:nvPicPr>
-          <p:cNvPr id="747" name="Google Shape;747;p81"/>
-          <p:cNvPicPr preferRelativeResize="0"/>
-          <p:nvPr/>
-        </p:nvPicPr>
-        <p:blipFill>
-          <a:blip r:embed="rId1"/>
-          <a:stretch>
-            <a:fillRect/>
-          </a:stretch>
-        </p:blipFill>
-        <p:spPr>
-          <a:xfrm>
-            <a:off x="0" y="0"/>
-            <a:ext cx="9144001" cy="5143500"/>
-          </a:xfrm>
-          <a:prstGeom prst="rect">
-            <a:avLst/>
-          </a:prstGeom>
-          <a:noFill/>
-          <a:ln>
-            <a:noFill/>
-          </a:ln>
-        </p:spPr>
-      </p:pic>
-      <p:sp>
-        <p:nvSpPr>
-          <p:cNvPr id="748" name="Google Shape;748;p81"/>
-          <p:cNvSpPr/>
-          <p:nvPr/>
-        </p:nvSpPr>
-        <p:spPr>
-          <a:xfrm rot="10800000">
-            <a:off x="3984408" y="3013632"/>
-            <a:ext cx="5159592" cy="2129868"/>
-          </a:xfrm>
-          <a:prstGeom prst="flowChartDocument">
-            <a:avLst/>
-          </a:prstGeom>
-          <a:solidFill>
-            <a:srgbClr val="F8F8F8"/>
-          </a:solidFill>
-          <a:ln>
-            <a:noFill/>
-          </a:ln>
-        </p:spPr>
-        <p:txBody>
-          <a:bodyPr spcFirstLastPara="1" wrap="square" lIns="91425" tIns="91425" rIns="91425" bIns="91425" anchor="ctr" anchorCtr="0">
-            <a:noAutofit/>
-          </a:bodyPr>
-          <a:lstStyle/>
-          <a:p>
-            <a:pPr marL="0" lvl="0" indent="0" algn="ctr" rtl="0">
-              <a:spcBef>
-                <a:spcPts val="0"/>
-              </a:spcBef>
-              <a:spcAft>
-                <a:spcPts val="0"/>
-              </a:spcAft>
-              <a:buNone/>
-            </a:pPr>
-          </a:p>
-        </p:txBody>
-      </p:sp>
-      <p:sp>
-        <p:nvSpPr>
-          <p:cNvPr id="749" name="Google Shape;749;p81"/>
-          <p:cNvSpPr/>
-          <p:nvPr/>
-        </p:nvSpPr>
-        <p:spPr>
-          <a:xfrm rot="10800000" flipH="1">
-            <a:off x="-28975" y="3013632"/>
-            <a:ext cx="4027860" cy="2129868"/>
-          </a:xfrm>
-          <a:prstGeom prst="flowChartDocument">
-            <a:avLst/>
-          </a:prstGeom>
-          <a:solidFill>
-            <a:srgbClr val="F8F8F8"/>
-          </a:solidFill>
-          <a:ln>
-            <a:noFill/>
-          </a:ln>
-        </p:spPr>
-        <p:txBody>
-          <a:bodyPr spcFirstLastPara="1" wrap="square" lIns="91425" tIns="91425" rIns="91425" bIns="91425" anchor="ctr" anchorCtr="0">
-            <a:noAutofit/>
-          </a:bodyPr>
-          <a:lstStyle/>
-          <a:p>
-            <a:pPr marL="0" lvl="0" indent="0" algn="ctr" rtl="0">
-              <a:spcBef>
-                <a:spcPts val="0"/>
-              </a:spcBef>
-              <a:spcAft>
-                <a:spcPts val="0"/>
-              </a:spcAft>
-              <a:buNone/>
-            </a:pPr>
-          </a:p>
-        </p:txBody>
-      </p:sp>
-      <p:sp>
-        <p:nvSpPr>
-          <p:cNvPr id="750" name="Google Shape;750;p81"/>
-          <p:cNvSpPr txBox="1"/>
-          <p:nvPr/>
-        </p:nvSpPr>
-        <p:spPr>
-          <a:xfrm>
-            <a:off x="637500" y="3868500"/>
-            <a:ext cx="7791000" cy="709800"/>
-          </a:xfrm>
-          <a:prstGeom prst="rect">
-            <a:avLst/>
-          </a:prstGeom>
-          <a:noFill/>
-          <a:ln>
-            <a:noFill/>
-          </a:ln>
-        </p:spPr>
-        <p:txBody>
-          <a:bodyPr spcFirstLastPara="1" wrap="square" lIns="91425" tIns="91425" rIns="91425" bIns="91425" anchor="t" anchorCtr="0">
-            <a:noAutofit/>
-          </a:bodyPr>
-          <a:lstStyle/>
-          <a:p>
-            <a:pPr marL="0" lvl="0" indent="0" algn="l" rtl="0">
-              <a:spcBef>
-                <a:spcPts val="0"/>
-              </a:spcBef>
-              <a:spcAft>
-                <a:spcPts val="0"/>
-              </a:spcAft>
-              <a:buNone/>
-            </a:pPr>
-            <a:r>
-              <a:rPr lang="en-US" sz="3600">
-                <a:solidFill>
-                  <a:srgbClr val="5F21B6"/>
-                </a:solidFill>
-                <a:latin typeface="Nunito Black"/>
-                <a:ea typeface="Nunito Black"/>
-                <a:cs typeface="Nunito Black"/>
-                <a:sym typeface="Nunito Black"/>
-              </a:rPr>
-              <a:t>¡Gracias!</a:t>
-            </a:r>
-            <a:endParaRPr sz="3600">
-              <a:solidFill>
-                <a:srgbClr val="5F21B6"/>
-              </a:solidFill>
-              <a:latin typeface="Nunito Black"/>
-              <a:ea typeface="Nunito Black"/>
-              <a:cs typeface="Nunito Black"/>
-              <a:sym typeface="Nunito Black"/>
-            </a:endParaRPr>
-          </a:p>
-        </p:txBody>
-      </p:sp>
-      <p:sp>
-        <p:nvSpPr>
-          <p:cNvPr id="751" name="Google Shape;751;p81"/>
-          <p:cNvSpPr/>
-          <p:nvPr/>
-        </p:nvSpPr>
-        <p:spPr>
-          <a:xfrm>
-            <a:off x="252900" y="3267450"/>
-            <a:ext cx="384600" cy="536100"/>
-          </a:xfrm>
-          <a:prstGeom prst="star4">
-            <a:avLst>
-              <a:gd name="adj" fmla="val 12497"/>
-            </a:avLst>
-          </a:prstGeom>
-          <a:solidFill>
-            <a:srgbClr val="5001BB"/>
-          </a:solidFill>
-          <a:ln>
-            <a:noFill/>
-          </a:ln>
-        </p:spPr>
-        <p:txBody>
-          <a:bodyPr spcFirstLastPara="1" wrap="square" lIns="91425" tIns="91425" rIns="91425" bIns="91425" anchor="ctr" anchorCtr="0">
-            <a:noAutofit/>
-          </a:bodyPr>
-          <a:lstStyle/>
-          <a:p>
-            <a:pPr marL="0" lvl="0" indent="0" algn="ctr" rtl="0">
-              <a:spcBef>
-                <a:spcPts val="0"/>
-              </a:spcBef>
-              <a:spcAft>
-                <a:spcPts val="0"/>
-              </a:spcAft>
-              <a:buNone/>
-            </a:pPr>
-            <a:endParaRPr>
-              <a:latin typeface="Lato"/>
-              <a:ea typeface="Lato"/>
-              <a:cs typeface="Lato"/>
-              <a:sym typeface="Lato"/>
-            </a:endParaRPr>
-          </a:p>
-        </p:txBody>
-      </p:sp>
-    </p:spTree>
-  </p:cSld>
-  <p:clrMapOvr>
-    <a:masterClrMapping/>
-  </p:clrMapOvr>
+  <mc:AlternateContent xmlns:mc="http://schemas.openxmlformats.org/markup-compatibility/2006">
+    <mc:Choice xmlns:p159="http://schemas.microsoft.com/office/powerpoint/2015/09/main" xmlns:p14="http://schemas.microsoft.com/office/powerpoint/2010/main" Requires="p159">
+      <p:transition p14:dur="2000" advClick="1"/>
+    </mc:Choice>
+    <mc:Fallback>
+      <p:transition advClick="1"/>
+    </mc:Fallback>
+  </mc:AlternateContent>
 </p:sld>
 </file>
 
 <file path=ppt/theme/theme1.xml><?xml version="1.0" encoding="utf-8"?>
-<a:theme xmlns:a="http://schemas.openxmlformats.org/drawingml/2006/main" name="Diseño de Sistemas Curso">
+<a:theme xmlns:a="http://schemas.openxmlformats.org/drawingml/2006/main" xmlns:r="http://schemas.openxmlformats.org/officeDocument/2006/relationships" xmlns:p="http://schemas.openxmlformats.org/presentationml/2006/main" name="Diseño de Sistemas Curso">
   <a:themeElements>
     <a:clrScheme name="Simple Light">
       <a:dk1>
@@ -9573,73 +9855,13 @@
     <a:fontScheme name="Office">
       <a:majorFont>
         <a:latin typeface="Arial"/>
-        <a:ea typeface=""/>
-        <a:cs typeface=""/>
-        <a:font script="Jpan" typeface="ＭＳ Ｐゴシック"/>
-        <a:font script="Hang" typeface="맑은 고딕"/>
-        <a:font script="Hans" typeface="宋体"/>
-        <a:font script="Hant" typeface="新細明體"/>
-        <a:font script="Arab" typeface="Times New Roman"/>
-        <a:font script="Hebr" typeface="Times New Roman"/>
-        <a:font script="Thai" typeface="Angsana New"/>
-        <a:font script="Ethi" typeface="Nyala"/>
-        <a:font script="Beng" typeface="Vrinda"/>
-        <a:font script="Gujr" typeface="Shruti"/>
-        <a:font script="Khmr" typeface="MoolBoran"/>
-        <a:font script="Knda" typeface="Tunga"/>
-        <a:font script="Guru" typeface="Raavi"/>
-        <a:font script="Cans" typeface="Euphemia"/>
-        <a:font script="Cher" typeface="Plantagenet Cherokee"/>
-        <a:font script="Yiii" typeface="Microsoft Yi Baiti"/>
-        <a:font script="Tibt" typeface="Microsoft Himalaya"/>
-        <a:font script="Thaa" typeface="MV Boli"/>
-        <a:font script="Deva" typeface="Mangal"/>
-        <a:font script="Telu" typeface="Gautami"/>
-        <a:font script="Taml" typeface="Latha"/>
-        <a:font script="Syrc" typeface="Estrangelo Edessa"/>
-        <a:font script="Orya" typeface="Kalinga"/>
-        <a:font script="Mlym" typeface="Kartika"/>
-        <a:font script="Laoo" typeface="DokChampa"/>
-        <a:font script="Sinh" typeface="Iskoola Pota"/>
-        <a:font script="Mong" typeface="Mongolian Baiti"/>
-        <a:font script="Viet" typeface="Times New Roman"/>
-        <a:font script="Uigh" typeface="Microsoft Uighur"/>
-        <a:font script="Geor" typeface="Sylfaen"/>
+        <a:ea typeface="Arial"/>
+        <a:cs typeface="Arial"/>
       </a:majorFont>
       <a:minorFont>
         <a:latin typeface="Arial"/>
-        <a:ea typeface=""/>
-        <a:cs typeface=""/>
-        <a:font script="Jpan" typeface="ＭＳ Ｐゴシック"/>
-        <a:font script="Hang" typeface="맑은 고딕"/>
-        <a:font script="Hans" typeface="宋体"/>
-        <a:font script="Hant" typeface="新細明體"/>
-        <a:font script="Arab" typeface="Arial"/>
-        <a:font script="Hebr" typeface="Arial"/>
-        <a:font script="Thai" typeface="Cordia New"/>
-        <a:font script="Ethi" typeface="Nyala"/>
-        <a:font script="Beng" typeface="Vrinda"/>
-        <a:font script="Gujr" typeface="Shruti"/>
-        <a:font script="Khmr" typeface="DaunPenh"/>
-        <a:font script="Knda" typeface="Tunga"/>
-        <a:font script="Guru" typeface="Raavi"/>
-        <a:font script="Cans" typeface="Euphemia"/>
-        <a:font script="Cher" typeface="Plantagenet Cherokee"/>
-        <a:font script="Yiii" typeface="Microsoft Yi Baiti"/>
-        <a:font script="Tibt" typeface="Microsoft Himalaya"/>
-        <a:font script="Thaa" typeface="MV Boli"/>
-        <a:font script="Deva" typeface="Mangal"/>
-        <a:font script="Telu" typeface="Gautami"/>
-        <a:font script="Taml" typeface="Latha"/>
-        <a:font script="Syrc" typeface="Estrangelo Edessa"/>
-        <a:font script="Orya" typeface="Kalinga"/>
-        <a:font script="Mlym" typeface="Kartika"/>
-        <a:font script="Laoo" typeface="DokChampa"/>
-        <a:font script="Sinh" typeface="Iskoola Pota"/>
-        <a:font script="Mong" typeface="Mongolian Baiti"/>
-        <a:font script="Viet" typeface="Arial"/>
-        <a:font script="Uigh" typeface="Microsoft Uighur"/>
-        <a:font script="Geor" typeface="Sylfaen"/>
+        <a:ea typeface="Arial"/>
+        <a:cs typeface="Arial"/>
       </a:minorFont>
     </a:fontScheme>
     <a:fmtScheme name="Office">
@@ -9647,7 +9869,7 @@
         <a:solidFill>
           <a:schemeClr val="phClr"/>
         </a:solidFill>
-        <a:gradFill rotWithShape="1">
+        <a:gradFill>
           <a:gsLst>
             <a:gs pos="0">
               <a:schemeClr val="phClr">
@@ -9670,7 +9892,7 @@
           </a:gsLst>
           <a:lin ang="16200000" scaled="1"/>
         </a:gradFill>
-        <a:gradFill rotWithShape="1">
+        <a:gradFill>
           <a:gsLst>
             <a:gs pos="0">
               <a:schemeClr val="phClr">
@@ -9740,24 +9962,13 @@
               </a:srgbClr>
             </a:outerShdw>
           </a:effectLst>
-          <a:scene3d>
-            <a:camera prst="orthographicFront">
-              <a:rot lat="0" lon="0" rev="0"/>
-            </a:camera>
-            <a:lightRig rig="threePt" dir="t">
-              <a:rot lat="0" lon="0" rev="1200000"/>
-            </a:lightRig>
-          </a:scene3d>
-          <a:sp3d>
-            <a:bevelT w="63500" h="25400"/>
-          </a:sp3d>
         </a:effectStyle>
       </a:effectStyleLst>
       <a:bgFillStyleLst>
         <a:solidFill>
           <a:schemeClr val="phClr"/>
         </a:solidFill>
-        <a:gradFill rotWithShape="1">
+        <a:gradFill>
           <a:gsLst>
             <a:gs pos="0">
               <a:schemeClr val="phClr">
@@ -9779,11 +9990,9 @@
               </a:schemeClr>
             </a:gs>
           </a:gsLst>
-          <a:path path="circle">
-            <a:fillToRect l="50000" t="-80000" r="50000" b="180000"/>
-          </a:path>
+          <a:path path="circle"/>
         </a:gradFill>
-        <a:gradFill rotWithShape="1">
+        <a:gradFill>
           <a:gsLst>
             <a:gs pos="0">
               <a:schemeClr val="phClr">
@@ -9798,23 +10007,17 @@
               </a:schemeClr>
             </a:gs>
           </a:gsLst>
-          <a:path path="circle">
-            <a:fillToRect l="50000" t="50000" r="50000" b="50000"/>
-          </a:path>
+          <a:path path="circle"/>
         </a:gradFill>
       </a:bgFillStyleLst>
     </a:fmtScheme>
   </a:themeElements>
-  <a:extLst>
-    <a:ext uri="{05A4C25C-085E-4340-85A3-A5531E510DB2}">
-      <thm15:themeFamily xmlns:thm15="http://schemas.microsoft.com/office/thememl/2012/main" name="Office Theme" id="{62F939B6-93AF-4DB8-9C6B-D6C7DFDC589F}" vid="{4A3C46E8-61CC-4603-A589-7422A47A8E4A}"/>
-    </a:ext>
-  </a:extLst>
+  <a:objectDefaults/>
 </a:theme>
 </file>
 
 <file path=ppt/theme/theme2.xml><?xml version="1.0" encoding="utf-8"?>
-<a:theme xmlns:a="http://schemas.openxmlformats.org/drawingml/2006/main">
+<a:theme xmlns:a="http://schemas.openxmlformats.org/drawingml/2006/main" xmlns:r="http://schemas.openxmlformats.org/officeDocument/2006/relationships" xmlns:p="http://schemas.openxmlformats.org/presentationml/2006/main" name="">
   <a:themeElements>
     <a:clrScheme name="Default">
       <a:dk1>
@@ -9857,73 +10060,13 @@
     <a:fontScheme name="Office">
       <a:majorFont>
         <a:latin typeface="Arial"/>
-        <a:ea typeface=""/>
-        <a:cs typeface=""/>
-        <a:font script="Jpan" typeface="ＭＳ Ｐゴシック"/>
-        <a:font script="Hang" typeface="맑은 고딕"/>
-        <a:font script="Hans" typeface="宋体"/>
-        <a:font script="Hant" typeface="新細明體"/>
-        <a:font script="Arab" typeface="Times New Roman"/>
-        <a:font script="Hebr" typeface="Times New Roman"/>
-        <a:font script="Thai" typeface="Angsana New"/>
-        <a:font script="Ethi" typeface="Nyala"/>
-        <a:font script="Beng" typeface="Vrinda"/>
-        <a:font script="Gujr" typeface="Shruti"/>
-        <a:font script="Khmr" typeface="MoolBoran"/>
-        <a:font script="Knda" typeface="Tunga"/>
-        <a:font script="Guru" typeface="Raavi"/>
-        <a:font script="Cans" typeface="Euphemia"/>
-        <a:font script="Cher" typeface="Plantagenet Cherokee"/>
-        <a:font script="Yiii" typeface="Microsoft Yi Baiti"/>
-        <a:font script="Tibt" typeface="Microsoft Himalaya"/>
-        <a:font script="Thaa" typeface="MV Boli"/>
-        <a:font script="Deva" typeface="Mangal"/>
-        <a:font script="Telu" typeface="Gautami"/>
-        <a:font script="Taml" typeface="Latha"/>
-        <a:font script="Syrc" typeface="Estrangelo Edessa"/>
-        <a:font script="Orya" typeface="Kalinga"/>
-        <a:font script="Mlym" typeface="Kartika"/>
-        <a:font script="Laoo" typeface="DokChampa"/>
-        <a:font script="Sinh" typeface="Iskoola Pota"/>
-        <a:font script="Mong" typeface="Mongolian Baiti"/>
-        <a:font script="Viet" typeface="Times New Roman"/>
-        <a:font script="Uigh" typeface="Microsoft Uighur"/>
-        <a:font script="Geor" typeface="Sylfaen"/>
+        <a:ea typeface="Arial"/>
+        <a:cs typeface="Arial"/>
       </a:majorFont>
       <a:minorFont>
         <a:latin typeface="Arial"/>
-        <a:ea typeface=""/>
-        <a:cs typeface=""/>
-        <a:font script="Jpan" typeface="ＭＳ Ｐゴシック"/>
-        <a:font script="Hang" typeface="맑은 고딕"/>
-        <a:font script="Hans" typeface="宋体"/>
-        <a:font script="Hant" typeface="新細明體"/>
-        <a:font script="Arab" typeface="Arial"/>
-        <a:font script="Hebr" typeface="Arial"/>
-        <a:font script="Thai" typeface="Cordia New"/>
-        <a:font script="Ethi" typeface="Nyala"/>
-        <a:font script="Beng" typeface="Vrinda"/>
-        <a:font script="Gujr" typeface="Shruti"/>
-        <a:font script="Khmr" typeface="DaunPenh"/>
-        <a:font script="Knda" typeface="Tunga"/>
-        <a:font script="Guru" typeface="Raavi"/>
-        <a:font script="Cans" typeface="Euphemia"/>
-        <a:font script="Cher" typeface="Plantagenet Cherokee"/>
-        <a:font script="Yiii" typeface="Microsoft Yi Baiti"/>
-        <a:font script="Tibt" typeface="Microsoft Himalaya"/>
-        <a:font script="Thaa" typeface="MV Boli"/>
-        <a:font script="Deva" typeface="Mangal"/>
-        <a:font script="Telu" typeface="Gautami"/>
-        <a:font script="Taml" typeface="Latha"/>
-        <a:font script="Syrc" typeface="Estrangelo Edessa"/>
-        <a:font script="Orya" typeface="Kalinga"/>
-        <a:font script="Mlym" typeface="Kartika"/>
-        <a:font script="Laoo" typeface="DokChampa"/>
-        <a:font script="Sinh" typeface="Iskoola Pota"/>
-        <a:font script="Mong" typeface="Mongolian Baiti"/>
-        <a:font script="Viet" typeface="Arial"/>
-        <a:font script="Uigh" typeface="Microsoft Uighur"/>
-        <a:font script="Geor" typeface="Sylfaen"/>
+        <a:ea typeface="Arial"/>
+        <a:cs typeface="Arial"/>
       </a:minorFont>
     </a:fontScheme>
     <a:fmtScheme name="Office">
@@ -9931,7 +10074,7 @@
         <a:solidFill>
           <a:schemeClr val="phClr"/>
         </a:solidFill>
-        <a:gradFill rotWithShape="1">
+        <a:gradFill>
           <a:gsLst>
             <a:gs pos="0">
               <a:schemeClr val="phClr">
@@ -9954,7 +10097,7 @@
           </a:gsLst>
           <a:lin ang="16200000" scaled="1"/>
         </a:gradFill>
-        <a:gradFill rotWithShape="1">
+        <a:gradFill>
           <a:gsLst>
             <a:gs pos="0">
               <a:schemeClr val="phClr">
@@ -10024,24 +10167,13 @@
               </a:srgbClr>
             </a:outerShdw>
           </a:effectLst>
-          <a:scene3d>
-            <a:camera prst="orthographicFront">
-              <a:rot lat="0" lon="0" rev="0"/>
-            </a:camera>
-            <a:lightRig rig="threePt" dir="t">
-              <a:rot lat="0" lon="0" rev="1200000"/>
-            </a:lightRig>
-          </a:scene3d>
-          <a:sp3d>
-            <a:bevelT w="63500" h="25400"/>
-          </a:sp3d>
         </a:effectStyle>
       </a:effectStyleLst>
       <a:bgFillStyleLst>
         <a:solidFill>
           <a:schemeClr val="phClr"/>
         </a:solidFill>
-        <a:gradFill rotWithShape="1">
+        <a:gradFill>
           <a:gsLst>
             <a:gs pos="0">
               <a:schemeClr val="phClr">
@@ -10063,11 +10195,9 @@
               </a:schemeClr>
             </a:gs>
           </a:gsLst>
-          <a:path path="circle">
-            <a:fillToRect l="50000" t="-80000" r="50000" b="180000"/>
-          </a:path>
+          <a:path path="circle"/>
         </a:gradFill>
-        <a:gradFill rotWithShape="1">
+        <a:gradFill>
           <a:gsLst>
             <a:gs pos="0">
               <a:schemeClr val="phClr">
@@ -10082,17 +10212,11 @@
               </a:schemeClr>
             </a:gs>
           </a:gsLst>
-          <a:path path="circle">
-            <a:fillToRect l="50000" t="50000" r="50000" b="50000"/>
-          </a:path>
+          <a:path path="circle"/>
         </a:gradFill>
       </a:bgFillStyleLst>
     </a:fmtScheme>
   </a:themeElements>
-  <a:extLst>
-    <a:ext uri="{05A4C25C-085E-4340-85A3-A5531E510DB2}">
-      <thm15:themeFamily xmlns:thm15="http://schemas.microsoft.com/office/thememl/2012/main" name="Office Theme" id="{62F939B6-93AF-4DB8-9C6B-D6C7DFDC589F}" vid="{4A3C46E8-61CC-4603-A589-7422A47A8E4A}"/>
-    </a:ext>
-  </a:extLst>
+  <a:objectDefaults/>
 </a:theme>
 </file>